--- a/SuSS/ANL201 Study Unit 4_2021 - Lecturer.pptx
+++ b/SuSS/ANL201 Study Unit 4_2021 - Lecturer.pptx
@@ -1087,6 +1087,13 @@
         </dgm:presLayoutVars>
       </dgm:prSet>
       <dgm:spPr/>
+      <dgm:t>
+        <a:bodyPr/>
+        <a:lstStyle/>
+        <a:p>
+          <a:endParaRPr lang="en-SG"/>
+        </a:p>
+      </dgm:t>
     </dgm:pt>
     <dgm:pt modelId="{23B7E1C5-6C87-47A6-93AF-D65AE9EF90A4}" type="pres">
       <dgm:prSet presAssocID="{EB2D46C8-007B-4A1B-852D-33A1D7EFBC02}" presName="parSpace" presStyleCnt="0"/>
@@ -1099,6 +1106,13 @@
         </dgm:presLayoutVars>
       </dgm:prSet>
       <dgm:spPr/>
+      <dgm:t>
+        <a:bodyPr/>
+        <a:lstStyle/>
+        <a:p>
+          <a:endParaRPr lang="en-SG"/>
+        </a:p>
+      </dgm:t>
     </dgm:pt>
     <dgm:pt modelId="{2192952A-3E90-44A4-B193-834FBDC9CD14}" type="pres">
       <dgm:prSet presAssocID="{B2BA8425-597E-4654-A400-C7DF22E78964}" presName="parSpace" presStyleCnt="0"/>
@@ -1111,6 +1125,13 @@
         </dgm:presLayoutVars>
       </dgm:prSet>
       <dgm:spPr/>
+      <dgm:t>
+        <a:bodyPr/>
+        <a:lstStyle/>
+        <a:p>
+          <a:endParaRPr lang="en-SG"/>
+        </a:p>
+      </dgm:t>
     </dgm:pt>
     <dgm:pt modelId="{E4BF4218-FD7F-4244-BBEA-4878ACC00C7F}" type="pres">
       <dgm:prSet presAssocID="{5C610C94-E7E3-438A-9066-E11437EE6024}" presName="parSpace" presStyleCnt="0"/>
@@ -1123,18 +1144,25 @@
         </dgm:presLayoutVars>
       </dgm:prSet>
       <dgm:spPr/>
+      <dgm:t>
+        <a:bodyPr/>
+        <a:lstStyle/>
+        <a:p>
+          <a:endParaRPr lang="en-SG"/>
+        </a:p>
+      </dgm:t>
     </dgm:pt>
   </dgm:ptLst>
   <dgm:cxnLst>
-    <dgm:cxn modelId="{837D720F-F456-4967-BB64-33E3F6979288}" type="presOf" srcId="{6B6044DD-AC37-45E7-988B-48ACB09BEC0F}" destId="{51C0A01B-66A0-4A5B-AF88-D6BB987030EA}" srcOrd="0" destOrd="0" presId="urn:microsoft.com/office/officeart/2005/8/layout/hChevron3"/>
+    <dgm:cxn modelId="{F5262982-653A-476B-9D36-8B70AC03DD85}" srcId="{DD1239A8-6EA6-4F60-84E2-3E72A49FD6BD}" destId="{6B6044DD-AC37-45E7-988B-48ACB09BEC0F}" srcOrd="3" destOrd="0" parTransId="{589668C7-B73A-4131-B90A-4AE61E6FA148}" sibTransId="{FD1512B2-5DCA-4C1D-B920-69EF8D1F3680}"/>
+    <dgm:cxn modelId="{C48CBFC1-9E60-42DB-8C1E-4D3EBE24C055}" type="presOf" srcId="{ECA45ECA-4064-458C-B060-54AAED31EDDF}" destId="{60ABA9A8-BAE8-498B-943B-F45A94C3C6D3}" srcOrd="0" destOrd="0" presId="urn:microsoft.com/office/officeart/2005/8/layout/hChevron3"/>
     <dgm:cxn modelId="{5DA05212-45C8-4C01-8A34-D67C6C299629}" srcId="{DD1239A8-6EA6-4F60-84E2-3E72A49FD6BD}" destId="{ECA45ECA-4064-458C-B060-54AAED31EDDF}" srcOrd="2" destOrd="0" parTransId="{6A5348B4-EC90-45BC-852D-3BD652813D8C}" sibTransId="{5C610C94-E7E3-438A-9066-E11437EE6024}"/>
     <dgm:cxn modelId="{DD058024-0B09-45C5-B560-2038A8B30BCF}" type="presOf" srcId="{495C7E08-9B85-49F2-914D-A2294C88DDC3}" destId="{B74AA7DD-EA21-4B32-97FE-608BE8CF4E9A}" srcOrd="0" destOrd="0" presId="urn:microsoft.com/office/officeart/2005/8/layout/hChevron3"/>
-    <dgm:cxn modelId="{F5262982-653A-476B-9D36-8B70AC03DD85}" srcId="{DD1239A8-6EA6-4F60-84E2-3E72A49FD6BD}" destId="{6B6044DD-AC37-45E7-988B-48ACB09BEC0F}" srcOrd="3" destOrd="0" parTransId="{589668C7-B73A-4131-B90A-4AE61E6FA148}" sibTransId="{FD1512B2-5DCA-4C1D-B920-69EF8D1F3680}"/>
+    <dgm:cxn modelId="{837D720F-F456-4967-BB64-33E3F6979288}" type="presOf" srcId="{6B6044DD-AC37-45E7-988B-48ACB09BEC0F}" destId="{51C0A01B-66A0-4A5B-AF88-D6BB987030EA}" srcOrd="0" destOrd="0" presId="urn:microsoft.com/office/officeart/2005/8/layout/hChevron3"/>
     <dgm:cxn modelId="{70877A9F-B5E2-43B6-BBA0-525AB233A3F0}" srcId="{DD1239A8-6EA6-4F60-84E2-3E72A49FD6BD}" destId="{495C7E08-9B85-49F2-914D-A2294C88DDC3}" srcOrd="1" destOrd="0" parTransId="{738F0E77-BD89-4570-BAA4-8F2336F905EC}" sibTransId="{B2BA8425-597E-4654-A400-C7DF22E78964}"/>
+    <dgm:cxn modelId="{3D3C29BF-4D90-4A77-858B-98BC0EE164A6}" type="presOf" srcId="{80583498-2A46-4886-AD3A-15853A1059BC}" destId="{5330FDB0-9864-4A2B-A541-618DAD584875}" srcOrd="0" destOrd="0" presId="urn:microsoft.com/office/officeart/2005/8/layout/hChevron3"/>
+    <dgm:cxn modelId="{C73B58C3-6D40-46E7-8AED-502F2F9C519B}" type="presOf" srcId="{DD1239A8-6EA6-4F60-84E2-3E72A49FD6BD}" destId="{B1A5F695-ACB2-4028-9411-1B17A80DCE2C}" srcOrd="0" destOrd="0" presId="urn:microsoft.com/office/officeart/2005/8/layout/hChevron3"/>
     <dgm:cxn modelId="{21DC83A0-1A32-4421-B625-1A5D12EC075A}" srcId="{DD1239A8-6EA6-4F60-84E2-3E72A49FD6BD}" destId="{80583498-2A46-4886-AD3A-15853A1059BC}" srcOrd="0" destOrd="0" parTransId="{3488EB32-F71D-4965-93D3-0A4013A54B37}" sibTransId="{EB2D46C8-007B-4A1B-852D-33A1D7EFBC02}"/>
-    <dgm:cxn modelId="{3D3C29BF-4D90-4A77-858B-98BC0EE164A6}" type="presOf" srcId="{80583498-2A46-4886-AD3A-15853A1059BC}" destId="{5330FDB0-9864-4A2B-A541-618DAD584875}" srcOrd="0" destOrd="0" presId="urn:microsoft.com/office/officeart/2005/8/layout/hChevron3"/>
-    <dgm:cxn modelId="{C48CBFC1-9E60-42DB-8C1E-4D3EBE24C055}" type="presOf" srcId="{ECA45ECA-4064-458C-B060-54AAED31EDDF}" destId="{60ABA9A8-BAE8-498B-943B-F45A94C3C6D3}" srcOrd="0" destOrd="0" presId="urn:microsoft.com/office/officeart/2005/8/layout/hChevron3"/>
-    <dgm:cxn modelId="{C73B58C3-6D40-46E7-8AED-502F2F9C519B}" type="presOf" srcId="{DD1239A8-6EA6-4F60-84E2-3E72A49FD6BD}" destId="{B1A5F695-ACB2-4028-9411-1B17A80DCE2C}" srcOrd="0" destOrd="0" presId="urn:microsoft.com/office/officeart/2005/8/layout/hChevron3"/>
     <dgm:cxn modelId="{5DCF9FB9-CE9F-43FB-A8BB-4475A73DD977}" type="presParOf" srcId="{B1A5F695-ACB2-4028-9411-1B17A80DCE2C}" destId="{5330FDB0-9864-4A2B-A541-618DAD584875}" srcOrd="0" destOrd="0" presId="urn:microsoft.com/office/officeart/2005/8/layout/hChevron3"/>
     <dgm:cxn modelId="{07152BD6-BEED-4DF6-B90A-C1607AB33B2F}" type="presParOf" srcId="{B1A5F695-ACB2-4028-9411-1B17A80DCE2C}" destId="{23B7E1C5-6C87-47A6-93AF-D65AE9EF90A4}" srcOrd="1" destOrd="0" presId="urn:microsoft.com/office/officeart/2005/8/layout/hChevron3"/>
     <dgm:cxn modelId="{CB340AC0-8152-4AF7-AF1F-B0466A3BE743}" type="presParOf" srcId="{B1A5F695-ACB2-4028-9411-1B17A80DCE2C}" destId="{B74AA7DD-EA21-4B32-97FE-608BE8CF4E9A}" srcOrd="2" destOrd="0" presId="urn:microsoft.com/office/officeart/2005/8/layout/hChevron3"/>
@@ -1161,318 +1189,6 @@
       <dsp:cNvGrpSpPr/>
     </dsp:nvGrpSpPr>
     <dsp:grpSpPr/>
-    <dsp:sp modelId="{5330FDB0-9864-4A2B-A541-618DAD584875}">
-      <dsp:nvSpPr>
-        <dsp:cNvPr id="0" name=""/>
-        <dsp:cNvSpPr/>
-      </dsp:nvSpPr>
-      <dsp:spPr>
-        <a:xfrm>
-          <a:off x="2508" y="126156"/>
-          <a:ext cx="2517046" cy="1006818"/>
-        </a:xfrm>
-        <a:prstGeom prst="homePlate">
-          <a:avLst/>
-        </a:prstGeom>
-        <a:solidFill>
-          <a:schemeClr val="accent1">
-            <a:hueOff val="0"/>
-            <a:satOff val="0"/>
-            <a:lumOff val="0"/>
-            <a:alphaOff val="0"/>
-          </a:schemeClr>
-        </a:solidFill>
-        <a:ln w="25400" cap="flat" cmpd="sng" algn="ctr">
-          <a:solidFill>
-            <a:schemeClr val="lt1">
-              <a:hueOff val="0"/>
-              <a:satOff val="0"/>
-              <a:lumOff val="0"/>
-              <a:alphaOff val="0"/>
-            </a:schemeClr>
-          </a:solidFill>
-          <a:prstDash val="solid"/>
-        </a:ln>
-        <a:effectLst/>
-      </dsp:spPr>
-      <dsp:style>
-        <a:lnRef idx="2">
-          <a:scrgbClr r="0" g="0" b="0"/>
-        </a:lnRef>
-        <a:fillRef idx="1">
-          <a:scrgbClr r="0" g="0" b="0"/>
-        </a:fillRef>
-        <a:effectRef idx="0">
-          <a:scrgbClr r="0" g="0" b="0"/>
-        </a:effectRef>
-        <a:fontRef idx="minor">
-          <a:schemeClr val="lt1"/>
-        </a:fontRef>
-      </dsp:style>
-      <dsp:txBody>
-        <a:bodyPr spcFirstLastPara="0" vert="horz" wrap="square" lIns="117348" tIns="58674" rIns="29337" bIns="58674" numCol="1" spcCol="1270" anchor="ctr" anchorCtr="0">
-          <a:noAutofit/>
-        </a:bodyPr>
-        <a:lstStyle/>
-        <a:p>
-          <a:pPr marL="0" lvl="0" indent="0" algn="ctr" defTabSz="977900">
-            <a:lnSpc>
-              <a:spcPct val="90000"/>
-            </a:lnSpc>
-            <a:spcBef>
-              <a:spcPct val="0"/>
-            </a:spcBef>
-            <a:spcAft>
-              <a:spcPct val="35000"/>
-            </a:spcAft>
-            <a:buNone/>
-          </a:pPr>
-          <a:r>
-            <a:rPr lang="en-US" sz="2200" kern="1200" dirty="0"/>
-            <a:t>Frequency Distribution Tables </a:t>
-          </a:r>
-          <a:endParaRPr lang="en-SG" sz="2200" kern="1200" dirty="0"/>
-        </a:p>
-      </dsp:txBody>
-      <dsp:txXfrm>
-        <a:off x="2508" y="126156"/>
-        <a:ext cx="2265342" cy="1006818"/>
-      </dsp:txXfrm>
-    </dsp:sp>
-    <dsp:sp modelId="{B74AA7DD-EA21-4B32-97FE-608BE8CF4E9A}">
-      <dsp:nvSpPr>
-        <dsp:cNvPr id="0" name=""/>
-        <dsp:cNvSpPr/>
-      </dsp:nvSpPr>
-      <dsp:spPr>
-        <a:xfrm>
-          <a:off x="2016145" y="126156"/>
-          <a:ext cx="2517046" cy="1006818"/>
-        </a:xfrm>
-        <a:prstGeom prst="chevron">
-          <a:avLst/>
-        </a:prstGeom>
-        <a:solidFill>
-          <a:schemeClr val="accent1">
-            <a:hueOff val="0"/>
-            <a:satOff val="0"/>
-            <a:lumOff val="0"/>
-            <a:alphaOff val="0"/>
-          </a:schemeClr>
-        </a:solidFill>
-        <a:ln w="25400" cap="flat" cmpd="sng" algn="ctr">
-          <a:solidFill>
-            <a:schemeClr val="lt1">
-              <a:hueOff val="0"/>
-              <a:satOff val="0"/>
-              <a:lumOff val="0"/>
-              <a:alphaOff val="0"/>
-            </a:schemeClr>
-          </a:solidFill>
-          <a:prstDash val="solid"/>
-        </a:ln>
-        <a:effectLst/>
-      </dsp:spPr>
-      <dsp:style>
-        <a:lnRef idx="2">
-          <a:scrgbClr r="0" g="0" b="0"/>
-        </a:lnRef>
-        <a:fillRef idx="1">
-          <a:scrgbClr r="0" g="0" b="0"/>
-        </a:fillRef>
-        <a:effectRef idx="0">
-          <a:scrgbClr r="0" g="0" b="0"/>
-        </a:effectRef>
-        <a:fontRef idx="minor">
-          <a:schemeClr val="lt1"/>
-        </a:fontRef>
-      </dsp:style>
-      <dsp:txBody>
-        <a:bodyPr spcFirstLastPara="0" vert="horz" wrap="square" lIns="88011" tIns="58674" rIns="29337" bIns="58674" numCol="1" spcCol="1270" anchor="ctr" anchorCtr="0">
-          <a:noAutofit/>
-        </a:bodyPr>
-        <a:lstStyle/>
-        <a:p>
-          <a:pPr marL="0" lvl="0" indent="0" algn="ctr" defTabSz="977900">
-            <a:lnSpc>
-              <a:spcPct val="90000"/>
-            </a:lnSpc>
-            <a:spcBef>
-              <a:spcPct val="0"/>
-            </a:spcBef>
-            <a:spcAft>
-              <a:spcPct val="35000"/>
-            </a:spcAft>
-            <a:buNone/>
-          </a:pPr>
-          <a:r>
-            <a:rPr lang="en-US" sz="2200" kern="1200" dirty="0"/>
-            <a:t>Bar Chart/ Stacked Bar Chart</a:t>
-          </a:r>
-          <a:endParaRPr lang="en-SG" sz="2200" kern="1200" dirty="0"/>
-        </a:p>
-      </dsp:txBody>
-      <dsp:txXfrm>
-        <a:off x="2519554" y="126156"/>
-        <a:ext cx="1510228" cy="1006818"/>
-      </dsp:txXfrm>
-    </dsp:sp>
-    <dsp:sp modelId="{60ABA9A8-BAE8-498B-943B-F45A94C3C6D3}">
-      <dsp:nvSpPr>
-        <dsp:cNvPr id="0" name=""/>
-        <dsp:cNvSpPr/>
-      </dsp:nvSpPr>
-      <dsp:spPr>
-        <a:xfrm>
-          <a:off x="4029782" y="126156"/>
-          <a:ext cx="2517046" cy="1006818"/>
-        </a:xfrm>
-        <a:prstGeom prst="chevron">
-          <a:avLst/>
-        </a:prstGeom>
-        <a:solidFill>
-          <a:schemeClr val="accent1">
-            <a:hueOff val="0"/>
-            <a:satOff val="0"/>
-            <a:lumOff val="0"/>
-            <a:alphaOff val="0"/>
-          </a:schemeClr>
-        </a:solidFill>
-        <a:ln w="25400" cap="flat" cmpd="sng" algn="ctr">
-          <a:solidFill>
-            <a:schemeClr val="lt1">
-              <a:hueOff val="0"/>
-              <a:satOff val="0"/>
-              <a:lumOff val="0"/>
-              <a:alphaOff val="0"/>
-            </a:schemeClr>
-          </a:solidFill>
-          <a:prstDash val="solid"/>
-        </a:ln>
-        <a:effectLst/>
-      </dsp:spPr>
-      <dsp:style>
-        <a:lnRef idx="2">
-          <a:scrgbClr r="0" g="0" b="0"/>
-        </a:lnRef>
-        <a:fillRef idx="1">
-          <a:scrgbClr r="0" g="0" b="0"/>
-        </a:fillRef>
-        <a:effectRef idx="0">
-          <a:scrgbClr r="0" g="0" b="0"/>
-        </a:effectRef>
-        <a:fontRef idx="minor">
-          <a:schemeClr val="lt1"/>
-        </a:fontRef>
-      </dsp:style>
-      <dsp:txBody>
-        <a:bodyPr spcFirstLastPara="0" vert="horz" wrap="square" lIns="88011" tIns="58674" rIns="29337" bIns="58674" numCol="1" spcCol="1270" anchor="ctr" anchorCtr="0">
-          <a:noAutofit/>
-        </a:bodyPr>
-        <a:lstStyle/>
-        <a:p>
-          <a:pPr marL="0" lvl="0" indent="0" algn="ctr" defTabSz="977900">
-            <a:lnSpc>
-              <a:spcPct val="90000"/>
-            </a:lnSpc>
-            <a:spcBef>
-              <a:spcPct val="0"/>
-            </a:spcBef>
-            <a:spcAft>
-              <a:spcPct val="35000"/>
-            </a:spcAft>
-            <a:buNone/>
-          </a:pPr>
-          <a:r>
-            <a:rPr lang="en-US" sz="2200" kern="1200" dirty="0"/>
-            <a:t>Pie Charts</a:t>
-          </a:r>
-          <a:endParaRPr lang="en-SG" sz="2200" kern="1200" dirty="0"/>
-        </a:p>
-      </dsp:txBody>
-      <dsp:txXfrm>
-        <a:off x="4533191" y="126156"/>
-        <a:ext cx="1510228" cy="1006818"/>
-      </dsp:txXfrm>
-    </dsp:sp>
-    <dsp:sp modelId="{51C0A01B-66A0-4A5B-AF88-D6BB987030EA}">
-      <dsp:nvSpPr>
-        <dsp:cNvPr id="0" name=""/>
-        <dsp:cNvSpPr/>
-      </dsp:nvSpPr>
-      <dsp:spPr>
-        <a:xfrm>
-          <a:off x="6043419" y="126156"/>
-          <a:ext cx="2517046" cy="1006818"/>
-        </a:xfrm>
-        <a:prstGeom prst="chevron">
-          <a:avLst/>
-        </a:prstGeom>
-        <a:solidFill>
-          <a:schemeClr val="accent1">
-            <a:hueOff val="0"/>
-            <a:satOff val="0"/>
-            <a:lumOff val="0"/>
-            <a:alphaOff val="0"/>
-          </a:schemeClr>
-        </a:solidFill>
-        <a:ln w="25400" cap="flat" cmpd="sng" algn="ctr">
-          <a:solidFill>
-            <a:schemeClr val="lt1">
-              <a:hueOff val="0"/>
-              <a:satOff val="0"/>
-              <a:lumOff val="0"/>
-              <a:alphaOff val="0"/>
-            </a:schemeClr>
-          </a:solidFill>
-          <a:prstDash val="solid"/>
-        </a:ln>
-        <a:effectLst/>
-      </dsp:spPr>
-      <dsp:style>
-        <a:lnRef idx="2">
-          <a:scrgbClr r="0" g="0" b="0"/>
-        </a:lnRef>
-        <a:fillRef idx="1">
-          <a:scrgbClr r="0" g="0" b="0"/>
-        </a:fillRef>
-        <a:effectRef idx="0">
-          <a:scrgbClr r="0" g="0" b="0"/>
-        </a:effectRef>
-        <a:fontRef idx="minor">
-          <a:schemeClr val="lt1"/>
-        </a:fontRef>
-      </dsp:style>
-      <dsp:txBody>
-        <a:bodyPr spcFirstLastPara="0" vert="horz" wrap="square" lIns="88011" tIns="58674" rIns="29337" bIns="58674" numCol="1" spcCol="1270" anchor="ctr" anchorCtr="0">
-          <a:noAutofit/>
-        </a:bodyPr>
-        <a:lstStyle/>
-        <a:p>
-          <a:pPr marL="0" lvl="0" indent="0" algn="ctr" defTabSz="977900">
-            <a:lnSpc>
-              <a:spcPct val="90000"/>
-            </a:lnSpc>
-            <a:spcBef>
-              <a:spcPct val="0"/>
-            </a:spcBef>
-            <a:spcAft>
-              <a:spcPct val="35000"/>
-            </a:spcAft>
-            <a:buNone/>
-          </a:pPr>
-          <a:r>
-            <a:rPr lang="en-US" sz="2200" kern="1200" dirty="0"/>
-            <a:t>Pareto Diagrams</a:t>
-          </a:r>
-          <a:endParaRPr lang="en-SG" sz="2200" kern="1200" dirty="0"/>
-        </a:p>
-      </dsp:txBody>
-      <dsp:txXfrm>
-        <a:off x="6546828" y="126156"/>
-        <a:ext cx="1510228" cy="1006818"/>
-      </dsp:txXfrm>
-    </dsp:sp>
   </dsp:spTree>
 </dsp:drawing>
 </file>
@@ -2865,7 +2581,7 @@
           <a:p>
             <a:fld id="{FB7F86EF-755F-EF49-95CD-E6F9DEA0E285}" type="datetimeFigureOut">
               <a:rPr lang="en-US" smtClean="0"/>
-              <a:t>1/25/2021</a:t>
+              <a:t>2/3/2021</a:t>
             </a:fld>
             <a:endParaRPr lang="en-US"/>
           </a:p>
@@ -3030,7 +2746,7 @@
           <a:p>
             <a:fld id="{847550CD-65C1-0D40-9457-6DF5C95A232D}" type="datetimeFigureOut">
               <a:rPr lang="en-US" smtClean="0"/>
-              <a:t>1/25/2021</a:t>
+              <a:t>2/3/2021</a:t>
             </a:fld>
             <a:endParaRPr lang="en-US"/>
           </a:p>
@@ -4922,6 +4638,560 @@
               <a:rPr lang="en-SG" baseline="0" dirty="0"/>
               <a:t>7. Line Chart with 2 Y-axis - Set Year of Order Date  to be column and Sum(Profit) and sum(Sales) to be Rows. Put Measures name as colour. Explain the chart briefly. Right click the sales-axis, select dual axis. </a:t>
             </a:r>
+            <a:endParaRPr lang="en-SG" baseline="0" dirty="0" smtClean="0"/>
+          </a:p>
+          <a:p>
+            <a:pPr marL="0" marR="0" indent="0" algn="l" defTabSz="914400" rtl="0" eaLnBrk="1" fontAlgn="auto" latinLnBrk="0" hangingPunct="1">
+              <a:lnSpc>
+                <a:spcPct val="100000"/>
+              </a:lnSpc>
+              <a:spcBef>
+                <a:spcPts val="0"/>
+              </a:spcBef>
+              <a:spcAft>
+                <a:spcPts val="0"/>
+              </a:spcAft>
+              <a:buClrTx/>
+              <a:buSzTx/>
+              <a:buFontTx/>
+              <a:buNone/>
+              <a:tabLst/>
+              <a:defRPr/>
+            </a:pPr>
+            <a:endParaRPr lang="en-US" baseline="0" dirty="0" smtClean="0"/>
+          </a:p>
+          <a:p>
+            <a:pPr marL="0" marR="0" indent="0" algn="l" defTabSz="914400" rtl="0" eaLnBrk="1" fontAlgn="auto" latinLnBrk="0" hangingPunct="1">
+              <a:lnSpc>
+                <a:spcPct val="100000"/>
+              </a:lnSpc>
+              <a:spcBef>
+                <a:spcPts val="0"/>
+              </a:spcBef>
+              <a:spcAft>
+                <a:spcPts val="0"/>
+              </a:spcAft>
+              <a:buClrTx/>
+              <a:buSzTx/>
+              <a:buFontTx/>
+              <a:buNone/>
+              <a:tabLst/>
+              <a:defRPr/>
+            </a:pPr>
+            <a:r>
+              <a:rPr lang="en-US" sz="1200" b="0" i="0" kern="1200" dirty="0" smtClean="0">
+                <a:solidFill>
+                  <a:schemeClr val="tx1"/>
+                </a:solidFill>
+                <a:effectLst/>
+                <a:latin typeface="+mn-lt"/>
+                <a:ea typeface="+mn-ea"/>
+                <a:cs typeface="+mn-cs"/>
+              </a:rPr>
+              <a:t>The </a:t>
+            </a:r>
+            <a:r>
+              <a:rPr lang="en-US" sz="1200" b="1" i="0" kern="1200" dirty="0" smtClean="0">
+                <a:solidFill>
+                  <a:schemeClr val="tx1"/>
+                </a:solidFill>
+                <a:effectLst/>
+                <a:latin typeface="+mn-lt"/>
+                <a:ea typeface="+mn-ea"/>
+                <a:cs typeface="+mn-cs"/>
+              </a:rPr>
+              <a:t>T distribution</a:t>
+            </a:r>
+            <a:r>
+              <a:rPr lang="en-US" sz="1200" b="0" i="0" kern="1200" dirty="0" smtClean="0">
+                <a:solidFill>
+                  <a:schemeClr val="tx1"/>
+                </a:solidFill>
+                <a:effectLst/>
+                <a:latin typeface="+mn-lt"/>
+                <a:ea typeface="+mn-ea"/>
+                <a:cs typeface="+mn-cs"/>
+              </a:rPr>
+              <a:t>, also known as the Student's </a:t>
+            </a:r>
+            <a:r>
+              <a:rPr lang="en-US" sz="1200" b="1" i="0" kern="1200" dirty="0" smtClean="0">
+                <a:solidFill>
+                  <a:schemeClr val="tx1"/>
+                </a:solidFill>
+                <a:effectLst/>
+                <a:latin typeface="+mn-lt"/>
+                <a:ea typeface="+mn-ea"/>
+                <a:cs typeface="+mn-cs"/>
+              </a:rPr>
+              <a:t>t</a:t>
+            </a:r>
+            <a:r>
+              <a:rPr lang="en-US" sz="1200" b="0" i="0" kern="1200" dirty="0" smtClean="0">
+                <a:solidFill>
+                  <a:schemeClr val="tx1"/>
+                </a:solidFill>
+                <a:effectLst/>
+                <a:latin typeface="+mn-lt"/>
+                <a:ea typeface="+mn-ea"/>
+                <a:cs typeface="+mn-cs"/>
+              </a:rPr>
+              <a:t>-</a:t>
+            </a:r>
+            <a:r>
+              <a:rPr lang="en-US" sz="1200" b="1" i="0" kern="1200" dirty="0" smtClean="0">
+                <a:solidFill>
+                  <a:schemeClr val="tx1"/>
+                </a:solidFill>
+                <a:effectLst/>
+                <a:latin typeface="+mn-lt"/>
+                <a:ea typeface="+mn-ea"/>
+                <a:cs typeface="+mn-cs"/>
+              </a:rPr>
+              <a:t>distribution</a:t>
+            </a:r>
+            <a:r>
+              <a:rPr lang="en-US" sz="1200" b="0" i="0" kern="1200" dirty="0" smtClean="0">
+                <a:solidFill>
+                  <a:schemeClr val="tx1"/>
+                </a:solidFill>
+                <a:effectLst/>
+                <a:latin typeface="+mn-lt"/>
+                <a:ea typeface="+mn-ea"/>
+                <a:cs typeface="+mn-cs"/>
+              </a:rPr>
+              <a:t>, is a type of probability </a:t>
+            </a:r>
+            <a:r>
+              <a:rPr lang="en-US" sz="1200" b="1" i="0" kern="1200" dirty="0" smtClean="0">
+                <a:solidFill>
+                  <a:schemeClr val="tx1"/>
+                </a:solidFill>
+                <a:effectLst/>
+                <a:latin typeface="+mn-lt"/>
+                <a:ea typeface="+mn-ea"/>
+                <a:cs typeface="+mn-cs"/>
+              </a:rPr>
+              <a:t>distribution</a:t>
+            </a:r>
+            <a:r>
+              <a:rPr lang="en-US" sz="1200" b="0" i="0" kern="1200" dirty="0" smtClean="0">
+                <a:solidFill>
+                  <a:schemeClr val="tx1"/>
+                </a:solidFill>
+                <a:effectLst/>
+                <a:latin typeface="+mn-lt"/>
+                <a:ea typeface="+mn-ea"/>
+                <a:cs typeface="+mn-cs"/>
+              </a:rPr>
+              <a:t> that is similar to the normal </a:t>
+            </a:r>
+            <a:r>
+              <a:rPr lang="en-US" sz="1200" b="1" i="0" kern="1200" dirty="0" smtClean="0">
+                <a:solidFill>
+                  <a:schemeClr val="tx1"/>
+                </a:solidFill>
+                <a:effectLst/>
+                <a:latin typeface="+mn-lt"/>
+                <a:ea typeface="+mn-ea"/>
+                <a:cs typeface="+mn-cs"/>
+              </a:rPr>
+              <a:t>distribution</a:t>
+            </a:r>
+            <a:r>
+              <a:rPr lang="en-US" sz="1200" b="0" i="0" kern="1200" dirty="0" smtClean="0">
+                <a:solidFill>
+                  <a:schemeClr val="tx1"/>
+                </a:solidFill>
+                <a:effectLst/>
+                <a:latin typeface="+mn-lt"/>
+                <a:ea typeface="+mn-ea"/>
+                <a:cs typeface="+mn-cs"/>
+              </a:rPr>
+              <a:t> with its bell shape but has heavier tails. </a:t>
+            </a:r>
+            <a:r>
+              <a:rPr lang="en-US" sz="1200" b="1" i="0" kern="1200" dirty="0" smtClean="0">
+                <a:solidFill>
+                  <a:schemeClr val="tx1"/>
+                </a:solidFill>
+                <a:effectLst/>
+                <a:latin typeface="+mn-lt"/>
+                <a:ea typeface="+mn-ea"/>
+                <a:cs typeface="+mn-cs"/>
+              </a:rPr>
+              <a:t>T distributions</a:t>
+            </a:r>
+            <a:r>
+              <a:rPr lang="en-US" sz="1200" b="0" i="0" kern="1200" dirty="0" smtClean="0">
+                <a:solidFill>
+                  <a:schemeClr val="tx1"/>
+                </a:solidFill>
+                <a:effectLst/>
+                <a:latin typeface="+mn-lt"/>
+                <a:ea typeface="+mn-ea"/>
+                <a:cs typeface="+mn-cs"/>
+              </a:rPr>
+              <a:t> have a greater chance for extreme values than normal </a:t>
+            </a:r>
+            <a:r>
+              <a:rPr lang="en-US" sz="1200" b="1" i="0" kern="1200" dirty="0" smtClean="0">
+                <a:solidFill>
+                  <a:schemeClr val="tx1"/>
+                </a:solidFill>
+                <a:effectLst/>
+                <a:latin typeface="+mn-lt"/>
+                <a:ea typeface="+mn-ea"/>
+                <a:cs typeface="+mn-cs"/>
+              </a:rPr>
+              <a:t>distributions</a:t>
+            </a:r>
+            <a:r>
+              <a:rPr lang="en-US" sz="1200" b="0" i="0" kern="1200" dirty="0" smtClean="0">
+                <a:solidFill>
+                  <a:schemeClr val="tx1"/>
+                </a:solidFill>
+                <a:effectLst/>
+                <a:latin typeface="+mn-lt"/>
+                <a:ea typeface="+mn-ea"/>
+                <a:cs typeface="+mn-cs"/>
+              </a:rPr>
+              <a:t>, hence the fatter tails.</a:t>
+            </a:r>
+          </a:p>
+          <a:p>
+            <a:pPr marL="0" marR="0" indent="0" algn="l" defTabSz="914400" rtl="0" eaLnBrk="1" fontAlgn="auto" latinLnBrk="0" hangingPunct="1">
+              <a:lnSpc>
+                <a:spcPct val="100000"/>
+              </a:lnSpc>
+              <a:spcBef>
+                <a:spcPts val="0"/>
+              </a:spcBef>
+              <a:spcAft>
+                <a:spcPts val="0"/>
+              </a:spcAft>
+              <a:buClrTx/>
+              <a:buSzTx/>
+              <a:buFontTx/>
+              <a:buNone/>
+              <a:tabLst/>
+              <a:defRPr/>
+            </a:pPr>
+            <a:endParaRPr lang="en-US" sz="1200" b="0" i="0" kern="1200" baseline="0" dirty="0" smtClean="0">
+              <a:solidFill>
+                <a:schemeClr val="tx1"/>
+              </a:solidFill>
+              <a:effectLst/>
+              <a:latin typeface="+mn-lt"/>
+              <a:ea typeface="+mn-ea"/>
+              <a:cs typeface="+mn-cs"/>
+            </a:endParaRPr>
+          </a:p>
+          <a:p>
+            <a:pPr marL="0" marR="0" indent="0" algn="l" defTabSz="914400" rtl="0" eaLnBrk="1" fontAlgn="auto" latinLnBrk="0" hangingPunct="1">
+              <a:lnSpc>
+                <a:spcPct val="100000"/>
+              </a:lnSpc>
+              <a:spcBef>
+                <a:spcPts val="0"/>
+              </a:spcBef>
+              <a:spcAft>
+                <a:spcPts val="0"/>
+              </a:spcAft>
+              <a:buClrTx/>
+              <a:buSzTx/>
+              <a:buFontTx/>
+              <a:buNone/>
+              <a:tabLst/>
+              <a:defRPr/>
+            </a:pPr>
+            <a:r>
+              <a:rPr lang="en-US" sz="1200" b="0" i="0" kern="1200" dirty="0" smtClean="0">
+                <a:solidFill>
+                  <a:schemeClr val="tx1"/>
+                </a:solidFill>
+                <a:effectLst/>
+                <a:latin typeface="+mn-lt"/>
+                <a:ea typeface="+mn-ea"/>
+                <a:cs typeface="+mn-cs"/>
+              </a:rPr>
+              <a:t>The null hypothesis states that there is no relationship between the </a:t>
+            </a:r>
+            <a:r>
+              <a:rPr lang="en-US" sz="1200" b="0" i="0" u="none" strike="noStrike" kern="1200" dirty="0" smtClean="0">
+                <a:solidFill>
+                  <a:schemeClr val="tx1"/>
+                </a:solidFill>
+                <a:effectLst/>
+                <a:latin typeface="+mn-lt"/>
+                <a:ea typeface="+mn-ea"/>
+                <a:cs typeface="+mn-cs"/>
+                <a:hlinkClick r:id="rId3"/>
+              </a:rPr>
+              <a:t>two variables being studied</a:t>
+            </a:r>
+            <a:r>
+              <a:rPr lang="en-US" sz="1200" b="0" i="0" kern="1200" dirty="0" smtClean="0">
+                <a:solidFill>
+                  <a:schemeClr val="tx1"/>
+                </a:solidFill>
+                <a:effectLst/>
+                <a:latin typeface="+mn-lt"/>
+                <a:ea typeface="+mn-ea"/>
+                <a:cs typeface="+mn-cs"/>
+              </a:rPr>
+              <a:t> (one variable does not affect the other). It states the results are due to chance and are not significant in terms of supporting the idea being investigated. Thus, the null hypothesis assumes that whatever you are trying to prove did not happen.</a:t>
+            </a:r>
+          </a:p>
+          <a:p>
+            <a:pPr marL="0" marR="0" indent="0" algn="l" defTabSz="914400" rtl="0" eaLnBrk="1" fontAlgn="auto" latinLnBrk="0" hangingPunct="1">
+              <a:lnSpc>
+                <a:spcPct val="100000"/>
+              </a:lnSpc>
+              <a:spcBef>
+                <a:spcPts val="0"/>
+              </a:spcBef>
+              <a:spcAft>
+                <a:spcPts val="0"/>
+              </a:spcAft>
+              <a:buClrTx/>
+              <a:buSzTx/>
+              <a:buFontTx/>
+              <a:buNone/>
+              <a:tabLst/>
+              <a:defRPr/>
+            </a:pPr>
+            <a:endParaRPr lang="en-US" sz="1200" b="0" i="0" kern="1200" baseline="0" dirty="0" smtClean="0">
+              <a:solidFill>
+                <a:schemeClr val="tx1"/>
+              </a:solidFill>
+              <a:effectLst/>
+              <a:latin typeface="+mn-lt"/>
+              <a:ea typeface="+mn-ea"/>
+              <a:cs typeface="+mn-cs"/>
+            </a:endParaRPr>
+          </a:p>
+          <a:p>
+            <a:r>
+              <a:rPr lang="en-US" sz="1200" b="0" i="0" kern="1200" dirty="0" smtClean="0">
+                <a:solidFill>
+                  <a:schemeClr val="tx1"/>
+                </a:solidFill>
+                <a:effectLst/>
+                <a:latin typeface="+mn-lt"/>
+                <a:ea typeface="+mn-ea"/>
+                <a:cs typeface="+mn-cs"/>
+              </a:rPr>
+              <a:t>The level of statistical significance is often expressed as a </a:t>
+            </a:r>
+            <a:r>
+              <a:rPr lang="en-US" sz="1200" b="0" i="1" kern="1200" dirty="0" smtClean="0">
+                <a:solidFill>
+                  <a:schemeClr val="tx1"/>
+                </a:solidFill>
+                <a:effectLst/>
+                <a:latin typeface="+mn-lt"/>
+                <a:ea typeface="+mn-ea"/>
+                <a:cs typeface="+mn-cs"/>
+              </a:rPr>
+              <a:t>p</a:t>
+            </a:r>
+            <a:r>
+              <a:rPr lang="en-US" sz="1200" b="0" i="0" kern="1200" dirty="0" smtClean="0">
+                <a:solidFill>
+                  <a:schemeClr val="tx1"/>
+                </a:solidFill>
+                <a:effectLst/>
+                <a:latin typeface="+mn-lt"/>
+                <a:ea typeface="+mn-ea"/>
+                <a:cs typeface="+mn-cs"/>
+              </a:rPr>
+              <a:t>-value between 0 and 1. The smaller the p-value, the stronger the evidence that you should reject the null hypothesis.</a:t>
+            </a:r>
+          </a:p>
+          <a:p>
+            <a:r>
+              <a:rPr lang="en-US" sz="1200" b="0" i="0" kern="1200" dirty="0" smtClean="0">
+                <a:solidFill>
+                  <a:schemeClr val="tx1"/>
+                </a:solidFill>
+                <a:effectLst/>
+                <a:latin typeface="+mn-lt"/>
+                <a:ea typeface="+mn-ea"/>
+                <a:cs typeface="+mn-cs"/>
+              </a:rPr>
+              <a:t>A </a:t>
+            </a:r>
+            <a:r>
+              <a:rPr lang="en-US" sz="1200" b="0" i="1" kern="1200" dirty="0" smtClean="0">
+                <a:solidFill>
+                  <a:schemeClr val="tx1"/>
+                </a:solidFill>
+                <a:effectLst/>
+                <a:latin typeface="+mn-lt"/>
+                <a:ea typeface="+mn-ea"/>
+                <a:cs typeface="+mn-cs"/>
+              </a:rPr>
+              <a:t>p</a:t>
+            </a:r>
+            <a:r>
+              <a:rPr lang="en-US" sz="1200" b="0" i="0" kern="1200" dirty="0" smtClean="0">
+                <a:solidFill>
+                  <a:schemeClr val="tx1"/>
+                </a:solidFill>
+                <a:effectLst/>
+                <a:latin typeface="+mn-lt"/>
+                <a:ea typeface="+mn-ea"/>
+                <a:cs typeface="+mn-cs"/>
+              </a:rPr>
+              <a:t>-value less than 0.05 (typically ≤ 0.05) is statistically significant. It indicates strong evidence against the null hypothesis, as there is less than a 5% probability the null is correct (and the results are random). Therefore, we reject the null hypothesis, and accept the alternative hypothesis.</a:t>
+            </a:r>
+          </a:p>
+          <a:p>
+            <a:endParaRPr lang="en-US" sz="1200" b="0" i="0" kern="1200" dirty="0" smtClean="0">
+              <a:solidFill>
+                <a:schemeClr val="tx1"/>
+              </a:solidFill>
+              <a:effectLst/>
+              <a:latin typeface="+mn-lt"/>
+              <a:ea typeface="+mn-ea"/>
+              <a:cs typeface="+mn-cs"/>
+            </a:endParaRPr>
+          </a:p>
+          <a:p>
+            <a:r>
+              <a:rPr lang="en-US" sz="1200" b="0" i="0" kern="1200" dirty="0" smtClean="0">
+                <a:solidFill>
+                  <a:schemeClr val="tx1"/>
+                </a:solidFill>
+                <a:effectLst/>
+                <a:latin typeface="+mn-lt"/>
+                <a:ea typeface="+mn-ea"/>
+                <a:cs typeface="+mn-cs"/>
+              </a:rPr>
+              <a:t>However, this does not mean that there is a 95% probability that the research hypothesis is true. The </a:t>
+            </a:r>
+            <a:r>
+              <a:rPr lang="en-US" sz="1200" b="0" i="1" kern="1200" dirty="0" smtClean="0">
+                <a:solidFill>
+                  <a:schemeClr val="tx1"/>
+                </a:solidFill>
+                <a:effectLst/>
+                <a:latin typeface="+mn-lt"/>
+                <a:ea typeface="+mn-ea"/>
+                <a:cs typeface="+mn-cs"/>
+              </a:rPr>
+              <a:t>p</a:t>
+            </a:r>
+            <a:r>
+              <a:rPr lang="en-US" sz="1200" b="0" i="0" kern="1200" dirty="0" smtClean="0">
+                <a:solidFill>
+                  <a:schemeClr val="tx1"/>
+                </a:solidFill>
+                <a:effectLst/>
+                <a:latin typeface="+mn-lt"/>
+                <a:ea typeface="+mn-ea"/>
+                <a:cs typeface="+mn-cs"/>
+              </a:rPr>
+              <a:t>-value is conditional upon the null hypothesis being true is unrelated to the truth or falsity of the research hypothesis.</a:t>
+            </a:r>
+          </a:p>
+          <a:p>
+            <a:r>
+              <a:rPr lang="en-US" sz="1200" b="0" i="0" kern="1200" dirty="0" smtClean="0">
+                <a:solidFill>
+                  <a:schemeClr val="tx1"/>
+                </a:solidFill>
+                <a:effectLst/>
+                <a:latin typeface="+mn-lt"/>
+                <a:ea typeface="+mn-ea"/>
+                <a:cs typeface="+mn-cs"/>
+              </a:rPr>
+              <a:t>A </a:t>
+            </a:r>
+            <a:r>
+              <a:rPr lang="en-US" sz="1200" b="0" i="1" kern="1200" dirty="0" smtClean="0">
+                <a:solidFill>
+                  <a:schemeClr val="tx1"/>
+                </a:solidFill>
+                <a:effectLst/>
+                <a:latin typeface="+mn-lt"/>
+                <a:ea typeface="+mn-ea"/>
+                <a:cs typeface="+mn-cs"/>
+              </a:rPr>
+              <a:t>p</a:t>
+            </a:r>
+            <a:r>
+              <a:rPr lang="en-US" sz="1200" b="0" i="0" kern="1200" dirty="0" smtClean="0">
+                <a:solidFill>
+                  <a:schemeClr val="tx1"/>
+                </a:solidFill>
+                <a:effectLst/>
+                <a:latin typeface="+mn-lt"/>
+                <a:ea typeface="+mn-ea"/>
+                <a:cs typeface="+mn-cs"/>
+              </a:rPr>
+              <a:t>-value higher than 0.05 (&gt; 0.05) is not statistically significant and indicates strong evidence for the null hypothesis. This means we retain the null hypothesis and reject the alternative hypothesis. You should note that you cannot accept the null hypothesis, we can only reject the null or fail to reject it.</a:t>
+            </a:r>
+          </a:p>
+          <a:p>
+            <a:endParaRPr lang="en-US" sz="1200" b="0" i="0" kern="1200" dirty="0" smtClean="0">
+              <a:solidFill>
+                <a:schemeClr val="tx1"/>
+              </a:solidFill>
+              <a:effectLst/>
+              <a:latin typeface="+mn-lt"/>
+              <a:ea typeface="+mn-ea"/>
+              <a:cs typeface="+mn-cs"/>
+            </a:endParaRPr>
+          </a:p>
+          <a:p>
+            <a:r>
+              <a:rPr lang="en-US" sz="1200" b="0" i="0" kern="1200" dirty="0" smtClean="0">
+                <a:solidFill>
+                  <a:schemeClr val="tx1"/>
+                </a:solidFill>
+                <a:effectLst/>
+                <a:latin typeface="+mn-lt"/>
+                <a:ea typeface="+mn-ea"/>
+                <a:cs typeface="+mn-cs"/>
+              </a:rPr>
+              <a:t>A statistically significant result cannot prove that a research hypothesis is correct (as this implies 100% certainty).</a:t>
+            </a:r>
+          </a:p>
+          <a:p>
+            <a:r>
+              <a:rPr lang="en-US" sz="1200" b="0" i="0" kern="1200" dirty="0" smtClean="0">
+                <a:solidFill>
+                  <a:schemeClr val="tx1"/>
+                </a:solidFill>
+                <a:effectLst/>
+                <a:latin typeface="+mn-lt"/>
+                <a:ea typeface="+mn-ea"/>
+                <a:cs typeface="+mn-cs"/>
+              </a:rPr>
+              <a:t>Instead, we may state our results “provide support for” or “give evidence for” our research hypothesis (as there is still a slight probability that the results occurred by chance and the null hypothesis was correct – e.g. less than 5%).</a:t>
+            </a:r>
+          </a:p>
+          <a:p>
+            <a:pPr marL="0" marR="0" indent="0" algn="l" defTabSz="914400" rtl="0" eaLnBrk="1" fontAlgn="auto" latinLnBrk="0" hangingPunct="1">
+              <a:lnSpc>
+                <a:spcPct val="100000"/>
+              </a:lnSpc>
+              <a:spcBef>
+                <a:spcPts val="0"/>
+              </a:spcBef>
+              <a:spcAft>
+                <a:spcPts val="0"/>
+              </a:spcAft>
+              <a:buClrTx/>
+              <a:buSzTx/>
+              <a:buFontTx/>
+              <a:buNone/>
+              <a:tabLst/>
+              <a:defRPr/>
+            </a:pPr>
+            <a:endParaRPr lang="en-SG" baseline="0" dirty="0"/>
           </a:p>
           <a:p>
             <a:endParaRPr lang="en-SG" baseline="0" dirty="0"/>
@@ -22207,7 +22477,7 @@
           <p:cNvPr id="2" name="Table 2">
             <a:extLst>
               <a:ext uri="{FF2B5EF4-FFF2-40B4-BE49-F238E27FC236}">
-                <a16:creationId xmlns:a16="http://schemas.microsoft.com/office/drawing/2014/main" id="{A557F063-8854-48BA-BF0D-D7E1B7E4BBA7}"/>
+                <a16:creationId xmlns:a16="http://schemas.microsoft.com/office/drawing/2014/main" xmlns="" id="{A557F063-8854-48BA-BF0D-D7E1B7E4BBA7}"/>
               </a:ext>
             </a:extLst>
           </p:cNvPr>
@@ -22236,35 +22506,35 @@
                 <a:gridCol w="568166">
                   <a:extLst>
                     <a:ext uri="{9D8B030D-6E8A-4147-A177-3AD203B41FA5}">
-                      <a16:colId xmlns:a16="http://schemas.microsoft.com/office/drawing/2014/main" val="490576269"/>
+                      <a16:colId xmlns:a16="http://schemas.microsoft.com/office/drawing/2014/main" xmlns="" val="490576269"/>
                     </a:ext>
                   </a:extLst>
                 </a:gridCol>
                 <a:gridCol w="2398728">
                   <a:extLst>
                     <a:ext uri="{9D8B030D-6E8A-4147-A177-3AD203B41FA5}">
-                      <a16:colId xmlns:a16="http://schemas.microsoft.com/office/drawing/2014/main" val="2750247129"/>
+                      <a16:colId xmlns:a16="http://schemas.microsoft.com/office/drawing/2014/main" xmlns="" val="2750247129"/>
                     </a:ext>
                   </a:extLst>
                 </a:gridCol>
                 <a:gridCol w="705089">
                   <a:extLst>
                     <a:ext uri="{9D8B030D-6E8A-4147-A177-3AD203B41FA5}">
-                      <a16:colId xmlns:a16="http://schemas.microsoft.com/office/drawing/2014/main" val="3137058074"/>
+                      <a16:colId xmlns:a16="http://schemas.microsoft.com/office/drawing/2014/main" xmlns="" val="3137058074"/>
                     </a:ext>
                   </a:extLst>
                 </a:gridCol>
                 <a:gridCol w="1765364">
                   <a:extLst>
                     <a:ext uri="{9D8B030D-6E8A-4147-A177-3AD203B41FA5}">
-                      <a16:colId xmlns:a16="http://schemas.microsoft.com/office/drawing/2014/main" val="2240145745"/>
+                      <a16:colId xmlns:a16="http://schemas.microsoft.com/office/drawing/2014/main" xmlns="" val="2240145745"/>
                     </a:ext>
                   </a:extLst>
                 </a:gridCol>
                 <a:gridCol w="1246609">
                   <a:extLst>
                     <a:ext uri="{9D8B030D-6E8A-4147-A177-3AD203B41FA5}">
-                      <a16:colId xmlns:a16="http://schemas.microsoft.com/office/drawing/2014/main" val="3968797517"/>
+                      <a16:colId xmlns:a16="http://schemas.microsoft.com/office/drawing/2014/main" xmlns="" val="3968797517"/>
                     </a:ext>
                   </a:extLst>
                 </a:gridCol>
@@ -22557,7 +22827,7 @@
                 </a:tc>
                 <a:extLst>
                   <a:ext uri="{0D108BD9-81ED-4DB2-BD59-A6C34878D82A}">
-                    <a16:rowId xmlns:a16="http://schemas.microsoft.com/office/drawing/2014/main" val="1944635151"/>
+                    <a16:rowId xmlns:a16="http://schemas.microsoft.com/office/drawing/2014/main" xmlns="" val="1944635151"/>
                   </a:ext>
                 </a:extLst>
               </a:tr>
@@ -22911,7 +23181,7 @@
                 </a:tc>
                 <a:extLst>
                   <a:ext uri="{0D108BD9-81ED-4DB2-BD59-A6C34878D82A}">
-                    <a16:rowId xmlns:a16="http://schemas.microsoft.com/office/drawing/2014/main" val="3504103745"/>
+                    <a16:rowId xmlns:a16="http://schemas.microsoft.com/office/drawing/2014/main" xmlns="" val="3504103745"/>
                   </a:ext>
                 </a:extLst>
               </a:tr>
@@ -23273,7 +23543,7 @@
                 </a:tc>
                 <a:extLst>
                   <a:ext uri="{0D108BD9-81ED-4DB2-BD59-A6C34878D82A}">
-                    <a16:rowId xmlns:a16="http://schemas.microsoft.com/office/drawing/2014/main" val="2410617811"/>
+                    <a16:rowId xmlns:a16="http://schemas.microsoft.com/office/drawing/2014/main" xmlns="" val="2410617811"/>
                   </a:ext>
                 </a:extLst>
               </a:tr>
@@ -23604,7 +23874,7 @@
                 </a:tc>
                 <a:extLst>
                   <a:ext uri="{0D108BD9-81ED-4DB2-BD59-A6C34878D82A}">
-                    <a16:rowId xmlns:a16="http://schemas.microsoft.com/office/drawing/2014/main" val="1077056632"/>
+                    <a16:rowId xmlns:a16="http://schemas.microsoft.com/office/drawing/2014/main" xmlns="" val="1077056632"/>
                   </a:ext>
                 </a:extLst>
               </a:tr>
@@ -23946,7 +24216,7 @@
                 </a:tc>
                 <a:extLst>
                   <a:ext uri="{0D108BD9-81ED-4DB2-BD59-A6C34878D82A}">
-                    <a16:rowId xmlns:a16="http://schemas.microsoft.com/office/drawing/2014/main" val="3699127354"/>
+                    <a16:rowId xmlns:a16="http://schemas.microsoft.com/office/drawing/2014/main" xmlns="" val="3699127354"/>
                   </a:ext>
                 </a:extLst>
               </a:tr>
@@ -24139,7 +24409,7 @@
                 </a:tc>
                 <a:extLst>
                   <a:ext uri="{0D108BD9-81ED-4DB2-BD59-A6C34878D82A}">
-                    <a16:rowId xmlns:a16="http://schemas.microsoft.com/office/drawing/2014/main" val="1107960829"/>
+                    <a16:rowId xmlns:a16="http://schemas.microsoft.com/office/drawing/2014/main" xmlns="" val="1107960829"/>
                   </a:ext>
                 </a:extLst>
               </a:tr>
@@ -24500,7 +24770,7 @@
                 </a:tc>
                 <a:extLst>
                   <a:ext uri="{0D108BD9-81ED-4DB2-BD59-A6C34878D82A}">
-                    <a16:rowId xmlns:a16="http://schemas.microsoft.com/office/drawing/2014/main" val="3037283718"/>
+                    <a16:rowId xmlns:a16="http://schemas.microsoft.com/office/drawing/2014/main" xmlns="" val="3037283718"/>
                   </a:ext>
                 </a:extLst>
               </a:tr>
@@ -24813,7 +25083,7 @@
                 </a:tc>
                 <a:extLst>
                   <a:ext uri="{0D108BD9-81ED-4DB2-BD59-A6C34878D82A}">
-                    <a16:rowId xmlns:a16="http://schemas.microsoft.com/office/drawing/2014/main" val="4135394514"/>
+                    <a16:rowId xmlns:a16="http://schemas.microsoft.com/office/drawing/2014/main" xmlns="" val="4135394514"/>
                   </a:ext>
                 </a:extLst>
               </a:tr>
@@ -24826,7 +25096,7 @@
           <p:cNvPr id="8" name="Text Placeholder 2">
             <a:extLst>
               <a:ext uri="{FF2B5EF4-FFF2-40B4-BE49-F238E27FC236}">
-                <a16:creationId xmlns:a16="http://schemas.microsoft.com/office/drawing/2014/main" id="{87DAF040-577B-48B8-B242-5C47D3131BA4}"/>
+                <a16:creationId xmlns:a16="http://schemas.microsoft.com/office/drawing/2014/main" xmlns="" id="{87DAF040-577B-48B8-B242-5C47D3131BA4}"/>
               </a:ext>
             </a:extLst>
           </p:cNvPr>
@@ -25142,7 +25412,7 @@
           <p:cNvPr id="2" name="Title 1">
             <a:extLst>
               <a:ext uri="{FF2B5EF4-FFF2-40B4-BE49-F238E27FC236}">
-                <a16:creationId xmlns:a16="http://schemas.microsoft.com/office/drawing/2014/main" id="{2BE737BE-E08E-4B5C-90E5-46E18178EFFA}"/>
+                <a16:creationId xmlns:a16="http://schemas.microsoft.com/office/drawing/2014/main" xmlns="" id="{2BE737BE-E08E-4B5C-90E5-46E18178EFFA}"/>
               </a:ext>
             </a:extLst>
           </p:cNvPr>
@@ -25174,7 +25444,7 @@
           <p:cNvPr id="5" name="Picture 4">
             <a:extLst>
               <a:ext uri="{FF2B5EF4-FFF2-40B4-BE49-F238E27FC236}">
-                <a16:creationId xmlns:a16="http://schemas.microsoft.com/office/drawing/2014/main" id="{1DA0F86E-6E1D-4CC7-A906-652C813E7806}"/>
+                <a16:creationId xmlns:a16="http://schemas.microsoft.com/office/drawing/2014/main" xmlns="" id="{1DA0F86E-6E1D-4CC7-A906-652C813E7806}"/>
               </a:ext>
             </a:extLst>
           </p:cNvPr>
@@ -25204,7 +25474,7 @@
           <p:cNvPr id="6" name="Rectangle 5">
             <a:extLst>
               <a:ext uri="{FF2B5EF4-FFF2-40B4-BE49-F238E27FC236}">
-                <a16:creationId xmlns:a16="http://schemas.microsoft.com/office/drawing/2014/main" id="{3A2ABF20-24D7-4527-8084-5C7B54C35595}"/>
+                <a16:creationId xmlns:a16="http://schemas.microsoft.com/office/drawing/2014/main" xmlns="" id="{3A2ABF20-24D7-4527-8084-5C7B54C35595}"/>
               </a:ext>
             </a:extLst>
           </p:cNvPr>
@@ -25268,7 +25538,7 @@
           <p:cNvPr id="7" name="Rectangle 6">
             <a:extLst>
               <a:ext uri="{FF2B5EF4-FFF2-40B4-BE49-F238E27FC236}">
-                <a16:creationId xmlns:a16="http://schemas.microsoft.com/office/drawing/2014/main" id="{3B15F607-0F29-41C4-9C44-81A809061F7D}"/>
+                <a16:creationId xmlns:a16="http://schemas.microsoft.com/office/drawing/2014/main" xmlns="" id="{3B15F607-0F29-41C4-9C44-81A809061F7D}"/>
               </a:ext>
             </a:extLst>
           </p:cNvPr>
@@ -25332,7 +25602,7 @@
           <p:cNvPr id="8" name="Rectangle 7">
             <a:extLst>
               <a:ext uri="{FF2B5EF4-FFF2-40B4-BE49-F238E27FC236}">
-                <a16:creationId xmlns:a16="http://schemas.microsoft.com/office/drawing/2014/main" id="{44FAFE01-1F52-4962-9E36-9039A1BC5706}"/>
+                <a16:creationId xmlns:a16="http://schemas.microsoft.com/office/drawing/2014/main" xmlns="" id="{44FAFE01-1F52-4962-9E36-9039A1BC5706}"/>
               </a:ext>
             </a:extLst>
           </p:cNvPr>
@@ -25426,7 +25696,7 @@
           <p:cNvPr id="6" name="Rectangle 5">
             <a:extLst>
               <a:ext uri="{FF2B5EF4-FFF2-40B4-BE49-F238E27FC236}">
-                <a16:creationId xmlns:a16="http://schemas.microsoft.com/office/drawing/2014/main" id="{22044682-8B78-4820-BAFF-C213981CB629}"/>
+                <a16:creationId xmlns:a16="http://schemas.microsoft.com/office/drawing/2014/main" xmlns="" id="{22044682-8B78-4820-BAFF-C213981CB629}"/>
               </a:ext>
             </a:extLst>
           </p:cNvPr>
@@ -25562,7 +25832,7 @@
           <p:cNvPr id="5" name="Rectangle 4">
             <a:extLst>
               <a:ext uri="{FF2B5EF4-FFF2-40B4-BE49-F238E27FC236}">
-                <a16:creationId xmlns:a16="http://schemas.microsoft.com/office/drawing/2014/main" id="{60593F36-5B7E-0E48-8D3D-4EE9FBB109DE}"/>
+                <a16:creationId xmlns:a16="http://schemas.microsoft.com/office/drawing/2014/main" xmlns="" id="{60593F36-5B7E-0E48-8D3D-4EE9FBB109DE}"/>
               </a:ext>
             </a:extLst>
           </p:cNvPr>
@@ -25608,7 +25878,7 @@
           <p:cNvPr id="8" name="Picture 7">
             <a:extLst>
               <a:ext uri="{FF2B5EF4-FFF2-40B4-BE49-F238E27FC236}">
-                <a16:creationId xmlns:a16="http://schemas.microsoft.com/office/drawing/2014/main" id="{CF8F7B42-792C-448E-A2F1-82EE8F246E80}"/>
+                <a16:creationId xmlns:a16="http://schemas.microsoft.com/office/drawing/2014/main" xmlns="" id="{CF8F7B42-792C-448E-A2F1-82EE8F246E80}"/>
               </a:ext>
             </a:extLst>
           </p:cNvPr>
@@ -25723,7 +25993,7 @@
           <p:cNvPr id="5" name="Rectangle 4">
             <a:extLst>
               <a:ext uri="{FF2B5EF4-FFF2-40B4-BE49-F238E27FC236}">
-                <a16:creationId xmlns:a16="http://schemas.microsoft.com/office/drawing/2014/main" id="{60593F36-5B7E-0E48-8D3D-4EE9FBB109DE}"/>
+                <a16:creationId xmlns:a16="http://schemas.microsoft.com/office/drawing/2014/main" xmlns="" id="{60593F36-5B7E-0E48-8D3D-4EE9FBB109DE}"/>
               </a:ext>
             </a:extLst>
           </p:cNvPr>
@@ -25769,7 +26039,7 @@
           <p:cNvPr id="8" name="Picture 7">
             <a:extLst>
               <a:ext uri="{FF2B5EF4-FFF2-40B4-BE49-F238E27FC236}">
-                <a16:creationId xmlns:a16="http://schemas.microsoft.com/office/drawing/2014/main" id="{0ED3E06B-5870-4139-B70A-D42FBF73E0A7}"/>
+                <a16:creationId xmlns:a16="http://schemas.microsoft.com/office/drawing/2014/main" xmlns="" id="{0ED3E06B-5870-4139-B70A-D42FBF73E0A7}"/>
               </a:ext>
             </a:extLst>
           </p:cNvPr>
@@ -25799,7 +26069,7 @@
           <p:cNvPr id="6" name="Rectangle 5">
             <a:extLst>
               <a:ext uri="{FF2B5EF4-FFF2-40B4-BE49-F238E27FC236}">
-                <a16:creationId xmlns:a16="http://schemas.microsoft.com/office/drawing/2014/main" id="{4990FA4D-D9E6-4B14-84A2-D02EAFF6A176}"/>
+                <a16:creationId xmlns:a16="http://schemas.microsoft.com/office/drawing/2014/main" xmlns="" id="{4990FA4D-D9E6-4B14-84A2-D02EAFF6A176}"/>
               </a:ext>
             </a:extLst>
           </p:cNvPr>
@@ -25982,7 +26252,7 @@
           <p:cNvPr id="5" name="Rectangle 4">
             <a:extLst>
               <a:ext uri="{FF2B5EF4-FFF2-40B4-BE49-F238E27FC236}">
-                <a16:creationId xmlns:a16="http://schemas.microsoft.com/office/drawing/2014/main" id="{60593F36-5B7E-0E48-8D3D-4EE9FBB109DE}"/>
+                <a16:creationId xmlns:a16="http://schemas.microsoft.com/office/drawing/2014/main" xmlns="" id="{60593F36-5B7E-0E48-8D3D-4EE9FBB109DE}"/>
               </a:ext>
             </a:extLst>
           </p:cNvPr>
@@ -26028,7 +26298,7 @@
           <p:cNvPr id="7" name="Picture 6">
             <a:extLst>
               <a:ext uri="{FF2B5EF4-FFF2-40B4-BE49-F238E27FC236}">
-                <a16:creationId xmlns:a16="http://schemas.microsoft.com/office/drawing/2014/main" id="{EB5B7646-B1C2-4FC6-96D5-F9C5274079BA}"/>
+                <a16:creationId xmlns:a16="http://schemas.microsoft.com/office/drawing/2014/main" xmlns="" id="{EB5B7646-B1C2-4FC6-96D5-F9C5274079BA}"/>
               </a:ext>
             </a:extLst>
           </p:cNvPr>
@@ -26058,7 +26328,7 @@
           <p:cNvPr id="6" name="Rectangle 5">
             <a:extLst>
               <a:ext uri="{FF2B5EF4-FFF2-40B4-BE49-F238E27FC236}">
-                <a16:creationId xmlns:a16="http://schemas.microsoft.com/office/drawing/2014/main" id="{7DFDEE41-549F-4DE5-9FCD-C789AABCBA01}"/>
+                <a16:creationId xmlns:a16="http://schemas.microsoft.com/office/drawing/2014/main" xmlns="" id="{7DFDEE41-549F-4DE5-9FCD-C789AABCBA01}"/>
               </a:ext>
             </a:extLst>
           </p:cNvPr>
@@ -26221,7 +26491,7 @@
           <p:cNvPr id="5" name="Rectangle 4">
             <a:extLst>
               <a:ext uri="{FF2B5EF4-FFF2-40B4-BE49-F238E27FC236}">
-                <a16:creationId xmlns:a16="http://schemas.microsoft.com/office/drawing/2014/main" id="{60593F36-5B7E-0E48-8D3D-4EE9FBB109DE}"/>
+                <a16:creationId xmlns:a16="http://schemas.microsoft.com/office/drawing/2014/main" xmlns="" id="{60593F36-5B7E-0E48-8D3D-4EE9FBB109DE}"/>
               </a:ext>
             </a:extLst>
           </p:cNvPr>
@@ -26267,7 +26537,7 @@
           <p:cNvPr id="7" name="Content Placeholder 6" descr="A screenshot of a cell phone&#10;&#10;Description automatically generated">
             <a:extLst>
               <a:ext uri="{FF2B5EF4-FFF2-40B4-BE49-F238E27FC236}">
-                <a16:creationId xmlns:a16="http://schemas.microsoft.com/office/drawing/2014/main" id="{4B499511-4D75-5941-B58A-156772F4F47E}"/>
+                <a16:creationId xmlns:a16="http://schemas.microsoft.com/office/drawing/2014/main" xmlns="" id="{4B499511-4D75-5941-B58A-156772F4F47E}"/>
               </a:ext>
             </a:extLst>
           </p:cNvPr>
@@ -26303,7 +26573,7 @@
           <p:cNvPr id="6" name="Rectangle 5">
             <a:extLst>
               <a:ext uri="{FF2B5EF4-FFF2-40B4-BE49-F238E27FC236}">
-                <a16:creationId xmlns:a16="http://schemas.microsoft.com/office/drawing/2014/main" id="{0B1D510B-F8A7-48AD-8C02-D97E6907520C}"/>
+                <a16:creationId xmlns:a16="http://schemas.microsoft.com/office/drawing/2014/main" xmlns="" id="{0B1D510B-F8A7-48AD-8C02-D97E6907520C}"/>
               </a:ext>
             </a:extLst>
           </p:cNvPr>
@@ -26466,7 +26736,7 @@
           <p:cNvPr id="5" name="Rectangle 4">
             <a:extLst>
               <a:ext uri="{FF2B5EF4-FFF2-40B4-BE49-F238E27FC236}">
-                <a16:creationId xmlns:a16="http://schemas.microsoft.com/office/drawing/2014/main" id="{60593F36-5B7E-0E48-8D3D-4EE9FBB109DE}"/>
+                <a16:creationId xmlns:a16="http://schemas.microsoft.com/office/drawing/2014/main" xmlns="" id="{60593F36-5B7E-0E48-8D3D-4EE9FBB109DE}"/>
               </a:ext>
             </a:extLst>
           </p:cNvPr>
@@ -26512,7 +26782,7 @@
           <p:cNvPr id="8" name="Picture 7">
             <a:extLst>
               <a:ext uri="{FF2B5EF4-FFF2-40B4-BE49-F238E27FC236}">
-                <a16:creationId xmlns:a16="http://schemas.microsoft.com/office/drawing/2014/main" id="{B00E6779-8F5C-47E9-904F-FF5AE226421C}"/>
+                <a16:creationId xmlns:a16="http://schemas.microsoft.com/office/drawing/2014/main" xmlns="" id="{B00E6779-8F5C-47E9-904F-FF5AE226421C}"/>
               </a:ext>
             </a:extLst>
           </p:cNvPr>
@@ -26542,7 +26812,7 @@
           <p:cNvPr id="6" name="Rectangle 5">
             <a:extLst>
               <a:ext uri="{FF2B5EF4-FFF2-40B4-BE49-F238E27FC236}">
-                <a16:creationId xmlns:a16="http://schemas.microsoft.com/office/drawing/2014/main" id="{40A287A9-AE22-41EE-BD88-3827EE49C917}"/>
+                <a16:creationId xmlns:a16="http://schemas.microsoft.com/office/drawing/2014/main" xmlns="" id="{40A287A9-AE22-41EE-BD88-3827EE49C917}"/>
               </a:ext>
             </a:extLst>
           </p:cNvPr>
@@ -26686,7 +26956,7 @@
           <p:cNvPr id="5" name="Rectangle 4">
             <a:extLst>
               <a:ext uri="{FF2B5EF4-FFF2-40B4-BE49-F238E27FC236}">
-                <a16:creationId xmlns:a16="http://schemas.microsoft.com/office/drawing/2014/main" id="{60593F36-5B7E-0E48-8D3D-4EE9FBB109DE}"/>
+                <a16:creationId xmlns:a16="http://schemas.microsoft.com/office/drawing/2014/main" xmlns="" id="{60593F36-5B7E-0E48-8D3D-4EE9FBB109DE}"/>
               </a:ext>
             </a:extLst>
           </p:cNvPr>
@@ -26732,7 +27002,7 @@
           <p:cNvPr id="8" name="Picture 7">
             <a:extLst>
               <a:ext uri="{FF2B5EF4-FFF2-40B4-BE49-F238E27FC236}">
-                <a16:creationId xmlns:a16="http://schemas.microsoft.com/office/drawing/2014/main" id="{8040E8B3-1E47-4715-9C10-F1017D40F5C2}"/>
+                <a16:creationId xmlns:a16="http://schemas.microsoft.com/office/drawing/2014/main" xmlns="" id="{8040E8B3-1E47-4715-9C10-F1017D40F5C2}"/>
               </a:ext>
             </a:extLst>
           </p:cNvPr>
@@ -26762,7 +27032,7 @@
           <p:cNvPr id="6" name="Rectangle 5">
             <a:extLst>
               <a:ext uri="{FF2B5EF4-FFF2-40B4-BE49-F238E27FC236}">
-                <a16:creationId xmlns:a16="http://schemas.microsoft.com/office/drawing/2014/main" id="{6B7A813A-E9B9-4EAD-97F5-CAB54D44F02D}"/>
+                <a16:creationId xmlns:a16="http://schemas.microsoft.com/office/drawing/2014/main" xmlns="" id="{6B7A813A-E9B9-4EAD-97F5-CAB54D44F02D}"/>
               </a:ext>
             </a:extLst>
           </p:cNvPr>
@@ -27113,7 +27383,7 @@
           <p:cNvPr id="5" name="Rectangle 4">
             <a:extLst>
               <a:ext uri="{FF2B5EF4-FFF2-40B4-BE49-F238E27FC236}">
-                <a16:creationId xmlns:a16="http://schemas.microsoft.com/office/drawing/2014/main" id="{17616776-F361-43F8-AC65-BB21469EEEA5}"/>
+                <a16:creationId xmlns:a16="http://schemas.microsoft.com/office/drawing/2014/main" xmlns="" id="{17616776-F361-43F8-AC65-BB21469EEEA5}"/>
               </a:ext>
             </a:extLst>
           </p:cNvPr>
@@ -28017,7 +28287,7 @@
           <p:cNvPr id="6" name="Rectangle 5">
             <a:extLst>
               <a:ext uri="{FF2B5EF4-FFF2-40B4-BE49-F238E27FC236}">
-                <a16:creationId xmlns:a16="http://schemas.microsoft.com/office/drawing/2014/main" id="{A7A086FC-B2EA-4496-BBA1-09B63B6CB7EE}"/>
+                <a16:creationId xmlns:a16="http://schemas.microsoft.com/office/drawing/2014/main" xmlns="" id="{A7A086FC-B2EA-4496-BBA1-09B63B6CB7EE}"/>
               </a:ext>
             </a:extLst>
           </p:cNvPr>
@@ -28161,7 +28431,7 @@
           <p:cNvPr id="7" name="Rectangle 6">
             <a:extLst>
               <a:ext uri="{FF2B5EF4-FFF2-40B4-BE49-F238E27FC236}">
-                <a16:creationId xmlns:a16="http://schemas.microsoft.com/office/drawing/2014/main" id="{2D5072DE-4A25-7A4D-A5BC-7CC96A59307E}"/>
+                <a16:creationId xmlns:a16="http://schemas.microsoft.com/office/drawing/2014/main" xmlns="" id="{2D5072DE-4A25-7A4D-A5BC-7CC96A59307E}"/>
               </a:ext>
             </a:extLst>
           </p:cNvPr>
@@ -28207,7 +28477,7 @@
           <p:cNvPr id="8" name="Picture 7">
             <a:extLst>
               <a:ext uri="{FF2B5EF4-FFF2-40B4-BE49-F238E27FC236}">
-                <a16:creationId xmlns:a16="http://schemas.microsoft.com/office/drawing/2014/main" id="{30D6D5BE-FD5F-4645-84D5-BFF40BDD9D4E}"/>
+                <a16:creationId xmlns:a16="http://schemas.microsoft.com/office/drawing/2014/main" xmlns="" id="{30D6D5BE-FD5F-4645-84D5-BFF40BDD9D4E}"/>
               </a:ext>
             </a:extLst>
           </p:cNvPr>
@@ -28237,7 +28507,7 @@
           <p:cNvPr id="6" name="Rectangle 5">
             <a:extLst>
               <a:ext uri="{FF2B5EF4-FFF2-40B4-BE49-F238E27FC236}">
-                <a16:creationId xmlns:a16="http://schemas.microsoft.com/office/drawing/2014/main" id="{A19BFB5A-358A-4E89-9351-3936522F59D8}"/>
+                <a16:creationId xmlns:a16="http://schemas.microsoft.com/office/drawing/2014/main" xmlns="" id="{A19BFB5A-358A-4E89-9351-3936522F59D8}"/>
               </a:ext>
             </a:extLst>
           </p:cNvPr>
@@ -28435,7 +28705,7 @@
           <p:cNvPr id="7" name="Rectangle 6">
             <a:extLst>
               <a:ext uri="{FF2B5EF4-FFF2-40B4-BE49-F238E27FC236}">
-                <a16:creationId xmlns:a16="http://schemas.microsoft.com/office/drawing/2014/main" id="{2D5072DE-4A25-7A4D-A5BC-7CC96A59307E}"/>
+                <a16:creationId xmlns:a16="http://schemas.microsoft.com/office/drawing/2014/main" xmlns="" id="{2D5072DE-4A25-7A4D-A5BC-7CC96A59307E}"/>
               </a:ext>
             </a:extLst>
           </p:cNvPr>
@@ -28481,7 +28751,7 @@
           <p:cNvPr id="8" name="Picture 7">
             <a:extLst>
               <a:ext uri="{FF2B5EF4-FFF2-40B4-BE49-F238E27FC236}">
-                <a16:creationId xmlns:a16="http://schemas.microsoft.com/office/drawing/2014/main" id="{5C0DE6AB-0F9F-4F48-83E5-B22957A570CB}"/>
+                <a16:creationId xmlns:a16="http://schemas.microsoft.com/office/drawing/2014/main" xmlns="" id="{5C0DE6AB-0F9F-4F48-83E5-B22957A570CB}"/>
               </a:ext>
             </a:extLst>
           </p:cNvPr>
@@ -28511,7 +28781,7 @@
           <p:cNvPr id="6" name="Rectangle 5">
             <a:extLst>
               <a:ext uri="{FF2B5EF4-FFF2-40B4-BE49-F238E27FC236}">
-                <a16:creationId xmlns:a16="http://schemas.microsoft.com/office/drawing/2014/main" id="{0E5AB7C4-0689-4605-9CC2-DAFF207D3D05}"/>
+                <a16:creationId xmlns:a16="http://schemas.microsoft.com/office/drawing/2014/main" xmlns="" id="{0E5AB7C4-0689-4605-9CC2-DAFF207D3D05}"/>
               </a:ext>
             </a:extLst>
           </p:cNvPr>
@@ -28669,7 +28939,7 @@
           <p:cNvPr id="5" name="Rectangle 4">
             <a:extLst>
               <a:ext uri="{FF2B5EF4-FFF2-40B4-BE49-F238E27FC236}">
-                <a16:creationId xmlns:a16="http://schemas.microsoft.com/office/drawing/2014/main" id="{A09F53B0-F293-1944-A028-317F7269FF06}"/>
+                <a16:creationId xmlns:a16="http://schemas.microsoft.com/office/drawing/2014/main" xmlns="" id="{A09F53B0-F293-1944-A028-317F7269FF06}"/>
               </a:ext>
             </a:extLst>
           </p:cNvPr>
@@ -28715,7 +28985,7 @@
           <p:cNvPr id="8" name="Picture 7">
             <a:extLst>
               <a:ext uri="{FF2B5EF4-FFF2-40B4-BE49-F238E27FC236}">
-                <a16:creationId xmlns:a16="http://schemas.microsoft.com/office/drawing/2014/main" id="{4E226237-BDDA-4A96-A7B1-AAC82DD0048F}"/>
+                <a16:creationId xmlns:a16="http://schemas.microsoft.com/office/drawing/2014/main" xmlns="" id="{4E226237-BDDA-4A96-A7B1-AAC82DD0048F}"/>
               </a:ext>
             </a:extLst>
           </p:cNvPr>
@@ -28745,7 +29015,7 @@
           <p:cNvPr id="6" name="Rectangle 5">
             <a:extLst>
               <a:ext uri="{FF2B5EF4-FFF2-40B4-BE49-F238E27FC236}">
-                <a16:creationId xmlns:a16="http://schemas.microsoft.com/office/drawing/2014/main" id="{958EF0D9-6929-467D-A442-3D96F8514B45}"/>
+                <a16:creationId xmlns:a16="http://schemas.microsoft.com/office/drawing/2014/main" xmlns="" id="{958EF0D9-6929-467D-A442-3D96F8514B45}"/>
               </a:ext>
             </a:extLst>
           </p:cNvPr>
@@ -28823,7 +29093,7 @@
           <p:cNvPr id="4" name="Picture 3">
             <a:extLst>
               <a:ext uri="{FF2B5EF4-FFF2-40B4-BE49-F238E27FC236}">
-                <a16:creationId xmlns:a16="http://schemas.microsoft.com/office/drawing/2014/main" id="{3B1CD7BC-EBEF-43F4-B07A-9858CA648C95}"/>
+                <a16:creationId xmlns:a16="http://schemas.microsoft.com/office/drawing/2014/main" xmlns="" id="{3B1CD7BC-EBEF-43F4-B07A-9858CA648C95}"/>
               </a:ext>
             </a:extLst>
           </p:cNvPr>
@@ -28938,7 +29208,7 @@
           <p:cNvPr id="5" name="Rectangle 4">
             <a:extLst>
               <a:ext uri="{FF2B5EF4-FFF2-40B4-BE49-F238E27FC236}">
-                <a16:creationId xmlns:a16="http://schemas.microsoft.com/office/drawing/2014/main" id="{A09F53B0-F293-1944-A028-317F7269FF06}"/>
+                <a16:creationId xmlns:a16="http://schemas.microsoft.com/office/drawing/2014/main" xmlns="" id="{A09F53B0-F293-1944-A028-317F7269FF06}"/>
               </a:ext>
             </a:extLst>
           </p:cNvPr>
@@ -28984,7 +29254,7 @@
           <p:cNvPr id="9" name="Picture 8">
             <a:extLst>
               <a:ext uri="{FF2B5EF4-FFF2-40B4-BE49-F238E27FC236}">
-                <a16:creationId xmlns:a16="http://schemas.microsoft.com/office/drawing/2014/main" id="{EC876897-2AFD-4BA4-BB32-12DABBA1F9F9}"/>
+                <a16:creationId xmlns:a16="http://schemas.microsoft.com/office/drawing/2014/main" xmlns="" id="{EC876897-2AFD-4BA4-BB32-12DABBA1F9F9}"/>
               </a:ext>
             </a:extLst>
           </p:cNvPr>
@@ -29104,7 +29374,7 @@
           <p:cNvPr id="5" name="Rectangle 4">
             <a:extLst>
               <a:ext uri="{FF2B5EF4-FFF2-40B4-BE49-F238E27FC236}">
-                <a16:creationId xmlns:a16="http://schemas.microsoft.com/office/drawing/2014/main" id="{A09F53B0-F293-1944-A028-317F7269FF06}"/>
+                <a16:creationId xmlns:a16="http://schemas.microsoft.com/office/drawing/2014/main" xmlns="" id="{A09F53B0-F293-1944-A028-317F7269FF06}"/>
               </a:ext>
             </a:extLst>
           </p:cNvPr>
@@ -29150,7 +29420,7 @@
           <p:cNvPr id="8" name="Picture 7">
             <a:extLst>
               <a:ext uri="{FF2B5EF4-FFF2-40B4-BE49-F238E27FC236}">
-                <a16:creationId xmlns:a16="http://schemas.microsoft.com/office/drawing/2014/main" id="{181B60D6-65B0-4B6F-9970-50EAA727BE16}"/>
+                <a16:creationId xmlns:a16="http://schemas.microsoft.com/office/drawing/2014/main" xmlns="" id="{181B60D6-65B0-4B6F-9970-50EAA727BE16}"/>
               </a:ext>
             </a:extLst>
           </p:cNvPr>
@@ -29215,7 +29485,7 @@
           <p:cNvPr id="2" name="Title 1">
             <a:extLst>
               <a:ext uri="{FF2B5EF4-FFF2-40B4-BE49-F238E27FC236}">
-                <a16:creationId xmlns:a16="http://schemas.microsoft.com/office/drawing/2014/main" id="{FB87B9A1-2712-4290-8335-A61F254BB99E}"/>
+                <a16:creationId xmlns:a16="http://schemas.microsoft.com/office/drawing/2014/main" xmlns="" id="{FB87B9A1-2712-4290-8335-A61F254BB99E}"/>
               </a:ext>
             </a:extLst>
           </p:cNvPr>
@@ -29245,7 +29515,7 @@
           <p:cNvPr id="4" name="Content Placeholder 3">
             <a:extLst>
               <a:ext uri="{FF2B5EF4-FFF2-40B4-BE49-F238E27FC236}">
-                <a16:creationId xmlns:a16="http://schemas.microsoft.com/office/drawing/2014/main" id="{E2B28B8A-8ECD-49F6-9F3E-D3076F3F4284}"/>
+                <a16:creationId xmlns:a16="http://schemas.microsoft.com/office/drawing/2014/main" xmlns="" id="{E2B28B8A-8ECD-49F6-9F3E-D3076F3F4284}"/>
               </a:ext>
             </a:extLst>
           </p:cNvPr>
@@ -29319,7 +29589,7 @@
           <p:cNvPr id="2" name="Title 1">
             <a:extLst>
               <a:ext uri="{FF2B5EF4-FFF2-40B4-BE49-F238E27FC236}">
-                <a16:creationId xmlns:a16="http://schemas.microsoft.com/office/drawing/2014/main" id="{FB87B9A1-2712-4290-8335-A61F254BB99E}"/>
+                <a16:creationId xmlns:a16="http://schemas.microsoft.com/office/drawing/2014/main" xmlns="" id="{FB87B9A1-2712-4290-8335-A61F254BB99E}"/>
               </a:ext>
             </a:extLst>
           </p:cNvPr>
@@ -29354,7 +29624,7 @@
           <p:cNvPr id="4" name="Content Placeholder 3">
             <a:extLst>
               <a:ext uri="{FF2B5EF4-FFF2-40B4-BE49-F238E27FC236}">
-                <a16:creationId xmlns:a16="http://schemas.microsoft.com/office/drawing/2014/main" id="{E2B28B8A-8ECD-49F6-9F3E-D3076F3F4284}"/>
+                <a16:creationId xmlns:a16="http://schemas.microsoft.com/office/drawing/2014/main" xmlns="" id="{E2B28B8A-8ECD-49F6-9F3E-D3076F3F4284}"/>
               </a:ext>
             </a:extLst>
           </p:cNvPr>
@@ -29580,7 +29850,7 @@
           <p:cNvPr id="2" name="Picture 1">
             <a:extLst>
               <a:ext uri="{FF2B5EF4-FFF2-40B4-BE49-F238E27FC236}">
-                <a16:creationId xmlns:a16="http://schemas.microsoft.com/office/drawing/2014/main" id="{6C6E46C5-427C-4285-BE4D-D5B08E1B5E90}"/>
+                <a16:creationId xmlns:a16="http://schemas.microsoft.com/office/drawing/2014/main" xmlns="" id="{6C6E46C5-427C-4285-BE4D-D5B08E1B5E90}"/>
               </a:ext>
             </a:extLst>
           </p:cNvPr>
@@ -29746,7 +30016,7 @@
           <p:cNvPr id="5" name="TextBox 4">
             <a:extLst>
               <a:ext uri="{FF2B5EF4-FFF2-40B4-BE49-F238E27FC236}">
-                <a16:creationId xmlns:a16="http://schemas.microsoft.com/office/drawing/2014/main" id="{C68BFD21-8063-2C4D-8B57-5040F83B346B}"/>
+                <a16:creationId xmlns:a16="http://schemas.microsoft.com/office/drawing/2014/main" xmlns="" id="{C68BFD21-8063-2C4D-8B57-5040F83B346B}"/>
               </a:ext>
             </a:extLst>
           </p:cNvPr>
@@ -30262,7 +30532,7 @@
           <p:cNvPr id="14" name="Title 1">
             <a:extLst>
               <a:ext uri="{FF2B5EF4-FFF2-40B4-BE49-F238E27FC236}">
-                <a16:creationId xmlns:a16="http://schemas.microsoft.com/office/drawing/2014/main" id="{2D1A4B79-C466-4349-B4E0-6A7FAD82307E}"/>
+                <a16:creationId xmlns:a16="http://schemas.microsoft.com/office/drawing/2014/main" xmlns="" id="{2D1A4B79-C466-4349-B4E0-6A7FAD82307E}"/>
               </a:ext>
             </a:extLst>
           </p:cNvPr>
@@ -30482,7 +30752,7 @@
           <p:cNvPr id="10" name="Title 1">
             <a:extLst>
               <a:ext uri="{FF2B5EF4-FFF2-40B4-BE49-F238E27FC236}">
-                <a16:creationId xmlns:a16="http://schemas.microsoft.com/office/drawing/2014/main" id="{27E2A3A5-A6D1-4BC2-A5D4-A2A0AE0A477A}"/>
+                <a16:creationId xmlns:a16="http://schemas.microsoft.com/office/drawing/2014/main" xmlns="" id="{27E2A3A5-A6D1-4BC2-A5D4-A2A0AE0A477A}"/>
               </a:ext>
             </a:extLst>
           </p:cNvPr>
@@ -30568,6 +30838,13 @@
   <p:clrMapOvr>
     <a:masterClrMapping/>
   </p:clrMapOvr>
+  <p:timing>
+    <p:tnLst>
+      <p:par>
+        <p:cTn id="1" dur="indefinite" restart="never" nodeType="tmRoot"/>
+      </p:par>
+    </p:tnLst>
+  </p:timing>
 </p:sld>
 </file>
 
@@ -30593,7 +30870,7 @@
           <p:cNvPr id="3" name="Title 2">
             <a:extLst>
               <a:ext uri="{FF2B5EF4-FFF2-40B4-BE49-F238E27FC236}">
-                <a16:creationId xmlns:a16="http://schemas.microsoft.com/office/drawing/2014/main" id="{45084632-9195-4FC7-A398-B756F963E80A}"/>
+                <a16:creationId xmlns:a16="http://schemas.microsoft.com/office/drawing/2014/main" xmlns="" id="{45084632-9195-4FC7-A398-B756F963E80A}"/>
               </a:ext>
             </a:extLst>
           </p:cNvPr>
@@ -30729,7 +31006,7 @@
           <p:cNvPr id="11" name="Title 1">
             <a:extLst>
               <a:ext uri="{FF2B5EF4-FFF2-40B4-BE49-F238E27FC236}">
-                <a16:creationId xmlns:a16="http://schemas.microsoft.com/office/drawing/2014/main" id="{D2A2DB27-616D-4B41-9CA6-CFA5ED851F60}"/>
+                <a16:creationId xmlns:a16="http://schemas.microsoft.com/office/drawing/2014/main" xmlns="" id="{D2A2DB27-616D-4B41-9CA6-CFA5ED851F60}"/>
               </a:ext>
             </a:extLst>
           </p:cNvPr>
@@ -30818,6 +31095,13 @@
   <p:clrMapOvr>
     <a:masterClrMapping/>
   </p:clrMapOvr>
+  <p:timing>
+    <p:tnLst>
+      <p:par>
+        <p:cTn id="1" dur="indefinite" restart="never" nodeType="tmRoot"/>
+      </p:par>
+    </p:tnLst>
+  </p:timing>
 </p:sld>
 </file>
 
@@ -30991,7 +31275,7 @@
           <p:cNvPr id="11" name="Title 1">
             <a:extLst>
               <a:ext uri="{FF2B5EF4-FFF2-40B4-BE49-F238E27FC236}">
-                <a16:creationId xmlns:a16="http://schemas.microsoft.com/office/drawing/2014/main" id="{7548B1A4-97EF-4355-A061-2EF9DE1BC244}"/>
+                <a16:creationId xmlns:a16="http://schemas.microsoft.com/office/drawing/2014/main" xmlns="" id="{7548B1A4-97EF-4355-A061-2EF9DE1BC244}"/>
               </a:ext>
             </a:extLst>
           </p:cNvPr>
@@ -31064,6 +31348,13 @@
   <p:clrMapOvr>
     <a:masterClrMapping/>
   </p:clrMapOvr>
+  <p:timing>
+    <p:tnLst>
+      <p:par>
+        <p:cTn id="1" dur="indefinite" restart="never" nodeType="tmRoot"/>
+      </p:par>
+    </p:tnLst>
+  </p:timing>
 </p:sld>
 </file>
 
@@ -31195,7 +31486,7 @@
           <p:cNvPr id="9" name="Title 1">
             <a:extLst>
               <a:ext uri="{FF2B5EF4-FFF2-40B4-BE49-F238E27FC236}">
-                <a16:creationId xmlns:a16="http://schemas.microsoft.com/office/drawing/2014/main" id="{79DCA720-DDE6-4EF5-BDA8-EFE67524E9BE}"/>
+                <a16:creationId xmlns:a16="http://schemas.microsoft.com/office/drawing/2014/main" xmlns="" id="{79DCA720-DDE6-4EF5-BDA8-EFE67524E9BE}"/>
               </a:ext>
             </a:extLst>
           </p:cNvPr>
@@ -31340,7 +31631,7 @@
           <p:cNvPr id="5" name="Table 4">
             <a:extLst>
               <a:ext uri="{FF2B5EF4-FFF2-40B4-BE49-F238E27FC236}">
-                <a16:creationId xmlns:a16="http://schemas.microsoft.com/office/drawing/2014/main" id="{4D765161-3549-314B-8558-70A4E2EC5008}"/>
+                <a16:creationId xmlns:a16="http://schemas.microsoft.com/office/drawing/2014/main" xmlns="" id="{4D765161-3549-314B-8558-70A4E2EC5008}"/>
               </a:ext>
             </a:extLst>
           </p:cNvPr>
@@ -31363,14 +31654,14 @@
                 <a:gridCol w="2188056">
                   <a:extLst>
                     <a:ext uri="{9D8B030D-6E8A-4147-A177-3AD203B41FA5}">
-                      <a16:colId xmlns:a16="http://schemas.microsoft.com/office/drawing/2014/main" val="1014771066"/>
+                      <a16:colId xmlns:a16="http://schemas.microsoft.com/office/drawing/2014/main" xmlns="" val="1014771066"/>
                     </a:ext>
                   </a:extLst>
                 </a:gridCol>
                 <a:gridCol w="5677112">
                   <a:extLst>
                     <a:ext uri="{9D8B030D-6E8A-4147-A177-3AD203B41FA5}">
-                      <a16:colId xmlns:a16="http://schemas.microsoft.com/office/drawing/2014/main" val="762084542"/>
+                      <a16:colId xmlns:a16="http://schemas.microsoft.com/office/drawing/2014/main" xmlns="" val="762084542"/>
                     </a:ext>
                   </a:extLst>
                 </a:gridCol>
@@ -31472,7 +31763,7 @@
                 </a:tc>
                 <a:extLst>
                   <a:ext uri="{0D108BD9-81ED-4DB2-BD59-A6C34878D82A}">
-                    <a16:rowId xmlns:a16="http://schemas.microsoft.com/office/drawing/2014/main" val="2368527007"/>
+                    <a16:rowId xmlns:a16="http://schemas.microsoft.com/office/drawing/2014/main" xmlns="" val="2368527007"/>
                   </a:ext>
                 </a:extLst>
               </a:tr>
@@ -31534,7 +31825,7 @@
                           <a:hlinkClick r:id="rId3">
                             <a:extLst>
                               <a:ext uri="{A12FA001-AC4F-418D-AE19-62706E023703}">
-                                <ahyp:hlinkClr xmlns:ahyp="http://schemas.microsoft.com/office/drawing/2018/hyperlinkcolor" val="tx"/>
+                                <ahyp:hlinkClr xmlns:ahyp="http://schemas.microsoft.com/office/drawing/2018/hyperlinkcolor" xmlns="" val="tx"/>
                               </a:ext>
                             </a:extLst>
                           </a:hlinkClick>
@@ -31576,7 +31867,7 @@
                 </a:tc>
                 <a:extLst>
                   <a:ext uri="{0D108BD9-81ED-4DB2-BD59-A6C34878D82A}">
-                    <a16:rowId xmlns:a16="http://schemas.microsoft.com/office/drawing/2014/main" val="299591282"/>
+                    <a16:rowId xmlns:a16="http://schemas.microsoft.com/office/drawing/2014/main" xmlns="" val="299591282"/>
                   </a:ext>
                 </a:extLst>
               </a:tr>
@@ -31638,7 +31929,7 @@
                           <a:hlinkClick r:id="rId4">
                             <a:extLst>
                               <a:ext uri="{A12FA001-AC4F-418D-AE19-62706E023703}">
-                                <ahyp:hlinkClr xmlns:ahyp="http://schemas.microsoft.com/office/drawing/2018/hyperlinkcolor" val="tx"/>
+                                <ahyp:hlinkClr xmlns:ahyp="http://schemas.microsoft.com/office/drawing/2018/hyperlinkcolor" xmlns="" val="tx"/>
                               </a:ext>
                             </a:extLst>
                           </a:hlinkClick>
@@ -31683,7 +31974,7 @@
                 </a:tc>
                 <a:extLst>
                   <a:ext uri="{0D108BD9-81ED-4DB2-BD59-A6C34878D82A}">
-                    <a16:rowId xmlns:a16="http://schemas.microsoft.com/office/drawing/2014/main" val="3573142734"/>
+                    <a16:rowId xmlns:a16="http://schemas.microsoft.com/office/drawing/2014/main" xmlns="" val="3573142734"/>
                   </a:ext>
                 </a:extLst>
               </a:tr>
@@ -31745,7 +32036,7 @@
                           <a:hlinkClick r:id="rId5">
                             <a:extLst>
                               <a:ext uri="{A12FA001-AC4F-418D-AE19-62706E023703}">
-                                <ahyp:hlinkClr xmlns:ahyp="http://schemas.microsoft.com/office/drawing/2018/hyperlinkcolor" val="tx"/>
+                                <ahyp:hlinkClr xmlns:ahyp="http://schemas.microsoft.com/office/drawing/2018/hyperlinkcolor" xmlns="" val="tx"/>
                               </a:ext>
                             </a:extLst>
                           </a:hlinkClick>
@@ -31790,7 +32081,7 @@
                 </a:tc>
                 <a:extLst>
                   <a:ext uri="{0D108BD9-81ED-4DB2-BD59-A6C34878D82A}">
-                    <a16:rowId xmlns:a16="http://schemas.microsoft.com/office/drawing/2014/main" val="1759848074"/>
+                    <a16:rowId xmlns:a16="http://schemas.microsoft.com/office/drawing/2014/main" xmlns="" val="1759848074"/>
                   </a:ext>
                 </a:extLst>
               </a:tr>
@@ -31891,7 +32182,7 @@
                 </a:tc>
                 <a:extLst>
                   <a:ext uri="{0D108BD9-81ED-4DB2-BD59-A6C34878D82A}">
-                    <a16:rowId xmlns:a16="http://schemas.microsoft.com/office/drawing/2014/main" val="2033694224"/>
+                    <a16:rowId xmlns:a16="http://schemas.microsoft.com/office/drawing/2014/main" xmlns="" val="2033694224"/>
                   </a:ext>
                 </a:extLst>
               </a:tr>
@@ -31934,7 +32225,7 @@
           <p:cNvPr id="4" name="TextBox 3">
             <a:extLst>
               <a:ext uri="{FF2B5EF4-FFF2-40B4-BE49-F238E27FC236}">
-                <a16:creationId xmlns:a16="http://schemas.microsoft.com/office/drawing/2014/main" id="{D16A7090-381B-E841-BB74-41DBCEA7FF0F}"/>
+                <a16:creationId xmlns:a16="http://schemas.microsoft.com/office/drawing/2014/main" xmlns="" id="{D16A7090-381B-E841-BB74-41DBCEA7FF0F}"/>
               </a:ext>
             </a:extLst>
           </p:cNvPr>
@@ -32056,7 +32347,7 @@
           <p:cNvPr id="5" name="Rectangle 4">
             <a:extLst>
               <a:ext uri="{FF2B5EF4-FFF2-40B4-BE49-F238E27FC236}">
-                <a16:creationId xmlns:a16="http://schemas.microsoft.com/office/drawing/2014/main" id="{43782CCC-6DE8-014D-86E0-2D4D61E0D19C}"/>
+                <a16:creationId xmlns:a16="http://schemas.microsoft.com/office/drawing/2014/main" xmlns="" id="{43782CCC-6DE8-014D-86E0-2D4D61E0D19C}"/>
               </a:ext>
             </a:extLst>
           </p:cNvPr>
@@ -32101,6 +32392,14 @@
   <p:clrMapOvr>
     <a:masterClrMapping/>
   </p:clrMapOvr>
+  <mc:AlternateContent xmlns:mc="http://schemas.openxmlformats.org/markup-compatibility/2006">
+    <mc:Choice xmlns:p14="http://schemas.microsoft.com/office/powerpoint/2010/main" Requires="p14">
+      <p:transition spd="slow" p14:dur="2000"/>
+    </mc:Choice>
+    <mc:Fallback>
+      <p:transition spd="slow"/>
+    </mc:Fallback>
+  </mc:AlternateContent>
 </p:sld>
 </file>
 
@@ -32126,7 +32425,7 @@
           <p:cNvPr id="4" name="TextBox 3">
             <a:extLst>
               <a:ext uri="{FF2B5EF4-FFF2-40B4-BE49-F238E27FC236}">
-                <a16:creationId xmlns:a16="http://schemas.microsoft.com/office/drawing/2014/main" id="{D16A7090-381B-E841-BB74-41DBCEA7FF0F}"/>
+                <a16:creationId xmlns:a16="http://schemas.microsoft.com/office/drawing/2014/main" xmlns="" id="{D16A7090-381B-E841-BB74-41DBCEA7FF0F}"/>
               </a:ext>
             </a:extLst>
           </p:cNvPr>
@@ -32257,7 +32556,7 @@
           <p:cNvPr id="2" name="Rectangle 1">
             <a:extLst>
               <a:ext uri="{FF2B5EF4-FFF2-40B4-BE49-F238E27FC236}">
-                <a16:creationId xmlns:a16="http://schemas.microsoft.com/office/drawing/2014/main" id="{3227C611-DB7D-2442-A05A-9E3EC18E1DC0}"/>
+                <a16:creationId xmlns:a16="http://schemas.microsoft.com/office/drawing/2014/main" xmlns="" id="{3227C611-DB7D-2442-A05A-9E3EC18E1DC0}"/>
               </a:ext>
             </a:extLst>
           </p:cNvPr>
@@ -32302,6 +32601,14 @@
   <p:clrMapOvr>
     <a:masterClrMapping/>
   </p:clrMapOvr>
+  <mc:AlternateContent xmlns:mc="http://schemas.openxmlformats.org/markup-compatibility/2006">
+    <mc:Choice xmlns:p14="http://schemas.microsoft.com/office/powerpoint/2010/main" Requires="p14">
+      <p:transition spd="slow" p14:dur="2000"/>
+    </mc:Choice>
+    <mc:Fallback>
+      <p:transition spd="slow"/>
+    </mc:Fallback>
+  </mc:AlternateContent>
 </p:sld>
 </file>
 
@@ -32922,7 +33229,7 @@
           <p:cNvPr id="2" name="Title 1">
             <a:extLst>
               <a:ext uri="{FF2B5EF4-FFF2-40B4-BE49-F238E27FC236}">
-                <a16:creationId xmlns:a16="http://schemas.microsoft.com/office/drawing/2014/main" id="{4FAC9F39-EB81-4370-B2A8-CF1588F60BDC}"/>
+                <a16:creationId xmlns:a16="http://schemas.microsoft.com/office/drawing/2014/main" xmlns="" id="{4FAC9F39-EB81-4370-B2A8-CF1588F60BDC}"/>
               </a:ext>
             </a:extLst>
           </p:cNvPr>
@@ -32954,7 +33261,7 @@
           <p:cNvPr id="3" name="Content Placeholder 2">
             <a:extLst>
               <a:ext uri="{FF2B5EF4-FFF2-40B4-BE49-F238E27FC236}">
-                <a16:creationId xmlns:a16="http://schemas.microsoft.com/office/drawing/2014/main" id="{13F3CC7C-7EEC-4BE3-9E02-3F8A4C17C086}"/>
+                <a16:creationId xmlns:a16="http://schemas.microsoft.com/office/drawing/2014/main" xmlns="" id="{13F3CC7C-7EEC-4BE3-9E02-3F8A4C17C086}"/>
               </a:ext>
             </a:extLst>
           </p:cNvPr>
@@ -32983,7 +33290,7 @@
           <p:cNvPr id="5" name="TextBox 4">
             <a:extLst>
               <a:ext uri="{FF2B5EF4-FFF2-40B4-BE49-F238E27FC236}">
-                <a16:creationId xmlns:a16="http://schemas.microsoft.com/office/drawing/2014/main" id="{D9BCA21E-7E57-4955-9B4E-C6A7AD4C7A7F}"/>
+                <a16:creationId xmlns:a16="http://schemas.microsoft.com/office/drawing/2014/main" xmlns="" id="{D9BCA21E-7E57-4955-9B4E-C6A7AD4C7A7F}"/>
               </a:ext>
             </a:extLst>
           </p:cNvPr>
@@ -33125,7 +33432,7 @@
           <p:cNvPr id="7" name="Table 6">
             <a:extLst>
               <a:ext uri="{FF2B5EF4-FFF2-40B4-BE49-F238E27FC236}">
-                <a16:creationId xmlns:a16="http://schemas.microsoft.com/office/drawing/2014/main" id="{FF8774E9-3D9C-4ECC-BE11-575CDEABBD82}"/>
+                <a16:creationId xmlns:a16="http://schemas.microsoft.com/office/drawing/2014/main" xmlns="" id="{FF8774E9-3D9C-4ECC-BE11-575CDEABBD82}"/>
               </a:ext>
             </a:extLst>
           </p:cNvPr>
@@ -33152,28 +33459,28 @@
                 <a:gridCol w="596900">
                   <a:extLst>
                     <a:ext uri="{9D8B030D-6E8A-4147-A177-3AD203B41FA5}">
-                      <a16:colId xmlns:a16="http://schemas.microsoft.com/office/drawing/2014/main" val="1081783649"/>
+                      <a16:colId xmlns:a16="http://schemas.microsoft.com/office/drawing/2014/main" xmlns="" val="1081783649"/>
                     </a:ext>
                   </a:extLst>
                 </a:gridCol>
                 <a:gridCol w="596900">
                   <a:extLst>
                     <a:ext uri="{9D8B030D-6E8A-4147-A177-3AD203B41FA5}">
-                      <a16:colId xmlns:a16="http://schemas.microsoft.com/office/drawing/2014/main" val="2263282413"/>
+                      <a16:colId xmlns:a16="http://schemas.microsoft.com/office/drawing/2014/main" xmlns="" val="2263282413"/>
                     </a:ext>
                   </a:extLst>
                 </a:gridCol>
                 <a:gridCol w="596900">
                   <a:extLst>
                     <a:ext uri="{9D8B030D-6E8A-4147-A177-3AD203B41FA5}">
-                      <a16:colId xmlns:a16="http://schemas.microsoft.com/office/drawing/2014/main" val="2506003480"/>
+                      <a16:colId xmlns:a16="http://schemas.microsoft.com/office/drawing/2014/main" xmlns="" val="2506003480"/>
                     </a:ext>
                   </a:extLst>
                 </a:gridCol>
                 <a:gridCol w="596900">
                   <a:extLst>
                     <a:ext uri="{9D8B030D-6E8A-4147-A177-3AD203B41FA5}">
-                      <a16:colId xmlns:a16="http://schemas.microsoft.com/office/drawing/2014/main" val="3398642583"/>
+                      <a16:colId xmlns:a16="http://schemas.microsoft.com/office/drawing/2014/main" xmlns="" val="3398642583"/>
                     </a:ext>
                   </a:extLst>
                 </a:gridCol>
@@ -33273,7 +33580,7 @@
                 </a:tc>
                 <a:extLst>
                   <a:ext uri="{0D108BD9-81ED-4DB2-BD59-A6C34878D82A}">
-                    <a16:rowId xmlns:a16="http://schemas.microsoft.com/office/drawing/2014/main" val="684340358"/>
+                    <a16:rowId xmlns:a16="http://schemas.microsoft.com/office/drawing/2014/main" xmlns="" val="684340358"/>
                   </a:ext>
                 </a:extLst>
               </a:tr>
@@ -33526,7 +33833,7 @@
                 </a:tc>
                 <a:extLst>
                   <a:ext uri="{0D108BD9-81ED-4DB2-BD59-A6C34878D82A}">
-                    <a16:rowId xmlns:a16="http://schemas.microsoft.com/office/drawing/2014/main" val="2341932649"/>
+                    <a16:rowId xmlns:a16="http://schemas.microsoft.com/office/drawing/2014/main" xmlns="" val="2341932649"/>
                   </a:ext>
                 </a:extLst>
               </a:tr>
@@ -33779,7 +34086,7 @@
                 </a:tc>
                 <a:extLst>
                   <a:ext uri="{0D108BD9-81ED-4DB2-BD59-A6C34878D82A}">
-                    <a16:rowId xmlns:a16="http://schemas.microsoft.com/office/drawing/2014/main" val="2746641454"/>
+                    <a16:rowId xmlns:a16="http://schemas.microsoft.com/office/drawing/2014/main" xmlns="" val="2746641454"/>
                   </a:ext>
                 </a:extLst>
               </a:tr>
@@ -34032,7 +34339,7 @@
                 </a:tc>
                 <a:extLst>
                   <a:ext uri="{0D108BD9-81ED-4DB2-BD59-A6C34878D82A}">
-                    <a16:rowId xmlns:a16="http://schemas.microsoft.com/office/drawing/2014/main" val="541525964"/>
+                    <a16:rowId xmlns:a16="http://schemas.microsoft.com/office/drawing/2014/main" xmlns="" val="541525964"/>
                   </a:ext>
                 </a:extLst>
               </a:tr>
@@ -34285,7 +34592,7 @@
                 </a:tc>
                 <a:extLst>
                   <a:ext uri="{0D108BD9-81ED-4DB2-BD59-A6C34878D82A}">
-                    <a16:rowId xmlns:a16="http://schemas.microsoft.com/office/drawing/2014/main" val="1759464475"/>
+                    <a16:rowId xmlns:a16="http://schemas.microsoft.com/office/drawing/2014/main" xmlns="" val="1759464475"/>
                   </a:ext>
                 </a:extLst>
               </a:tr>
@@ -34538,7 +34845,7 @@
                 </a:tc>
                 <a:extLst>
                   <a:ext uri="{0D108BD9-81ED-4DB2-BD59-A6C34878D82A}">
-                    <a16:rowId xmlns:a16="http://schemas.microsoft.com/office/drawing/2014/main" val="3038138512"/>
+                    <a16:rowId xmlns:a16="http://schemas.microsoft.com/office/drawing/2014/main" xmlns="" val="3038138512"/>
                   </a:ext>
                 </a:extLst>
               </a:tr>
@@ -34551,7 +34858,7 @@
           <p:cNvPr id="8" name="Arrow: Right 7">
             <a:extLst>
               <a:ext uri="{FF2B5EF4-FFF2-40B4-BE49-F238E27FC236}">
-                <a16:creationId xmlns:a16="http://schemas.microsoft.com/office/drawing/2014/main" id="{944DFE5C-B71D-4334-93AE-997998B9AE91}"/>
+                <a16:creationId xmlns:a16="http://schemas.microsoft.com/office/drawing/2014/main" xmlns="" id="{944DFE5C-B71D-4334-93AE-997998B9AE91}"/>
               </a:ext>
             </a:extLst>
           </p:cNvPr>
@@ -34600,7 +34907,7 @@
           <p:cNvPr id="9" name="Table 8">
             <a:extLst>
               <a:ext uri="{FF2B5EF4-FFF2-40B4-BE49-F238E27FC236}">
-                <a16:creationId xmlns:a16="http://schemas.microsoft.com/office/drawing/2014/main" id="{F592FBE0-5D89-4982-8707-B1C9DF5B40BD}"/>
+                <a16:creationId xmlns:a16="http://schemas.microsoft.com/office/drawing/2014/main" xmlns="" id="{F592FBE0-5D89-4982-8707-B1C9DF5B40BD}"/>
               </a:ext>
             </a:extLst>
           </p:cNvPr>
@@ -34629,28 +34936,28 @@
                 <a:gridCol w="596900">
                   <a:extLst>
                     <a:ext uri="{9D8B030D-6E8A-4147-A177-3AD203B41FA5}">
-                      <a16:colId xmlns:a16="http://schemas.microsoft.com/office/drawing/2014/main" val="353780931"/>
+                      <a16:colId xmlns:a16="http://schemas.microsoft.com/office/drawing/2014/main" xmlns="" val="353780931"/>
                     </a:ext>
                   </a:extLst>
                 </a:gridCol>
                 <a:gridCol w="596900">
                   <a:extLst>
                     <a:ext uri="{9D8B030D-6E8A-4147-A177-3AD203B41FA5}">
-                      <a16:colId xmlns:a16="http://schemas.microsoft.com/office/drawing/2014/main" val="2951159584"/>
+                      <a16:colId xmlns:a16="http://schemas.microsoft.com/office/drawing/2014/main" xmlns="" val="2951159584"/>
                     </a:ext>
                   </a:extLst>
                 </a:gridCol>
                 <a:gridCol w="596900">
                   <a:extLst>
                     <a:ext uri="{9D8B030D-6E8A-4147-A177-3AD203B41FA5}">
-                      <a16:colId xmlns:a16="http://schemas.microsoft.com/office/drawing/2014/main" val="1949492650"/>
+                      <a16:colId xmlns:a16="http://schemas.microsoft.com/office/drawing/2014/main" xmlns="" val="1949492650"/>
                     </a:ext>
                   </a:extLst>
                 </a:gridCol>
                 <a:gridCol w="596900">
                   <a:extLst>
                     <a:ext uri="{9D8B030D-6E8A-4147-A177-3AD203B41FA5}">
-                      <a16:colId xmlns:a16="http://schemas.microsoft.com/office/drawing/2014/main" val="4294266051"/>
+                      <a16:colId xmlns:a16="http://schemas.microsoft.com/office/drawing/2014/main" xmlns="" val="4294266051"/>
                     </a:ext>
                   </a:extLst>
                 </a:gridCol>
@@ -34750,7 +35057,7 @@
                 </a:tc>
                 <a:extLst>
                   <a:ext uri="{0D108BD9-81ED-4DB2-BD59-A6C34878D82A}">
-                    <a16:rowId xmlns:a16="http://schemas.microsoft.com/office/drawing/2014/main" val="1493971602"/>
+                    <a16:rowId xmlns:a16="http://schemas.microsoft.com/office/drawing/2014/main" xmlns="" val="1493971602"/>
                   </a:ext>
                 </a:extLst>
               </a:tr>
@@ -35005,7 +35312,7 @@
                 </a:tc>
                 <a:extLst>
                   <a:ext uri="{0D108BD9-81ED-4DB2-BD59-A6C34878D82A}">
-                    <a16:rowId xmlns:a16="http://schemas.microsoft.com/office/drawing/2014/main" val="1729116898"/>
+                    <a16:rowId xmlns:a16="http://schemas.microsoft.com/office/drawing/2014/main" xmlns="" val="1729116898"/>
                   </a:ext>
                 </a:extLst>
               </a:tr>
@@ -35260,7 +35567,7 @@
                 </a:tc>
                 <a:extLst>
                   <a:ext uri="{0D108BD9-81ED-4DB2-BD59-A6C34878D82A}">
-                    <a16:rowId xmlns:a16="http://schemas.microsoft.com/office/drawing/2014/main" val="1479149249"/>
+                    <a16:rowId xmlns:a16="http://schemas.microsoft.com/office/drawing/2014/main" xmlns="" val="1479149249"/>
                   </a:ext>
                 </a:extLst>
               </a:tr>
@@ -35515,7 +35822,7 @@
                 </a:tc>
                 <a:extLst>
                   <a:ext uri="{0D108BD9-81ED-4DB2-BD59-A6C34878D82A}">
-                    <a16:rowId xmlns:a16="http://schemas.microsoft.com/office/drawing/2014/main" val="3591797577"/>
+                    <a16:rowId xmlns:a16="http://schemas.microsoft.com/office/drawing/2014/main" xmlns="" val="3591797577"/>
                   </a:ext>
                 </a:extLst>
               </a:tr>
@@ -35770,7 +36077,7 @@
                 </a:tc>
                 <a:extLst>
                   <a:ext uri="{0D108BD9-81ED-4DB2-BD59-A6C34878D82A}">
-                    <a16:rowId xmlns:a16="http://schemas.microsoft.com/office/drawing/2014/main" val="3184431809"/>
+                    <a16:rowId xmlns:a16="http://schemas.microsoft.com/office/drawing/2014/main" xmlns="" val="3184431809"/>
                   </a:ext>
                 </a:extLst>
               </a:tr>
@@ -36025,7 +36332,7 @@
                 </a:tc>
                 <a:extLst>
                   <a:ext uri="{0D108BD9-81ED-4DB2-BD59-A6C34878D82A}">
-                    <a16:rowId xmlns:a16="http://schemas.microsoft.com/office/drawing/2014/main" val="2486596383"/>
+                    <a16:rowId xmlns:a16="http://schemas.microsoft.com/office/drawing/2014/main" xmlns="" val="2486596383"/>
                   </a:ext>
                 </a:extLst>
               </a:tr>
@@ -36038,7 +36345,7 @@
           <p:cNvPr id="10" name="Arrow: Right 9">
             <a:extLst>
               <a:ext uri="{FF2B5EF4-FFF2-40B4-BE49-F238E27FC236}">
-                <a16:creationId xmlns:a16="http://schemas.microsoft.com/office/drawing/2014/main" id="{84859C90-B343-4A9B-84C9-7EB35400D13F}"/>
+                <a16:creationId xmlns:a16="http://schemas.microsoft.com/office/drawing/2014/main" xmlns="" id="{84859C90-B343-4A9B-84C9-7EB35400D13F}"/>
               </a:ext>
             </a:extLst>
           </p:cNvPr>
@@ -36087,7 +36394,7 @@
           <p:cNvPr id="11" name="Arrow: Right 10">
             <a:extLst>
               <a:ext uri="{FF2B5EF4-FFF2-40B4-BE49-F238E27FC236}">
-                <a16:creationId xmlns:a16="http://schemas.microsoft.com/office/drawing/2014/main" id="{DADFCAA7-930D-4A85-98C1-A87F5FFFDF1A}"/>
+                <a16:creationId xmlns:a16="http://schemas.microsoft.com/office/drawing/2014/main" xmlns="" id="{DADFCAA7-930D-4A85-98C1-A87F5FFFDF1A}"/>
               </a:ext>
             </a:extLst>
           </p:cNvPr>
@@ -36136,7 +36443,7 @@
           <p:cNvPr id="14" name="TextBox 13">
             <a:extLst>
               <a:ext uri="{FF2B5EF4-FFF2-40B4-BE49-F238E27FC236}">
-                <a16:creationId xmlns:a16="http://schemas.microsoft.com/office/drawing/2014/main" id="{46C0E035-6C7F-4A31-8187-6040397CA9F3}"/>
+                <a16:creationId xmlns:a16="http://schemas.microsoft.com/office/drawing/2014/main" xmlns="" id="{46C0E035-6C7F-4A31-8187-6040397CA9F3}"/>
               </a:ext>
             </a:extLst>
           </p:cNvPr>
@@ -36299,7 +36606,7 @@
           <p:cNvPr id="15" name="TextBox 14">
             <a:extLst>
               <a:ext uri="{FF2B5EF4-FFF2-40B4-BE49-F238E27FC236}">
-                <a16:creationId xmlns:a16="http://schemas.microsoft.com/office/drawing/2014/main" id="{C72D244B-2488-4FB1-A4C4-FD5F9650FECF}"/>
+                <a16:creationId xmlns:a16="http://schemas.microsoft.com/office/drawing/2014/main" xmlns="" id="{C72D244B-2488-4FB1-A4C4-FD5F9650FECF}"/>
               </a:ext>
             </a:extLst>
           </p:cNvPr>
@@ -36341,7 +36648,7 @@
           <p:cNvPr id="16" name="Table 15">
             <a:extLst>
               <a:ext uri="{FF2B5EF4-FFF2-40B4-BE49-F238E27FC236}">
-                <a16:creationId xmlns:a16="http://schemas.microsoft.com/office/drawing/2014/main" id="{DAF7537B-6FDF-44BA-B1CD-0620F72FC97C}"/>
+                <a16:creationId xmlns:a16="http://schemas.microsoft.com/office/drawing/2014/main" xmlns="" id="{DAF7537B-6FDF-44BA-B1CD-0620F72FC97C}"/>
               </a:ext>
             </a:extLst>
           </p:cNvPr>
@@ -36370,14 +36677,14 @@
                 <a:gridCol w="756000">
                   <a:extLst>
                     <a:ext uri="{9D8B030D-6E8A-4147-A177-3AD203B41FA5}">
-                      <a16:colId xmlns:a16="http://schemas.microsoft.com/office/drawing/2014/main" val="3649957175"/>
+                      <a16:colId xmlns:a16="http://schemas.microsoft.com/office/drawing/2014/main" xmlns="" val="3649957175"/>
                     </a:ext>
                   </a:extLst>
                 </a:gridCol>
                 <a:gridCol w="756000">
                   <a:extLst>
                     <a:ext uri="{9D8B030D-6E8A-4147-A177-3AD203B41FA5}">
-                      <a16:colId xmlns:a16="http://schemas.microsoft.com/office/drawing/2014/main" val="779016287"/>
+                      <a16:colId xmlns:a16="http://schemas.microsoft.com/office/drawing/2014/main" xmlns="" val="779016287"/>
                     </a:ext>
                   </a:extLst>
                 </a:gridCol>
@@ -36503,7 +36810,7 @@
                 </a:tc>
                 <a:extLst>
                   <a:ext uri="{0D108BD9-81ED-4DB2-BD59-A6C34878D82A}">
-                    <a16:rowId xmlns:a16="http://schemas.microsoft.com/office/drawing/2014/main" val="3611561241"/>
+                    <a16:rowId xmlns:a16="http://schemas.microsoft.com/office/drawing/2014/main" xmlns="" val="3611561241"/>
                   </a:ext>
                 </a:extLst>
               </a:tr>
@@ -36628,7 +36935,7 @@
                 </a:tc>
                 <a:extLst>
                   <a:ext uri="{0D108BD9-81ED-4DB2-BD59-A6C34878D82A}">
-                    <a16:rowId xmlns:a16="http://schemas.microsoft.com/office/drawing/2014/main" val="3690944604"/>
+                    <a16:rowId xmlns:a16="http://schemas.microsoft.com/office/drawing/2014/main" xmlns="" val="3690944604"/>
                   </a:ext>
                 </a:extLst>
               </a:tr>
@@ -36753,7 +37060,7 @@
                 </a:tc>
                 <a:extLst>
                   <a:ext uri="{0D108BD9-81ED-4DB2-BD59-A6C34878D82A}">
-                    <a16:rowId xmlns:a16="http://schemas.microsoft.com/office/drawing/2014/main" val="230628081"/>
+                    <a16:rowId xmlns:a16="http://schemas.microsoft.com/office/drawing/2014/main" xmlns="" val="230628081"/>
                   </a:ext>
                 </a:extLst>
               </a:tr>
@@ -36878,7 +37185,7 @@
                 </a:tc>
                 <a:extLst>
                   <a:ext uri="{0D108BD9-81ED-4DB2-BD59-A6C34878D82A}">
-                    <a16:rowId xmlns:a16="http://schemas.microsoft.com/office/drawing/2014/main" val="3204434266"/>
+                    <a16:rowId xmlns:a16="http://schemas.microsoft.com/office/drawing/2014/main" xmlns="" val="3204434266"/>
                   </a:ext>
                 </a:extLst>
               </a:tr>
@@ -37003,7 +37310,7 @@
                 </a:tc>
                 <a:extLst>
                   <a:ext uri="{0D108BD9-81ED-4DB2-BD59-A6C34878D82A}">
-                    <a16:rowId xmlns:a16="http://schemas.microsoft.com/office/drawing/2014/main" val="4131873036"/>
+                    <a16:rowId xmlns:a16="http://schemas.microsoft.com/office/drawing/2014/main" xmlns="" val="4131873036"/>
                   </a:ext>
                 </a:extLst>
               </a:tr>
@@ -37128,7 +37435,7 @@
                 </a:tc>
                 <a:extLst>
                   <a:ext uri="{0D108BD9-81ED-4DB2-BD59-A6C34878D82A}">
-                    <a16:rowId xmlns:a16="http://schemas.microsoft.com/office/drawing/2014/main" val="4177705667"/>
+                    <a16:rowId xmlns:a16="http://schemas.microsoft.com/office/drawing/2014/main" xmlns="" val="4177705667"/>
                   </a:ext>
                 </a:extLst>
               </a:tr>
@@ -37253,7 +37560,7 @@
                 </a:tc>
                 <a:extLst>
                   <a:ext uri="{0D108BD9-81ED-4DB2-BD59-A6C34878D82A}">
-                    <a16:rowId xmlns:a16="http://schemas.microsoft.com/office/drawing/2014/main" val="1397652420"/>
+                    <a16:rowId xmlns:a16="http://schemas.microsoft.com/office/drawing/2014/main" xmlns="" val="1397652420"/>
                   </a:ext>
                 </a:extLst>
               </a:tr>
@@ -37378,7 +37685,7 @@
                 </a:tc>
                 <a:extLst>
                   <a:ext uri="{0D108BD9-81ED-4DB2-BD59-A6C34878D82A}">
-                    <a16:rowId xmlns:a16="http://schemas.microsoft.com/office/drawing/2014/main" val="890069654"/>
+                    <a16:rowId xmlns:a16="http://schemas.microsoft.com/office/drawing/2014/main" xmlns="" val="890069654"/>
                   </a:ext>
                 </a:extLst>
               </a:tr>
@@ -37391,7 +37698,7 @@
           <p:cNvPr id="17" name="TextBox 16">
             <a:extLst>
               <a:ext uri="{FF2B5EF4-FFF2-40B4-BE49-F238E27FC236}">
-                <a16:creationId xmlns:a16="http://schemas.microsoft.com/office/drawing/2014/main" id="{40EBEA4C-B981-45A7-B1F7-AD923027DE70}"/>
+                <a16:creationId xmlns:a16="http://schemas.microsoft.com/office/drawing/2014/main" xmlns="" id="{40EBEA4C-B981-45A7-B1F7-AD923027DE70}"/>
               </a:ext>
             </a:extLst>
           </p:cNvPr>
@@ -37654,7 +37961,7 @@
           <p:cNvPr id="2" name="Title 1">
             <a:extLst>
               <a:ext uri="{FF2B5EF4-FFF2-40B4-BE49-F238E27FC236}">
-                <a16:creationId xmlns:a16="http://schemas.microsoft.com/office/drawing/2014/main" id="{04DAFDD8-CF79-4C3F-8ED3-119BFF541681}"/>
+                <a16:creationId xmlns:a16="http://schemas.microsoft.com/office/drawing/2014/main" xmlns="" id="{04DAFDD8-CF79-4C3F-8ED3-119BFF541681}"/>
               </a:ext>
             </a:extLst>
           </p:cNvPr>
@@ -37686,7 +37993,7 @@
           <p:cNvPr id="3" name="Content Placeholder 2">
             <a:extLst>
               <a:ext uri="{FF2B5EF4-FFF2-40B4-BE49-F238E27FC236}">
-                <a16:creationId xmlns:a16="http://schemas.microsoft.com/office/drawing/2014/main" id="{E91C1445-B257-4CAB-8952-51D2BCD62707}"/>
+                <a16:creationId xmlns:a16="http://schemas.microsoft.com/office/drawing/2014/main" xmlns="" id="{E91C1445-B257-4CAB-8952-51D2BCD62707}"/>
               </a:ext>
             </a:extLst>
           </p:cNvPr>
@@ -37715,7 +38022,7 @@
           <p:cNvPr id="5" name="Content Placeholder 4">
             <a:extLst>
               <a:ext uri="{FF2B5EF4-FFF2-40B4-BE49-F238E27FC236}">
-                <a16:creationId xmlns:a16="http://schemas.microsoft.com/office/drawing/2014/main" id="{0500F1B0-BB9A-441F-AC4E-214D858638CB}"/>
+                <a16:creationId xmlns:a16="http://schemas.microsoft.com/office/drawing/2014/main" xmlns="" id="{0500F1B0-BB9A-441F-AC4E-214D858638CB}"/>
               </a:ext>
             </a:extLst>
           </p:cNvPr>
@@ -37746,7 +38053,7 @@
           <p:cNvPr id="11" name="Rectangle 10">
             <a:extLst>
               <a:ext uri="{FF2B5EF4-FFF2-40B4-BE49-F238E27FC236}">
-                <a16:creationId xmlns:a16="http://schemas.microsoft.com/office/drawing/2014/main" id="{B33D4164-84F2-4179-B982-8EA85AFB7E63}"/>
+                <a16:creationId xmlns:a16="http://schemas.microsoft.com/office/drawing/2014/main" xmlns="" id="{B33D4164-84F2-4179-B982-8EA85AFB7E63}"/>
               </a:ext>
             </a:extLst>
           </p:cNvPr>
@@ -37805,7 +38112,7 @@
           <p:cNvPr id="12" name="Rectangle 11">
             <a:extLst>
               <a:ext uri="{FF2B5EF4-FFF2-40B4-BE49-F238E27FC236}">
-                <a16:creationId xmlns:a16="http://schemas.microsoft.com/office/drawing/2014/main" id="{36270319-65C7-4FF0-A2A7-77938B71ECC4}"/>
+                <a16:creationId xmlns:a16="http://schemas.microsoft.com/office/drawing/2014/main" xmlns="" id="{36270319-65C7-4FF0-A2A7-77938B71ECC4}"/>
               </a:ext>
             </a:extLst>
           </p:cNvPr>
@@ -37864,7 +38171,7 @@
           <p:cNvPr id="13" name="Rectangle 12">
             <a:extLst>
               <a:ext uri="{FF2B5EF4-FFF2-40B4-BE49-F238E27FC236}">
-                <a16:creationId xmlns:a16="http://schemas.microsoft.com/office/drawing/2014/main" id="{B561E94A-8462-4406-8871-34C58451F916}"/>
+                <a16:creationId xmlns:a16="http://schemas.microsoft.com/office/drawing/2014/main" xmlns="" id="{B561E94A-8462-4406-8871-34C58451F916}"/>
               </a:ext>
             </a:extLst>
           </p:cNvPr>
@@ -37953,7 +38260,7 @@
           <p:cNvPr id="2" name="Title 1">
             <a:extLst>
               <a:ext uri="{FF2B5EF4-FFF2-40B4-BE49-F238E27FC236}">
-                <a16:creationId xmlns:a16="http://schemas.microsoft.com/office/drawing/2014/main" id="{04DAFDD8-CF79-4C3F-8ED3-119BFF541681}"/>
+                <a16:creationId xmlns:a16="http://schemas.microsoft.com/office/drawing/2014/main" xmlns="" id="{04DAFDD8-CF79-4C3F-8ED3-119BFF541681}"/>
               </a:ext>
             </a:extLst>
           </p:cNvPr>
@@ -37985,7 +38292,7 @@
           <p:cNvPr id="3" name="Content Placeholder 2">
             <a:extLst>
               <a:ext uri="{FF2B5EF4-FFF2-40B4-BE49-F238E27FC236}">
-                <a16:creationId xmlns:a16="http://schemas.microsoft.com/office/drawing/2014/main" id="{E91C1445-B257-4CAB-8952-51D2BCD62707}"/>
+                <a16:creationId xmlns:a16="http://schemas.microsoft.com/office/drawing/2014/main" xmlns="" id="{E91C1445-B257-4CAB-8952-51D2BCD62707}"/>
               </a:ext>
             </a:extLst>
           </p:cNvPr>
@@ -38014,7 +38321,7 @@
           <p:cNvPr id="6" name="Rectangle 5">
             <a:extLst>
               <a:ext uri="{FF2B5EF4-FFF2-40B4-BE49-F238E27FC236}">
-                <a16:creationId xmlns:a16="http://schemas.microsoft.com/office/drawing/2014/main" id="{15ED185C-1335-41A5-A68D-F9BA65F97718}"/>
+                <a16:creationId xmlns:a16="http://schemas.microsoft.com/office/drawing/2014/main" xmlns="" id="{15ED185C-1335-41A5-A68D-F9BA65F97718}"/>
               </a:ext>
             </a:extLst>
           </p:cNvPr>
@@ -38070,7 +38377,7 @@
           <p:cNvPr id="7" name="Picture 6">
             <a:extLst>
               <a:ext uri="{FF2B5EF4-FFF2-40B4-BE49-F238E27FC236}">
-                <a16:creationId xmlns:a16="http://schemas.microsoft.com/office/drawing/2014/main" id="{EB441FF7-D97F-4CF5-9A78-FE0C4B47EAE4}"/>
+                <a16:creationId xmlns:a16="http://schemas.microsoft.com/office/drawing/2014/main" xmlns="" id="{EB441FF7-D97F-4CF5-9A78-FE0C4B47EAE4}"/>
               </a:ext>
             </a:extLst>
           </p:cNvPr>
@@ -40094,15 +40401,6 @@
 </file>
 
 <file path=customXml/item1.xml><?xml version="1.0" encoding="utf-8"?>
-<?mso-contentType ?>
-<FormTemplates xmlns="http://schemas.microsoft.com/sharepoint/v3/contenttype/forms">
-  <Display>DocumentLibraryForm</Display>
-  <Edit>DocumentLibraryForm</Edit>
-  <New>DocumentLibraryForm</New>
-</FormTemplates>
-</file>
-
-<file path=customXml/item2.xml><?xml version="1.0" encoding="utf-8"?>
 <ct:contentTypeSchema xmlns:ct="http://schemas.microsoft.com/office/2006/metadata/contentType" xmlns:ma="http://schemas.microsoft.com/office/2006/metadata/properties/metaAttributes" ct:_="" ma:_="" ma:contentTypeName="Document" ma:contentTypeID="0x0101000DE64AEEDD9B7A4D93545ACBE97D4615" ma:contentTypeVersion="2" ma:contentTypeDescription="Create a new document." ma:contentTypeScope="" ma:versionID="f49002b78e3a4a71b814eef46a983816">
   <xsd:schema xmlns:xsd="http://www.w3.org/2001/XMLSchema" xmlns:xs="http://www.w3.org/2001/XMLSchema" xmlns:p="http://schemas.microsoft.com/office/2006/metadata/properties" xmlns:ns2="http://schemas.microsoft.com/sharepoint/v3/fields" targetNamespace="http://schemas.microsoft.com/office/2006/metadata/properties" ma:root="true" ma:fieldsID="38f6db2dd0d9a0cf6a8dc37be32b365b" ns2:_="">
     <xsd:import namespace="http://schemas.microsoft.com/sharepoint/v3/fields"/>
@@ -40246,6 +40544,15 @@
 </ct:contentTypeSchema>
 </file>
 
+<file path=customXml/item2.xml><?xml version="1.0" encoding="utf-8"?>
+<?mso-contentType ?>
+<FormTemplates xmlns="http://schemas.microsoft.com/sharepoint/v3/contenttype/forms">
+  <Display>DocumentLibraryForm</Display>
+  <Edit>DocumentLibraryForm</Edit>
+  <New>DocumentLibraryForm</New>
+</FormTemplates>
+</file>
+
 <file path=customXml/item3.xml><?xml version="1.0" encoding="utf-8"?>
 <p:properties xmlns:p="http://schemas.microsoft.com/office/2006/metadata/properties" xmlns:xsi="http://www.w3.org/2001/XMLSchema-instance" xmlns:pc="http://schemas.microsoft.com/office/infopath/2007/PartnerControls">
   <documentManagement>
@@ -40256,14 +40563,6 @@
 </file>
 
 <file path=customXml/itemProps1.xml><?xml version="1.0" encoding="utf-8"?>
-<ds:datastoreItem xmlns:ds="http://schemas.openxmlformats.org/officeDocument/2006/customXml" ds:itemID="{87D2A1B0-FF3E-4009-940D-AED0EB70AA20}">
-  <ds:schemaRefs>
-    <ds:schemaRef ds:uri="http://schemas.microsoft.com/sharepoint/v3/contenttype/forms"/>
-  </ds:schemaRefs>
-</ds:datastoreItem>
-</file>
-
-<file path=customXml/itemProps2.xml><?xml version="1.0" encoding="utf-8"?>
 <ds:datastoreItem xmlns:ds="http://schemas.openxmlformats.org/officeDocument/2006/customXml" ds:itemID="{E4214858-785C-42F7-BE66-6D0E79395FC8}">
   <ds:schemaRefs>
     <ds:schemaRef ds:uri="http://schemas.microsoft.com/office/2006/metadata/contentType"/>
@@ -40281,6 +40580,14 @@
 </ds:datastoreItem>
 </file>
 
+<file path=customXml/itemProps2.xml><?xml version="1.0" encoding="utf-8"?>
+<ds:datastoreItem xmlns:ds="http://schemas.openxmlformats.org/officeDocument/2006/customXml" ds:itemID="{87D2A1B0-FF3E-4009-940D-AED0EB70AA20}">
+  <ds:schemaRefs>
+    <ds:schemaRef ds:uri="http://schemas.microsoft.com/sharepoint/v3/contenttype/forms"/>
+  </ds:schemaRefs>
+</ds:datastoreItem>
+</file>
+
 <file path=customXml/itemProps3.xml><?xml version="1.0" encoding="utf-8"?>
 <ds:datastoreItem xmlns:ds="http://schemas.openxmlformats.org/officeDocument/2006/customXml" ds:itemID="{7B6F2769-7194-4217-93D3-3AF3A4742282}">
   <ds:schemaRefs>

--- a/SuSS/ANL201 Study Unit 4_2021 - Lecturer.pptx
+++ b/SuSS/ANL201 Study Unit 4_2021 - Lecturer.pptx
@@ -8,50 +8,52 @@
     <p:sldMasterId id="2147493511" r:id="rId7"/>
   </p:sldMasterIdLst>
   <p:notesMasterIdLst>
-    <p:notesMasterId r:id="rId46"/>
+    <p:notesMasterId r:id="rId48"/>
   </p:notesMasterIdLst>
   <p:handoutMasterIdLst>
-    <p:handoutMasterId r:id="rId47"/>
+    <p:handoutMasterId r:id="rId49"/>
   </p:handoutMasterIdLst>
   <p:sldIdLst>
     <p:sldId id="396" r:id="rId8"/>
     <p:sldId id="397" r:id="rId9"/>
-    <p:sldId id="257" r:id="rId10"/>
-    <p:sldId id="268" r:id="rId11"/>
-    <p:sldId id="335" r:id="rId12"/>
-    <p:sldId id="336" r:id="rId13"/>
-    <p:sldId id="398" r:id="rId14"/>
-    <p:sldId id="399" r:id="rId15"/>
-    <p:sldId id="400" r:id="rId16"/>
-    <p:sldId id="401" r:id="rId17"/>
-    <p:sldId id="343" r:id="rId18"/>
-    <p:sldId id="348" r:id="rId19"/>
-    <p:sldId id="344" r:id="rId20"/>
-    <p:sldId id="345" r:id="rId21"/>
-    <p:sldId id="346" r:id="rId22"/>
-    <p:sldId id="347" r:id="rId23"/>
-    <p:sldId id="317" r:id="rId24"/>
-    <p:sldId id="322" r:id="rId25"/>
-    <p:sldId id="337" r:id="rId26"/>
-    <p:sldId id="338" r:id="rId27"/>
-    <p:sldId id="339" r:id="rId28"/>
-    <p:sldId id="349" r:id="rId29"/>
-    <p:sldId id="340" r:id="rId30"/>
-    <p:sldId id="341" r:id="rId31"/>
-    <p:sldId id="342" r:id="rId32"/>
-    <p:sldId id="350" r:id="rId33"/>
-    <p:sldId id="372" r:id="rId34"/>
-    <p:sldId id="362" r:id="rId35"/>
-    <p:sldId id="402" r:id="rId36"/>
-    <p:sldId id="360" r:id="rId37"/>
-    <p:sldId id="369" r:id="rId38"/>
-    <p:sldId id="370" r:id="rId39"/>
-    <p:sldId id="361" r:id="rId40"/>
-    <p:sldId id="371" r:id="rId41"/>
-    <p:sldId id="366" r:id="rId42"/>
-    <p:sldId id="373" r:id="rId43"/>
-    <p:sldId id="267" r:id="rId44"/>
-    <p:sldId id="331" r:id="rId45"/>
+    <p:sldId id="403" r:id="rId10"/>
+    <p:sldId id="404" r:id="rId11"/>
+    <p:sldId id="257" r:id="rId12"/>
+    <p:sldId id="268" r:id="rId13"/>
+    <p:sldId id="335" r:id="rId14"/>
+    <p:sldId id="336" r:id="rId15"/>
+    <p:sldId id="398" r:id="rId16"/>
+    <p:sldId id="399" r:id="rId17"/>
+    <p:sldId id="400" r:id="rId18"/>
+    <p:sldId id="401" r:id="rId19"/>
+    <p:sldId id="343" r:id="rId20"/>
+    <p:sldId id="348" r:id="rId21"/>
+    <p:sldId id="344" r:id="rId22"/>
+    <p:sldId id="345" r:id="rId23"/>
+    <p:sldId id="346" r:id="rId24"/>
+    <p:sldId id="347" r:id="rId25"/>
+    <p:sldId id="317" r:id="rId26"/>
+    <p:sldId id="322" r:id="rId27"/>
+    <p:sldId id="337" r:id="rId28"/>
+    <p:sldId id="338" r:id="rId29"/>
+    <p:sldId id="339" r:id="rId30"/>
+    <p:sldId id="349" r:id="rId31"/>
+    <p:sldId id="340" r:id="rId32"/>
+    <p:sldId id="341" r:id="rId33"/>
+    <p:sldId id="342" r:id="rId34"/>
+    <p:sldId id="350" r:id="rId35"/>
+    <p:sldId id="372" r:id="rId36"/>
+    <p:sldId id="362" r:id="rId37"/>
+    <p:sldId id="402" r:id="rId38"/>
+    <p:sldId id="360" r:id="rId39"/>
+    <p:sldId id="369" r:id="rId40"/>
+    <p:sldId id="370" r:id="rId41"/>
+    <p:sldId id="361" r:id="rId42"/>
+    <p:sldId id="371" r:id="rId43"/>
+    <p:sldId id="366" r:id="rId44"/>
+    <p:sldId id="373" r:id="rId45"/>
+    <p:sldId id="267" r:id="rId46"/>
+    <p:sldId id="331" r:id="rId47"/>
   </p:sldIdLst>
   <p:sldSz cx="9144000" cy="5143500" type="screen16x9"/>
   <p:notesSz cx="6858000" cy="9144000"/>
@@ -1189,6 +1191,314 @@
       <dsp:cNvGrpSpPr/>
     </dsp:nvGrpSpPr>
     <dsp:grpSpPr/>
+    <dsp:sp modelId="{5330FDB0-9864-4A2B-A541-618DAD584875}">
+      <dsp:nvSpPr>
+        <dsp:cNvPr id="0" name=""/>
+        <dsp:cNvSpPr/>
+      </dsp:nvSpPr>
+      <dsp:spPr>
+        <a:xfrm>
+          <a:off x="2508" y="126156"/>
+          <a:ext cx="2517046" cy="1006818"/>
+        </a:xfrm>
+        <a:prstGeom prst="homePlate">
+          <a:avLst/>
+        </a:prstGeom>
+        <a:solidFill>
+          <a:schemeClr val="accent1">
+            <a:hueOff val="0"/>
+            <a:satOff val="0"/>
+            <a:lumOff val="0"/>
+            <a:alphaOff val="0"/>
+          </a:schemeClr>
+        </a:solidFill>
+        <a:ln w="25400" cap="flat" cmpd="sng" algn="ctr">
+          <a:solidFill>
+            <a:schemeClr val="lt1">
+              <a:hueOff val="0"/>
+              <a:satOff val="0"/>
+              <a:lumOff val="0"/>
+              <a:alphaOff val="0"/>
+            </a:schemeClr>
+          </a:solidFill>
+          <a:prstDash val="solid"/>
+        </a:ln>
+        <a:effectLst/>
+      </dsp:spPr>
+      <dsp:style>
+        <a:lnRef idx="2">
+          <a:scrgbClr r="0" g="0" b="0"/>
+        </a:lnRef>
+        <a:fillRef idx="1">
+          <a:scrgbClr r="0" g="0" b="0"/>
+        </a:fillRef>
+        <a:effectRef idx="0">
+          <a:scrgbClr r="0" g="0" b="0"/>
+        </a:effectRef>
+        <a:fontRef idx="minor">
+          <a:schemeClr val="lt1"/>
+        </a:fontRef>
+      </dsp:style>
+      <dsp:txBody>
+        <a:bodyPr spcFirstLastPara="0" vert="horz" wrap="square" lIns="117348" tIns="58674" rIns="29337" bIns="58674" numCol="1" spcCol="1270" anchor="ctr" anchorCtr="0">
+          <a:noAutofit/>
+        </a:bodyPr>
+        <a:lstStyle/>
+        <a:p>
+          <a:pPr lvl="0" algn="ctr" defTabSz="977900">
+            <a:lnSpc>
+              <a:spcPct val="90000"/>
+            </a:lnSpc>
+            <a:spcBef>
+              <a:spcPct val="0"/>
+            </a:spcBef>
+            <a:spcAft>
+              <a:spcPct val="35000"/>
+            </a:spcAft>
+          </a:pPr>
+          <a:r>
+            <a:rPr lang="en-US" sz="2200" kern="1200" dirty="0"/>
+            <a:t>Frequency Distribution Tables </a:t>
+          </a:r>
+          <a:endParaRPr lang="en-SG" sz="2200" kern="1200" dirty="0"/>
+        </a:p>
+      </dsp:txBody>
+      <dsp:txXfrm>
+        <a:off x="2508" y="126156"/>
+        <a:ext cx="2265342" cy="1006818"/>
+      </dsp:txXfrm>
+    </dsp:sp>
+    <dsp:sp modelId="{B74AA7DD-EA21-4B32-97FE-608BE8CF4E9A}">
+      <dsp:nvSpPr>
+        <dsp:cNvPr id="0" name=""/>
+        <dsp:cNvSpPr/>
+      </dsp:nvSpPr>
+      <dsp:spPr>
+        <a:xfrm>
+          <a:off x="2016145" y="126156"/>
+          <a:ext cx="2517046" cy="1006818"/>
+        </a:xfrm>
+        <a:prstGeom prst="chevron">
+          <a:avLst/>
+        </a:prstGeom>
+        <a:solidFill>
+          <a:schemeClr val="accent1">
+            <a:hueOff val="0"/>
+            <a:satOff val="0"/>
+            <a:lumOff val="0"/>
+            <a:alphaOff val="0"/>
+          </a:schemeClr>
+        </a:solidFill>
+        <a:ln w="25400" cap="flat" cmpd="sng" algn="ctr">
+          <a:solidFill>
+            <a:schemeClr val="lt1">
+              <a:hueOff val="0"/>
+              <a:satOff val="0"/>
+              <a:lumOff val="0"/>
+              <a:alphaOff val="0"/>
+            </a:schemeClr>
+          </a:solidFill>
+          <a:prstDash val="solid"/>
+        </a:ln>
+        <a:effectLst/>
+      </dsp:spPr>
+      <dsp:style>
+        <a:lnRef idx="2">
+          <a:scrgbClr r="0" g="0" b="0"/>
+        </a:lnRef>
+        <a:fillRef idx="1">
+          <a:scrgbClr r="0" g="0" b="0"/>
+        </a:fillRef>
+        <a:effectRef idx="0">
+          <a:scrgbClr r="0" g="0" b="0"/>
+        </a:effectRef>
+        <a:fontRef idx="minor">
+          <a:schemeClr val="lt1"/>
+        </a:fontRef>
+      </dsp:style>
+      <dsp:txBody>
+        <a:bodyPr spcFirstLastPara="0" vert="horz" wrap="square" lIns="88011" tIns="58674" rIns="29337" bIns="58674" numCol="1" spcCol="1270" anchor="ctr" anchorCtr="0">
+          <a:noAutofit/>
+        </a:bodyPr>
+        <a:lstStyle/>
+        <a:p>
+          <a:pPr lvl="0" algn="ctr" defTabSz="977900">
+            <a:lnSpc>
+              <a:spcPct val="90000"/>
+            </a:lnSpc>
+            <a:spcBef>
+              <a:spcPct val="0"/>
+            </a:spcBef>
+            <a:spcAft>
+              <a:spcPct val="35000"/>
+            </a:spcAft>
+          </a:pPr>
+          <a:r>
+            <a:rPr lang="en-US" sz="2200" kern="1200" dirty="0"/>
+            <a:t>Bar Chart/ Stacked Bar Chart</a:t>
+          </a:r>
+          <a:endParaRPr lang="en-SG" sz="2200" kern="1200" dirty="0"/>
+        </a:p>
+      </dsp:txBody>
+      <dsp:txXfrm>
+        <a:off x="2519554" y="126156"/>
+        <a:ext cx="1510228" cy="1006818"/>
+      </dsp:txXfrm>
+    </dsp:sp>
+    <dsp:sp modelId="{60ABA9A8-BAE8-498B-943B-F45A94C3C6D3}">
+      <dsp:nvSpPr>
+        <dsp:cNvPr id="0" name=""/>
+        <dsp:cNvSpPr/>
+      </dsp:nvSpPr>
+      <dsp:spPr>
+        <a:xfrm>
+          <a:off x="4029782" y="126156"/>
+          <a:ext cx="2517046" cy="1006818"/>
+        </a:xfrm>
+        <a:prstGeom prst="chevron">
+          <a:avLst/>
+        </a:prstGeom>
+        <a:solidFill>
+          <a:schemeClr val="accent1">
+            <a:hueOff val="0"/>
+            <a:satOff val="0"/>
+            <a:lumOff val="0"/>
+            <a:alphaOff val="0"/>
+          </a:schemeClr>
+        </a:solidFill>
+        <a:ln w="25400" cap="flat" cmpd="sng" algn="ctr">
+          <a:solidFill>
+            <a:schemeClr val="lt1">
+              <a:hueOff val="0"/>
+              <a:satOff val="0"/>
+              <a:lumOff val="0"/>
+              <a:alphaOff val="0"/>
+            </a:schemeClr>
+          </a:solidFill>
+          <a:prstDash val="solid"/>
+        </a:ln>
+        <a:effectLst/>
+      </dsp:spPr>
+      <dsp:style>
+        <a:lnRef idx="2">
+          <a:scrgbClr r="0" g="0" b="0"/>
+        </a:lnRef>
+        <a:fillRef idx="1">
+          <a:scrgbClr r="0" g="0" b="0"/>
+        </a:fillRef>
+        <a:effectRef idx="0">
+          <a:scrgbClr r="0" g="0" b="0"/>
+        </a:effectRef>
+        <a:fontRef idx="minor">
+          <a:schemeClr val="lt1"/>
+        </a:fontRef>
+      </dsp:style>
+      <dsp:txBody>
+        <a:bodyPr spcFirstLastPara="0" vert="horz" wrap="square" lIns="88011" tIns="58674" rIns="29337" bIns="58674" numCol="1" spcCol="1270" anchor="ctr" anchorCtr="0">
+          <a:noAutofit/>
+        </a:bodyPr>
+        <a:lstStyle/>
+        <a:p>
+          <a:pPr lvl="0" algn="ctr" defTabSz="977900">
+            <a:lnSpc>
+              <a:spcPct val="90000"/>
+            </a:lnSpc>
+            <a:spcBef>
+              <a:spcPct val="0"/>
+            </a:spcBef>
+            <a:spcAft>
+              <a:spcPct val="35000"/>
+            </a:spcAft>
+          </a:pPr>
+          <a:r>
+            <a:rPr lang="en-US" sz="2200" kern="1200" dirty="0"/>
+            <a:t>Pie Charts</a:t>
+          </a:r>
+          <a:endParaRPr lang="en-SG" sz="2200" kern="1200" dirty="0"/>
+        </a:p>
+      </dsp:txBody>
+      <dsp:txXfrm>
+        <a:off x="4533191" y="126156"/>
+        <a:ext cx="1510228" cy="1006818"/>
+      </dsp:txXfrm>
+    </dsp:sp>
+    <dsp:sp modelId="{51C0A01B-66A0-4A5B-AF88-D6BB987030EA}">
+      <dsp:nvSpPr>
+        <dsp:cNvPr id="0" name=""/>
+        <dsp:cNvSpPr/>
+      </dsp:nvSpPr>
+      <dsp:spPr>
+        <a:xfrm>
+          <a:off x="6043419" y="126156"/>
+          <a:ext cx="2517046" cy="1006818"/>
+        </a:xfrm>
+        <a:prstGeom prst="chevron">
+          <a:avLst/>
+        </a:prstGeom>
+        <a:solidFill>
+          <a:schemeClr val="accent1">
+            <a:hueOff val="0"/>
+            <a:satOff val="0"/>
+            <a:lumOff val="0"/>
+            <a:alphaOff val="0"/>
+          </a:schemeClr>
+        </a:solidFill>
+        <a:ln w="25400" cap="flat" cmpd="sng" algn="ctr">
+          <a:solidFill>
+            <a:schemeClr val="lt1">
+              <a:hueOff val="0"/>
+              <a:satOff val="0"/>
+              <a:lumOff val="0"/>
+              <a:alphaOff val="0"/>
+            </a:schemeClr>
+          </a:solidFill>
+          <a:prstDash val="solid"/>
+        </a:ln>
+        <a:effectLst/>
+      </dsp:spPr>
+      <dsp:style>
+        <a:lnRef idx="2">
+          <a:scrgbClr r="0" g="0" b="0"/>
+        </a:lnRef>
+        <a:fillRef idx="1">
+          <a:scrgbClr r="0" g="0" b="0"/>
+        </a:fillRef>
+        <a:effectRef idx="0">
+          <a:scrgbClr r="0" g="0" b="0"/>
+        </a:effectRef>
+        <a:fontRef idx="minor">
+          <a:schemeClr val="lt1"/>
+        </a:fontRef>
+      </dsp:style>
+      <dsp:txBody>
+        <a:bodyPr spcFirstLastPara="0" vert="horz" wrap="square" lIns="88011" tIns="58674" rIns="29337" bIns="58674" numCol="1" spcCol="1270" anchor="ctr" anchorCtr="0">
+          <a:noAutofit/>
+        </a:bodyPr>
+        <a:lstStyle/>
+        <a:p>
+          <a:pPr lvl="0" algn="ctr" defTabSz="977900">
+            <a:lnSpc>
+              <a:spcPct val="90000"/>
+            </a:lnSpc>
+            <a:spcBef>
+              <a:spcPct val="0"/>
+            </a:spcBef>
+            <a:spcAft>
+              <a:spcPct val="35000"/>
+            </a:spcAft>
+          </a:pPr>
+          <a:r>
+            <a:rPr lang="en-US" sz="2200" kern="1200" dirty="0"/>
+            <a:t>Pareto Diagrams</a:t>
+          </a:r>
+          <a:endParaRPr lang="en-SG" sz="2200" kern="1200" dirty="0"/>
+        </a:p>
+      </dsp:txBody>
+      <dsp:txXfrm>
+        <a:off x="6546828" y="126156"/>
+        <a:ext cx="1510228" cy="1006818"/>
+      </dsp:txXfrm>
+    </dsp:sp>
   </dsp:spTree>
 </dsp:drawing>
 </file>
@@ -2581,7 +2891,7 @@
           <a:p>
             <a:fld id="{FB7F86EF-755F-EF49-95CD-E6F9DEA0E285}" type="datetimeFigureOut">
               <a:rPr lang="en-US" smtClean="0"/>
-              <a:t>2/3/2021</a:t>
+              <a:t>2/25/2021</a:t>
             </a:fld>
             <a:endParaRPr lang="en-US"/>
           </a:p>
@@ -2746,7 +3056,7 @@
           <a:p>
             <a:fld id="{847550CD-65C1-0D40-9457-6DF5C95A232D}" type="datetimeFigureOut">
               <a:rPr lang="en-US" smtClean="0"/>
-              <a:t>2/3/2021</a:t>
+              <a:t>2/25/2021</a:t>
             </a:fld>
             <a:endParaRPr lang="en-US"/>
           </a:p>
@@ -3079,7 +3389,7 @@
           <a:p>
             <a:fld id="{2E36A4A8-4679-F349-B4E1-60A94314D23D}" type="slidenum">
               <a:rPr lang="en-US" smtClean="0"/>
-              <a:t>5</a:t>
+              <a:t>7</a:t>
             </a:fld>
             <a:endParaRPr lang="en-US"/>
           </a:p>
@@ -3196,7 +3506,7 @@
           <a:p>
             <a:fld id="{2E36A4A8-4679-F349-B4E1-60A94314D23D}" type="slidenum">
               <a:rPr lang="en-US" smtClean="0"/>
-              <a:t>27</a:t>
+              <a:t>29</a:t>
             </a:fld>
             <a:endParaRPr lang="en-US"/>
           </a:p>
@@ -3624,7 +3934,7 @@
                 <a:tabLst/>
                 <a:defRPr/>
               </a:pPr>
-              <a:t>29</a:t>
+              <a:t>31</a:t>
             </a:fld>
             <a:endParaRPr kumimoji="0" lang="en-SG" altLang="en-US" sz="1200" b="0" i="0" u="none" strike="noStrike" kern="1200" cap="none" spc="0" normalizeH="0" baseline="0" noProof="0">
               <a:ln>
@@ -3948,7 +4258,7 @@
                 <a:tabLst/>
                 <a:defRPr/>
               </a:pPr>
-              <a:t>30</a:t>
+              <a:t>32</a:t>
             </a:fld>
             <a:endParaRPr kumimoji="0" lang="en-SG" altLang="en-US" sz="1200" b="0" i="0" u="none" strike="noStrike" kern="1200" cap="none" spc="0" normalizeH="0" baseline="0" noProof="0">
               <a:ln>
@@ -4387,7 +4697,7 @@
                 <a:tabLst/>
                 <a:defRPr/>
               </a:pPr>
-              <a:t>31</a:t>
+              <a:t>33</a:t>
             </a:fld>
             <a:endParaRPr kumimoji="0" lang="en-SG" altLang="en-US" sz="1200" b="0" i="0" u="none" strike="noStrike" kern="1200" cap="none" spc="0" normalizeH="0" baseline="0" noProof="0">
               <a:ln>
@@ -4523,7 +4833,7 @@
           <a:p>
             <a:fld id="{5D162ADB-F00E-4290-B162-FD0969BE4B2B}" type="slidenum">
               <a:rPr lang="en-US" smtClean="0"/>
-              <a:t>32</a:t>
+              <a:t>34</a:t>
             </a:fld>
             <a:endParaRPr lang="en-US"/>
           </a:p>
@@ -5215,7 +5525,7 @@
           <a:p>
             <a:fld id="{5D162ADB-F00E-4290-B162-FD0969BE4B2B}" type="slidenum">
               <a:rPr lang="en-US" smtClean="0"/>
-              <a:t>33</a:t>
+              <a:t>35</a:t>
             </a:fld>
             <a:endParaRPr lang="en-US"/>
           </a:p>
@@ -5413,7 +5723,7 @@
           <a:p>
             <a:fld id="{5D162ADB-F00E-4290-B162-FD0969BE4B2B}" type="slidenum">
               <a:rPr lang="en-US" smtClean="0"/>
-              <a:t>34</a:t>
+              <a:t>36</a:t>
             </a:fld>
             <a:endParaRPr lang="en-US"/>
           </a:p>
@@ -5547,7 +5857,7 @@
           <a:p>
             <a:fld id="{5D162ADB-F00E-4290-B162-FD0969BE4B2B}" type="slidenum">
               <a:rPr lang="en-US" smtClean="0"/>
-              <a:t>35</a:t>
+              <a:t>37</a:t>
             </a:fld>
             <a:endParaRPr lang="en-US"/>
           </a:p>
@@ -5642,7 +5952,7 @@
           <a:p>
             <a:fld id="{2E36A4A8-4679-F349-B4E1-60A94314D23D}" type="slidenum">
               <a:rPr lang="en-US" smtClean="0"/>
-              <a:t>37</a:t>
+              <a:t>39</a:t>
             </a:fld>
             <a:endParaRPr lang="en-US"/>
           </a:p>
@@ -5726,7 +6036,7 @@
           <a:p>
             <a:fld id="{2E36A4A8-4679-F349-B4E1-60A94314D23D}" type="slidenum">
               <a:rPr lang="en-US" smtClean="0"/>
-              <a:t>11</a:t>
+              <a:t>13</a:t>
             </a:fld>
             <a:endParaRPr lang="en-US"/>
           </a:p>
@@ -5822,7 +6132,7 @@
           <a:p>
             <a:fld id="{2E36A4A8-4679-F349-B4E1-60A94314D23D}" type="slidenum">
               <a:rPr lang="en-US" smtClean="0"/>
-              <a:t>13</a:t>
+              <a:t>15</a:t>
             </a:fld>
             <a:endParaRPr lang="en-US"/>
           </a:p>
@@ -6026,7 +6336,7 @@
           <a:p>
             <a:fld id="{2E36A4A8-4679-F349-B4E1-60A94314D23D}" type="slidenum">
               <a:rPr lang="en-US" smtClean="0"/>
-              <a:t>19</a:t>
+              <a:t>21</a:t>
             </a:fld>
             <a:endParaRPr lang="en-US"/>
           </a:p>
@@ -6367,7 +6677,7 @@
           <a:p>
             <a:fld id="{2E36A4A8-4679-F349-B4E1-60A94314D23D}" type="slidenum">
               <a:rPr lang="en-US" smtClean="0"/>
-              <a:t>22</a:t>
+              <a:t>24</a:t>
             </a:fld>
             <a:endParaRPr lang="en-US"/>
           </a:p>
@@ -6637,7 +6947,7 @@
           <a:p>
             <a:fld id="{2E36A4A8-4679-F349-B4E1-60A94314D23D}" type="slidenum">
               <a:rPr lang="en-US" smtClean="0"/>
-              <a:t>23</a:t>
+              <a:t>25</a:t>
             </a:fld>
             <a:endParaRPr lang="en-US"/>
           </a:p>
@@ -6853,7 +7163,7 @@
           <a:p>
             <a:fld id="{2E36A4A8-4679-F349-B4E1-60A94314D23D}" type="slidenum">
               <a:rPr lang="en-US" smtClean="0"/>
-              <a:t>24</a:t>
+              <a:t>26</a:t>
             </a:fld>
             <a:endParaRPr lang="en-US"/>
           </a:p>
@@ -7070,7 +7380,7 @@
           <a:p>
             <a:fld id="{2E36A4A8-4679-F349-B4E1-60A94314D23D}" type="slidenum">
               <a:rPr lang="en-US" smtClean="0"/>
-              <a:t>25</a:t>
+              <a:t>27</a:t>
             </a:fld>
             <a:endParaRPr lang="en-US"/>
           </a:p>
@@ -7187,7 +7497,7 @@
           <a:p>
             <a:fld id="{2E36A4A8-4679-F349-B4E1-60A94314D23D}" type="slidenum">
               <a:rPr lang="en-US" smtClean="0"/>
-              <a:t>26</a:t>
+              <a:t>28</a:t>
             </a:fld>
             <a:endParaRPr lang="en-US"/>
           </a:p>
@@ -22477,7 +22787,7 @@
           <p:cNvPr id="2" name="Table 2">
             <a:extLst>
               <a:ext uri="{FF2B5EF4-FFF2-40B4-BE49-F238E27FC236}">
-                <a16:creationId xmlns:a16="http://schemas.microsoft.com/office/drawing/2014/main" xmlns="" id="{A557F063-8854-48BA-BF0D-D7E1B7E4BBA7}"/>
+                <a16:creationId xmlns:a16="http://schemas.microsoft.com/office/drawing/2014/main" id="{A557F063-8854-48BA-BF0D-D7E1B7E4BBA7}"/>
               </a:ext>
             </a:extLst>
           </p:cNvPr>
@@ -22506,35 +22816,35 @@
                 <a:gridCol w="568166">
                   <a:extLst>
                     <a:ext uri="{9D8B030D-6E8A-4147-A177-3AD203B41FA5}">
-                      <a16:colId xmlns:a16="http://schemas.microsoft.com/office/drawing/2014/main" xmlns="" val="490576269"/>
+                      <a16:colId xmlns:a16="http://schemas.microsoft.com/office/drawing/2014/main" val="490576269"/>
                     </a:ext>
                   </a:extLst>
                 </a:gridCol>
                 <a:gridCol w="2398728">
                   <a:extLst>
                     <a:ext uri="{9D8B030D-6E8A-4147-A177-3AD203B41FA5}">
-                      <a16:colId xmlns:a16="http://schemas.microsoft.com/office/drawing/2014/main" xmlns="" val="2750247129"/>
+                      <a16:colId xmlns:a16="http://schemas.microsoft.com/office/drawing/2014/main" val="2750247129"/>
                     </a:ext>
                   </a:extLst>
                 </a:gridCol>
                 <a:gridCol w="705089">
                   <a:extLst>
                     <a:ext uri="{9D8B030D-6E8A-4147-A177-3AD203B41FA5}">
-                      <a16:colId xmlns:a16="http://schemas.microsoft.com/office/drawing/2014/main" xmlns="" val="3137058074"/>
+                      <a16:colId xmlns:a16="http://schemas.microsoft.com/office/drawing/2014/main" val="3137058074"/>
                     </a:ext>
                   </a:extLst>
                 </a:gridCol>
                 <a:gridCol w="1765364">
                   <a:extLst>
                     <a:ext uri="{9D8B030D-6E8A-4147-A177-3AD203B41FA5}">
-                      <a16:colId xmlns:a16="http://schemas.microsoft.com/office/drawing/2014/main" xmlns="" val="2240145745"/>
+                      <a16:colId xmlns:a16="http://schemas.microsoft.com/office/drawing/2014/main" val="2240145745"/>
                     </a:ext>
                   </a:extLst>
                 </a:gridCol>
                 <a:gridCol w="1246609">
                   <a:extLst>
                     <a:ext uri="{9D8B030D-6E8A-4147-A177-3AD203B41FA5}">
-                      <a16:colId xmlns:a16="http://schemas.microsoft.com/office/drawing/2014/main" xmlns="" val="3968797517"/>
+                      <a16:colId xmlns:a16="http://schemas.microsoft.com/office/drawing/2014/main" val="3968797517"/>
                     </a:ext>
                   </a:extLst>
                 </a:gridCol>
@@ -22827,7 +23137,7 @@
                 </a:tc>
                 <a:extLst>
                   <a:ext uri="{0D108BD9-81ED-4DB2-BD59-A6C34878D82A}">
-                    <a16:rowId xmlns:a16="http://schemas.microsoft.com/office/drawing/2014/main" xmlns="" val="1944635151"/>
+                    <a16:rowId xmlns:a16="http://schemas.microsoft.com/office/drawing/2014/main" val="1944635151"/>
                   </a:ext>
                 </a:extLst>
               </a:tr>
@@ -23181,7 +23491,7 @@
                 </a:tc>
                 <a:extLst>
                   <a:ext uri="{0D108BD9-81ED-4DB2-BD59-A6C34878D82A}">
-                    <a16:rowId xmlns:a16="http://schemas.microsoft.com/office/drawing/2014/main" xmlns="" val="3504103745"/>
+                    <a16:rowId xmlns:a16="http://schemas.microsoft.com/office/drawing/2014/main" val="3504103745"/>
                   </a:ext>
                 </a:extLst>
               </a:tr>
@@ -23543,7 +23853,7 @@
                 </a:tc>
                 <a:extLst>
                   <a:ext uri="{0D108BD9-81ED-4DB2-BD59-A6C34878D82A}">
-                    <a16:rowId xmlns:a16="http://schemas.microsoft.com/office/drawing/2014/main" xmlns="" val="2410617811"/>
+                    <a16:rowId xmlns:a16="http://schemas.microsoft.com/office/drawing/2014/main" val="2410617811"/>
                   </a:ext>
                 </a:extLst>
               </a:tr>
@@ -23874,7 +24184,7 @@
                 </a:tc>
                 <a:extLst>
                   <a:ext uri="{0D108BD9-81ED-4DB2-BD59-A6C34878D82A}">
-                    <a16:rowId xmlns:a16="http://schemas.microsoft.com/office/drawing/2014/main" xmlns="" val="1077056632"/>
+                    <a16:rowId xmlns:a16="http://schemas.microsoft.com/office/drawing/2014/main" val="1077056632"/>
                   </a:ext>
                 </a:extLst>
               </a:tr>
@@ -24216,7 +24526,7 @@
                 </a:tc>
                 <a:extLst>
                   <a:ext uri="{0D108BD9-81ED-4DB2-BD59-A6C34878D82A}">
-                    <a16:rowId xmlns:a16="http://schemas.microsoft.com/office/drawing/2014/main" xmlns="" val="3699127354"/>
+                    <a16:rowId xmlns:a16="http://schemas.microsoft.com/office/drawing/2014/main" val="3699127354"/>
                   </a:ext>
                 </a:extLst>
               </a:tr>
@@ -24409,7 +24719,7 @@
                 </a:tc>
                 <a:extLst>
                   <a:ext uri="{0D108BD9-81ED-4DB2-BD59-A6C34878D82A}">
-                    <a16:rowId xmlns:a16="http://schemas.microsoft.com/office/drawing/2014/main" xmlns="" val="1107960829"/>
+                    <a16:rowId xmlns:a16="http://schemas.microsoft.com/office/drawing/2014/main" val="1107960829"/>
                   </a:ext>
                 </a:extLst>
               </a:tr>
@@ -24770,7 +25080,7 @@
                 </a:tc>
                 <a:extLst>
                   <a:ext uri="{0D108BD9-81ED-4DB2-BD59-A6C34878D82A}">
-                    <a16:rowId xmlns:a16="http://schemas.microsoft.com/office/drawing/2014/main" xmlns="" val="3037283718"/>
+                    <a16:rowId xmlns:a16="http://schemas.microsoft.com/office/drawing/2014/main" val="3037283718"/>
                   </a:ext>
                 </a:extLst>
               </a:tr>
@@ -25083,7 +25393,7 @@
                 </a:tc>
                 <a:extLst>
                   <a:ext uri="{0D108BD9-81ED-4DB2-BD59-A6C34878D82A}">
-                    <a16:rowId xmlns:a16="http://schemas.microsoft.com/office/drawing/2014/main" xmlns="" val="4135394514"/>
+                    <a16:rowId xmlns:a16="http://schemas.microsoft.com/office/drawing/2014/main" val="4135394514"/>
                   </a:ext>
                 </a:extLst>
               </a:tr>
@@ -25096,7 +25406,7 @@
           <p:cNvPr id="8" name="Text Placeholder 2">
             <a:extLst>
               <a:ext uri="{FF2B5EF4-FFF2-40B4-BE49-F238E27FC236}">
-                <a16:creationId xmlns:a16="http://schemas.microsoft.com/office/drawing/2014/main" xmlns="" id="{87DAF040-577B-48B8-B242-5C47D3131BA4}"/>
+                <a16:creationId xmlns:a16="http://schemas.microsoft.com/office/drawing/2014/main" id="{87DAF040-577B-48B8-B242-5C47D3131BA4}"/>
               </a:ext>
             </a:extLst>
           </p:cNvPr>
@@ -25412,7 +25722,7 @@
           <p:cNvPr id="2" name="Title 1">
             <a:extLst>
               <a:ext uri="{FF2B5EF4-FFF2-40B4-BE49-F238E27FC236}">
-                <a16:creationId xmlns:a16="http://schemas.microsoft.com/office/drawing/2014/main" xmlns="" id="{2BE737BE-E08E-4B5C-90E5-46E18178EFFA}"/>
+                <a16:creationId xmlns:a16="http://schemas.microsoft.com/office/drawing/2014/main" id="{04DAFDD8-CF79-4C3F-8ED3-119BFF541681}"/>
               </a:ext>
             </a:extLst>
           </p:cNvPr>
@@ -25429,6 +25739,482 @@
           <a:lstStyle/>
           <a:p>
             <a:r>
+              <a:rPr lang="en-GB" sz="2000" dirty="0">
+                <a:latin typeface="Roboto Medium" panose="02000000000000000000" pitchFamily="2" charset="0"/>
+                <a:ea typeface="Roboto Medium" panose="02000000000000000000" pitchFamily="2" charset="0"/>
+              </a:rPr>
+              <a:t>Visualisation of Categorical Data</a:t>
+            </a:r>
+            <a:endParaRPr lang="en-SG" dirty="0"/>
+          </a:p>
+        </p:txBody>
+      </p:sp>
+      <p:sp>
+        <p:nvSpPr>
+          <p:cNvPr id="3" name="Content Placeholder 2">
+            <a:extLst>
+              <a:ext uri="{FF2B5EF4-FFF2-40B4-BE49-F238E27FC236}">
+                <a16:creationId xmlns:a16="http://schemas.microsoft.com/office/drawing/2014/main" id="{E91C1445-B257-4CAB-8952-51D2BCD62707}"/>
+              </a:ext>
+            </a:extLst>
+          </p:cNvPr>
+          <p:cNvSpPr>
+            <a:spLocks noGrp="1"/>
+          </p:cNvSpPr>
+          <p:nvPr>
+            <p:ph idx="10"/>
+          </p:nvPr>
+        </p:nvSpPr>
+        <p:spPr/>
+        <p:txBody>
+          <a:bodyPr/>
+          <a:lstStyle/>
+          <a:p>
+            <a:r>
+              <a:rPr lang="en-US" dirty="0"/>
+              <a:t>After you Explore your data</a:t>
+            </a:r>
+            <a:endParaRPr lang="en-SG" dirty="0"/>
+          </a:p>
+        </p:txBody>
+      </p:sp>
+      <p:graphicFrame>
+        <p:nvGraphicFramePr>
+          <p:cNvPr id="5" name="Content Placeholder 4">
+            <a:extLst>
+              <a:ext uri="{FF2B5EF4-FFF2-40B4-BE49-F238E27FC236}">
+                <a16:creationId xmlns:a16="http://schemas.microsoft.com/office/drawing/2014/main" id="{0500F1B0-BB9A-441F-AC4E-214D858638CB}"/>
+              </a:ext>
+            </a:extLst>
+          </p:cNvPr>
+          <p:cNvGraphicFramePr>
+            <a:graphicFrameLocks noGrp="1"/>
+          </p:cNvGraphicFramePr>
+          <p:nvPr>
+            <p:ph idx="1"/>
+            <p:extLst>
+              <p:ext uri="{D42A27DB-BD31-4B8C-83A1-F6EECF244321}">
+                <p14:modId xmlns:p14="http://schemas.microsoft.com/office/powerpoint/2010/main" val="1152838948"/>
+              </p:ext>
+            </p:extLst>
+          </p:nvPr>
+        </p:nvGraphicFramePr>
+        <p:xfrm>
+          <a:off x="290512" y="1583387"/>
+          <a:ext cx="8562975" cy="1259131"/>
+        </p:xfrm>
+        <a:graphic>
+          <a:graphicData uri="http://schemas.openxmlformats.org/drawingml/2006/diagram">
+            <dgm:relIds xmlns:dgm="http://schemas.openxmlformats.org/drawingml/2006/diagram" xmlns:r="http://schemas.openxmlformats.org/officeDocument/2006/relationships" r:dm="rId2" r:lo="rId3" r:qs="rId4" r:cs="rId5"/>
+          </a:graphicData>
+        </a:graphic>
+      </p:graphicFrame>
+      <p:sp>
+        <p:nvSpPr>
+          <p:cNvPr id="11" name="Rectangle 10">
+            <a:extLst>
+              <a:ext uri="{FF2B5EF4-FFF2-40B4-BE49-F238E27FC236}">
+                <a16:creationId xmlns:a16="http://schemas.microsoft.com/office/drawing/2014/main" id="{B33D4164-84F2-4179-B982-8EA85AFB7E63}"/>
+              </a:ext>
+            </a:extLst>
+          </p:cNvPr>
+          <p:cNvSpPr/>
+          <p:nvPr/>
+        </p:nvSpPr>
+        <p:spPr>
+          <a:xfrm>
+            <a:off x="4480658" y="2793918"/>
+            <a:ext cx="1770185" cy="1477328"/>
+          </a:xfrm>
+          <a:prstGeom prst="rect">
+            <a:avLst/>
+          </a:prstGeom>
+          <a:solidFill>
+            <a:schemeClr val="bg1"/>
+          </a:solidFill>
+        </p:spPr>
+        <p:style>
+          <a:lnRef idx="1">
+            <a:schemeClr val="accent1"/>
+          </a:lnRef>
+          <a:fillRef idx="3">
+            <a:schemeClr val="accent1"/>
+          </a:fillRef>
+          <a:effectRef idx="2">
+            <a:schemeClr val="accent1"/>
+          </a:effectRef>
+          <a:fontRef idx="minor">
+            <a:schemeClr val="lt1"/>
+          </a:fontRef>
+        </p:style>
+        <p:txBody>
+          <a:bodyPr rot="0" spcFirstLastPara="0" vertOverflow="overflow" horzOverflow="overflow" vert="horz" wrap="square" lIns="91440" tIns="45720" rIns="91440" bIns="45720" numCol="1" spcCol="0" rtlCol="0" fromWordArt="0" anchor="ctr" anchorCtr="0" forceAA="0" compatLnSpc="1">
+            <a:prstTxWarp prst="textNoShape">
+              <a:avLst/>
+            </a:prstTxWarp>
+            <a:noAutofit/>
+          </a:bodyPr>
+          <a:lstStyle/>
+          <a:p>
+            <a:pPr algn="ctr"/>
+            <a:r>
+              <a:rPr lang="en-SG" sz="1400" dirty="0">
+                <a:solidFill>
+                  <a:srgbClr val="6600FF"/>
+                </a:solidFill>
+              </a:rPr>
+              <a:t>Used when we want to see share of an item as part of total</a:t>
+            </a:r>
+          </a:p>
+        </p:txBody>
+      </p:sp>
+      <p:sp>
+        <p:nvSpPr>
+          <p:cNvPr id="12" name="Rectangle 11">
+            <a:extLst>
+              <a:ext uri="{FF2B5EF4-FFF2-40B4-BE49-F238E27FC236}">
+                <a16:creationId xmlns:a16="http://schemas.microsoft.com/office/drawing/2014/main" id="{36270319-65C7-4FF0-A2A7-77938B71ECC4}"/>
+              </a:ext>
+            </a:extLst>
+          </p:cNvPr>
+          <p:cNvSpPr/>
+          <p:nvPr/>
+        </p:nvSpPr>
+        <p:spPr>
+          <a:xfrm>
+            <a:off x="2489200" y="2793917"/>
+            <a:ext cx="1770185" cy="954107"/>
+          </a:xfrm>
+          <a:prstGeom prst="rect">
+            <a:avLst/>
+          </a:prstGeom>
+          <a:solidFill>
+            <a:schemeClr val="bg1"/>
+          </a:solidFill>
+        </p:spPr>
+        <p:style>
+          <a:lnRef idx="1">
+            <a:schemeClr val="accent1"/>
+          </a:lnRef>
+          <a:fillRef idx="3">
+            <a:schemeClr val="accent1"/>
+          </a:fillRef>
+          <a:effectRef idx="2">
+            <a:schemeClr val="accent1"/>
+          </a:effectRef>
+          <a:fontRef idx="minor">
+            <a:schemeClr val="lt1"/>
+          </a:fontRef>
+        </p:style>
+        <p:txBody>
+          <a:bodyPr rot="0" spcFirstLastPara="0" vertOverflow="overflow" horzOverflow="overflow" vert="horz" wrap="square" lIns="91440" tIns="45720" rIns="91440" bIns="45720" numCol="1" spcCol="0" rtlCol="0" fromWordArt="0" anchor="ctr" anchorCtr="0" forceAA="0" compatLnSpc="1">
+            <a:prstTxWarp prst="textNoShape">
+              <a:avLst/>
+            </a:prstTxWarp>
+            <a:noAutofit/>
+          </a:bodyPr>
+          <a:lstStyle/>
+          <a:p>
+            <a:pPr algn="ctr"/>
+            <a:r>
+              <a:rPr lang="en-SG" sz="1400" dirty="0">
+                <a:solidFill>
+                  <a:srgbClr val="6600FF"/>
+                </a:solidFill>
+              </a:rPr>
+              <a:t>Each bar is category; y-axis is frequency (relative or absolute)</a:t>
+            </a:r>
+          </a:p>
+        </p:txBody>
+      </p:sp>
+      <p:sp>
+        <p:nvSpPr>
+          <p:cNvPr id="13" name="Rectangle 12">
+            <a:extLst>
+              <a:ext uri="{FF2B5EF4-FFF2-40B4-BE49-F238E27FC236}">
+                <a16:creationId xmlns:a16="http://schemas.microsoft.com/office/drawing/2014/main" id="{B561E94A-8462-4406-8871-34C58451F916}"/>
+              </a:ext>
+            </a:extLst>
+          </p:cNvPr>
+          <p:cNvSpPr/>
+          <p:nvPr/>
+        </p:nvSpPr>
+        <p:spPr>
+          <a:xfrm>
+            <a:off x="6535494" y="2852777"/>
+            <a:ext cx="2033342" cy="1078361"/>
+          </a:xfrm>
+          <a:prstGeom prst="rect">
+            <a:avLst/>
+          </a:prstGeom>
+          <a:solidFill>
+            <a:schemeClr val="bg1"/>
+          </a:solidFill>
+        </p:spPr>
+        <p:style>
+          <a:lnRef idx="1">
+            <a:schemeClr val="accent1"/>
+          </a:lnRef>
+          <a:fillRef idx="3">
+            <a:schemeClr val="accent1"/>
+          </a:fillRef>
+          <a:effectRef idx="2">
+            <a:schemeClr val="accent1"/>
+          </a:effectRef>
+          <a:fontRef idx="minor">
+            <a:schemeClr val="lt1"/>
+          </a:fontRef>
+        </p:style>
+        <p:txBody>
+          <a:bodyPr rot="0" spcFirstLastPara="0" vertOverflow="overflow" horzOverflow="overflow" vert="horz" wrap="square" lIns="91440" tIns="45720" rIns="91440" bIns="45720" numCol="1" spcCol="0" rtlCol="0" fromWordArt="0" anchor="ctr" anchorCtr="0" forceAA="0" compatLnSpc="1">
+            <a:prstTxWarp prst="textNoShape">
+              <a:avLst/>
+            </a:prstTxWarp>
+            <a:noAutofit/>
+          </a:bodyPr>
+          <a:lstStyle/>
+          <a:p>
+            <a:pPr algn="ctr"/>
+            <a:r>
+              <a:rPr lang="en-SG" sz="1400" dirty="0">
+                <a:solidFill>
+                  <a:srgbClr val="6600FF"/>
+                </a:solidFill>
+              </a:rPr>
+              <a:t>Categories shown in descending order of frequency, and separate curve shows cumulative frequency.</a:t>
+            </a:r>
+          </a:p>
+        </p:txBody>
+      </p:sp>
+    </p:spTree>
+    <p:extLst>
+      <p:ext uri="{BB962C8B-B14F-4D97-AF65-F5344CB8AC3E}">
+        <p14:creationId xmlns:p14="http://schemas.microsoft.com/office/powerpoint/2010/main" val="4116253114"/>
+      </p:ext>
+    </p:extLst>
+  </p:cSld>
+  <p:clrMapOvr>
+    <a:masterClrMapping/>
+  </p:clrMapOvr>
+</p:sld>
+</file>
+
+<file path=ppt/slides/slide11.xml><?xml version="1.0" encoding="utf-8"?>
+<p:sld xmlns:a="http://schemas.openxmlformats.org/drawingml/2006/main" xmlns:r="http://schemas.openxmlformats.org/officeDocument/2006/relationships" xmlns:p="http://schemas.openxmlformats.org/presentationml/2006/main">
+  <p:cSld>
+    <p:spTree>
+      <p:nvGrpSpPr>
+        <p:cNvPr id="1" name=""/>
+        <p:cNvGrpSpPr/>
+        <p:nvPr/>
+      </p:nvGrpSpPr>
+      <p:grpSpPr>
+        <a:xfrm>
+          <a:off x="0" y="0"/>
+          <a:ext cx="0" cy="0"/>
+          <a:chOff x="0" y="0"/>
+          <a:chExt cx="0" cy="0"/>
+        </a:xfrm>
+      </p:grpSpPr>
+      <p:sp>
+        <p:nvSpPr>
+          <p:cNvPr id="2" name="Title 1">
+            <a:extLst>
+              <a:ext uri="{FF2B5EF4-FFF2-40B4-BE49-F238E27FC236}">
+                <a16:creationId xmlns:a16="http://schemas.microsoft.com/office/drawing/2014/main" id="{04DAFDD8-CF79-4C3F-8ED3-119BFF541681}"/>
+              </a:ext>
+            </a:extLst>
+          </p:cNvPr>
+          <p:cNvSpPr>
+            <a:spLocks noGrp="1"/>
+          </p:cNvSpPr>
+          <p:nvPr>
+            <p:ph type="title"/>
+          </p:nvPr>
+        </p:nvSpPr>
+        <p:spPr/>
+        <p:txBody>
+          <a:bodyPr/>
+          <a:lstStyle/>
+          <a:p>
+            <a:r>
+              <a:rPr lang="en-GB" sz="2000" dirty="0">
+                <a:latin typeface="Roboto Medium" panose="02000000000000000000" pitchFamily="2" charset="0"/>
+                <a:ea typeface="Roboto Medium" panose="02000000000000000000" pitchFamily="2" charset="0"/>
+              </a:rPr>
+              <a:t>Visualisation of Categorical Data</a:t>
+            </a:r>
+            <a:endParaRPr lang="en-SG" dirty="0"/>
+          </a:p>
+        </p:txBody>
+      </p:sp>
+      <p:sp>
+        <p:nvSpPr>
+          <p:cNvPr id="3" name="Content Placeholder 2">
+            <a:extLst>
+              <a:ext uri="{FF2B5EF4-FFF2-40B4-BE49-F238E27FC236}">
+                <a16:creationId xmlns:a16="http://schemas.microsoft.com/office/drawing/2014/main" id="{E91C1445-B257-4CAB-8952-51D2BCD62707}"/>
+              </a:ext>
+            </a:extLst>
+          </p:cNvPr>
+          <p:cNvSpPr>
+            <a:spLocks noGrp="1"/>
+          </p:cNvSpPr>
+          <p:nvPr>
+            <p:ph idx="10"/>
+          </p:nvPr>
+        </p:nvSpPr>
+        <p:spPr/>
+        <p:txBody>
+          <a:bodyPr/>
+          <a:lstStyle/>
+          <a:p>
+            <a:r>
+              <a:rPr lang="en-US" dirty="0"/>
+              <a:t>What is skewness?</a:t>
+            </a:r>
+            <a:endParaRPr lang="en-SG" dirty="0"/>
+          </a:p>
+        </p:txBody>
+      </p:sp>
+      <p:sp>
+        <p:nvSpPr>
+          <p:cNvPr id="6" name="Rectangle 5">
+            <a:extLst>
+              <a:ext uri="{FF2B5EF4-FFF2-40B4-BE49-F238E27FC236}">
+                <a16:creationId xmlns:a16="http://schemas.microsoft.com/office/drawing/2014/main" id="{15ED185C-1335-41A5-A68D-F9BA65F97718}"/>
+              </a:ext>
+            </a:extLst>
+          </p:cNvPr>
+          <p:cNvSpPr/>
+          <p:nvPr/>
+        </p:nvSpPr>
+        <p:spPr>
+          <a:xfrm>
+            <a:off x="5074782" y="1447007"/>
+            <a:ext cx="3749079" cy="2585323"/>
+          </a:xfrm>
+          <a:prstGeom prst="rect">
+            <a:avLst/>
+          </a:prstGeom>
+        </p:spPr>
+        <p:txBody>
+          <a:bodyPr wrap="square">
+            <a:spAutoFit/>
+          </a:bodyPr>
+          <a:lstStyle/>
+          <a:p>
+            <a:pPr algn="just"/>
+            <a:r>
+              <a:rPr lang="en-US" dirty="0"/>
+              <a:t>Measure of asymmetry that indicates whether the observations in a dataset are concentrated on one side </a:t>
+            </a:r>
+          </a:p>
+          <a:p>
+            <a:pPr marL="285750" indent="-285750" algn="just">
+              <a:buFont typeface="Arial" panose="020B0604020202020204" pitchFamily="34" charset="0"/>
+              <a:buChar char="•"/>
+            </a:pPr>
+            <a:r>
+              <a:rPr lang="en-US" dirty="0"/>
+              <a:t>Right (positive) skewness - outliers are to the right (long tail to the right)</a:t>
+            </a:r>
+          </a:p>
+          <a:p>
+            <a:pPr marL="285750" indent="-285750" algn="just">
+              <a:buFont typeface="Arial" panose="020B0604020202020204" pitchFamily="34" charset="0"/>
+              <a:buChar char="•"/>
+            </a:pPr>
+            <a:r>
+              <a:rPr lang="en-US" dirty="0"/>
+              <a:t>Left (negative) skewness - outliers are to the left</a:t>
+            </a:r>
+            <a:endParaRPr lang="en-SG" dirty="0"/>
+          </a:p>
+        </p:txBody>
+      </p:sp>
+      <p:pic>
+        <p:nvPicPr>
+          <p:cNvPr id="7" name="Picture 6">
+            <a:extLst>
+              <a:ext uri="{FF2B5EF4-FFF2-40B4-BE49-F238E27FC236}">
+                <a16:creationId xmlns:a16="http://schemas.microsoft.com/office/drawing/2014/main" id="{EB441FF7-D97F-4CF5-9A78-FE0C4B47EAE4}"/>
+              </a:ext>
+            </a:extLst>
+          </p:cNvPr>
+          <p:cNvPicPr>
+            <a:picLocks noChangeAspect="1"/>
+          </p:cNvPicPr>
+          <p:nvPr/>
+        </p:nvPicPr>
+        <p:blipFill>
+          <a:blip r:embed="rId2"/>
+          <a:stretch>
+            <a:fillRect/>
+          </a:stretch>
+        </p:blipFill>
+        <p:spPr>
+          <a:xfrm>
+            <a:off x="609037" y="1745474"/>
+            <a:ext cx="3968111" cy="2120887"/>
+          </a:xfrm>
+          <a:prstGeom prst="rect">
+            <a:avLst/>
+          </a:prstGeom>
+        </p:spPr>
+      </p:pic>
+    </p:spTree>
+    <p:extLst>
+      <p:ext uri="{BB962C8B-B14F-4D97-AF65-F5344CB8AC3E}">
+        <p14:creationId xmlns:p14="http://schemas.microsoft.com/office/powerpoint/2010/main" val="1845641290"/>
+      </p:ext>
+    </p:extLst>
+  </p:cSld>
+  <p:clrMapOvr>
+    <a:masterClrMapping/>
+  </p:clrMapOvr>
+</p:sld>
+</file>
+
+<file path=ppt/slides/slide12.xml><?xml version="1.0" encoding="utf-8"?>
+<p:sld xmlns:a="http://schemas.openxmlformats.org/drawingml/2006/main" xmlns:r="http://schemas.openxmlformats.org/officeDocument/2006/relationships" xmlns:p="http://schemas.openxmlformats.org/presentationml/2006/main">
+  <p:cSld>
+    <p:spTree>
+      <p:nvGrpSpPr>
+        <p:cNvPr id="1" name=""/>
+        <p:cNvGrpSpPr/>
+        <p:nvPr/>
+      </p:nvGrpSpPr>
+      <p:grpSpPr>
+        <a:xfrm>
+          <a:off x="0" y="0"/>
+          <a:ext cx="0" cy="0"/>
+          <a:chOff x="0" y="0"/>
+          <a:chExt cx="0" cy="0"/>
+        </a:xfrm>
+      </p:grpSpPr>
+      <p:sp>
+        <p:nvSpPr>
+          <p:cNvPr id="2" name="Title 1">
+            <a:extLst>
+              <a:ext uri="{FF2B5EF4-FFF2-40B4-BE49-F238E27FC236}">
+                <a16:creationId xmlns:a16="http://schemas.microsoft.com/office/drawing/2014/main" id="{2BE737BE-E08E-4B5C-90E5-46E18178EFFA}"/>
+              </a:ext>
+            </a:extLst>
+          </p:cNvPr>
+          <p:cNvSpPr>
+            <a:spLocks noGrp="1"/>
+          </p:cNvSpPr>
+          <p:nvPr>
+            <p:ph type="title"/>
+          </p:nvPr>
+        </p:nvSpPr>
+        <p:spPr/>
+        <p:txBody>
+          <a:bodyPr/>
+          <a:lstStyle/>
+          <a:p>
+            <a:r>
               <a:rPr lang="en-GB" sz="2400" dirty="0">
                 <a:latin typeface="Roboto Medium" panose="02000000000000000000" pitchFamily="2" charset="0"/>
                 <a:ea typeface="Roboto Medium" panose="02000000000000000000" pitchFamily="2" charset="0"/>
@@ -25444,7 +26230,7 @@
           <p:cNvPr id="5" name="Picture 4">
             <a:extLst>
               <a:ext uri="{FF2B5EF4-FFF2-40B4-BE49-F238E27FC236}">
-                <a16:creationId xmlns:a16="http://schemas.microsoft.com/office/drawing/2014/main" xmlns="" id="{1DA0F86E-6E1D-4CC7-A906-652C813E7806}"/>
+                <a16:creationId xmlns:a16="http://schemas.microsoft.com/office/drawing/2014/main" id="{1DA0F86E-6E1D-4CC7-A906-652C813E7806}"/>
               </a:ext>
             </a:extLst>
           </p:cNvPr>
@@ -25474,7 +26260,7 @@
           <p:cNvPr id="6" name="Rectangle 5">
             <a:extLst>
               <a:ext uri="{FF2B5EF4-FFF2-40B4-BE49-F238E27FC236}">
-                <a16:creationId xmlns:a16="http://schemas.microsoft.com/office/drawing/2014/main" xmlns="" id="{3A2ABF20-24D7-4527-8084-5C7B54C35595}"/>
+                <a16:creationId xmlns:a16="http://schemas.microsoft.com/office/drawing/2014/main" id="{3A2ABF20-24D7-4527-8084-5C7B54C35595}"/>
               </a:ext>
             </a:extLst>
           </p:cNvPr>
@@ -25538,7 +26324,7 @@
           <p:cNvPr id="7" name="Rectangle 6">
             <a:extLst>
               <a:ext uri="{FF2B5EF4-FFF2-40B4-BE49-F238E27FC236}">
-                <a16:creationId xmlns:a16="http://schemas.microsoft.com/office/drawing/2014/main" xmlns="" id="{3B15F607-0F29-41C4-9C44-81A809061F7D}"/>
+                <a16:creationId xmlns:a16="http://schemas.microsoft.com/office/drawing/2014/main" id="{3B15F607-0F29-41C4-9C44-81A809061F7D}"/>
               </a:ext>
             </a:extLst>
           </p:cNvPr>
@@ -25602,7 +26388,7 @@
           <p:cNvPr id="8" name="Rectangle 7">
             <a:extLst>
               <a:ext uri="{FF2B5EF4-FFF2-40B4-BE49-F238E27FC236}">
-                <a16:creationId xmlns:a16="http://schemas.microsoft.com/office/drawing/2014/main" xmlns="" id="{44FAFE01-1F52-4962-9E36-9039A1BC5706}"/>
+                <a16:creationId xmlns:a16="http://schemas.microsoft.com/office/drawing/2014/main" id="{44FAFE01-1F52-4962-9E36-9039A1BC5706}"/>
               </a:ext>
             </a:extLst>
           </p:cNvPr>
@@ -25674,7 +26460,7 @@
 </p:sld>
 </file>
 
-<file path=ppt/slides/slide11.xml><?xml version="1.0" encoding="utf-8"?>
+<file path=ppt/slides/slide13.xml><?xml version="1.0" encoding="utf-8"?>
 <p:sld xmlns:a="http://schemas.openxmlformats.org/drawingml/2006/main" xmlns:r="http://schemas.openxmlformats.org/officeDocument/2006/relationships" xmlns:p="http://schemas.openxmlformats.org/presentationml/2006/main">
   <p:cSld>
     <p:spTree>
@@ -25696,7 +26482,7 @@
           <p:cNvPr id="6" name="Rectangle 5">
             <a:extLst>
               <a:ext uri="{FF2B5EF4-FFF2-40B4-BE49-F238E27FC236}">
-                <a16:creationId xmlns:a16="http://schemas.microsoft.com/office/drawing/2014/main" xmlns="" id="{22044682-8B78-4820-BAFF-C213981CB629}"/>
+                <a16:creationId xmlns:a16="http://schemas.microsoft.com/office/drawing/2014/main" id="{22044682-8B78-4820-BAFF-C213981CB629}"/>
               </a:ext>
             </a:extLst>
           </p:cNvPr>
@@ -25832,7 +26618,7 @@
           <p:cNvPr id="5" name="Rectangle 4">
             <a:extLst>
               <a:ext uri="{FF2B5EF4-FFF2-40B4-BE49-F238E27FC236}">
-                <a16:creationId xmlns:a16="http://schemas.microsoft.com/office/drawing/2014/main" xmlns="" id="{60593F36-5B7E-0E48-8D3D-4EE9FBB109DE}"/>
+                <a16:creationId xmlns:a16="http://schemas.microsoft.com/office/drawing/2014/main" id="{60593F36-5B7E-0E48-8D3D-4EE9FBB109DE}"/>
               </a:ext>
             </a:extLst>
           </p:cNvPr>
@@ -25878,7 +26664,7 @@
           <p:cNvPr id="8" name="Picture 7">
             <a:extLst>
               <a:ext uri="{FF2B5EF4-FFF2-40B4-BE49-F238E27FC236}">
-                <a16:creationId xmlns:a16="http://schemas.microsoft.com/office/drawing/2014/main" xmlns="" id="{CF8F7B42-792C-448E-A2F1-82EE8F246E80}"/>
+                <a16:creationId xmlns:a16="http://schemas.microsoft.com/office/drawing/2014/main" id="{CF8F7B42-792C-448E-A2F1-82EE8F246E80}"/>
               </a:ext>
             </a:extLst>
           </p:cNvPr>
@@ -25916,7 +26702,7 @@
 </p:sld>
 </file>
 
-<file path=ppt/slides/slide12.xml><?xml version="1.0" encoding="utf-8"?>
+<file path=ppt/slides/slide14.xml><?xml version="1.0" encoding="utf-8"?>
 <p:sld xmlns:a="http://schemas.openxmlformats.org/drawingml/2006/main" xmlns:r="http://schemas.openxmlformats.org/officeDocument/2006/relationships" xmlns:p="http://schemas.openxmlformats.org/presentationml/2006/main">
   <p:cSld>
     <p:spTree>
@@ -25993,7 +26779,7 @@
           <p:cNvPr id="5" name="Rectangle 4">
             <a:extLst>
               <a:ext uri="{FF2B5EF4-FFF2-40B4-BE49-F238E27FC236}">
-                <a16:creationId xmlns:a16="http://schemas.microsoft.com/office/drawing/2014/main" xmlns="" id="{60593F36-5B7E-0E48-8D3D-4EE9FBB109DE}"/>
+                <a16:creationId xmlns:a16="http://schemas.microsoft.com/office/drawing/2014/main" id="{60593F36-5B7E-0E48-8D3D-4EE9FBB109DE}"/>
               </a:ext>
             </a:extLst>
           </p:cNvPr>
@@ -26039,7 +26825,7 @@
           <p:cNvPr id="8" name="Picture 7">
             <a:extLst>
               <a:ext uri="{FF2B5EF4-FFF2-40B4-BE49-F238E27FC236}">
-                <a16:creationId xmlns:a16="http://schemas.microsoft.com/office/drawing/2014/main" xmlns="" id="{0ED3E06B-5870-4139-B70A-D42FBF73E0A7}"/>
+                <a16:creationId xmlns:a16="http://schemas.microsoft.com/office/drawing/2014/main" id="{0ED3E06B-5870-4139-B70A-D42FBF73E0A7}"/>
               </a:ext>
             </a:extLst>
           </p:cNvPr>
@@ -26069,7 +26855,7 @@
           <p:cNvPr id="6" name="Rectangle 5">
             <a:extLst>
               <a:ext uri="{FF2B5EF4-FFF2-40B4-BE49-F238E27FC236}">
-                <a16:creationId xmlns:a16="http://schemas.microsoft.com/office/drawing/2014/main" xmlns="" id="{4990FA4D-D9E6-4B14-84A2-D02EAFF6A176}"/>
+                <a16:creationId xmlns:a16="http://schemas.microsoft.com/office/drawing/2014/main" id="{4990FA4D-D9E6-4B14-84A2-D02EAFF6A176}"/>
               </a:ext>
             </a:extLst>
           </p:cNvPr>
@@ -26175,7 +26961,7 @@
 </p:sld>
 </file>
 
-<file path=ppt/slides/slide13.xml><?xml version="1.0" encoding="utf-8"?>
+<file path=ppt/slides/slide15.xml><?xml version="1.0" encoding="utf-8"?>
 <p:sld xmlns:a="http://schemas.openxmlformats.org/drawingml/2006/main" xmlns:r="http://schemas.openxmlformats.org/officeDocument/2006/relationships" xmlns:p="http://schemas.openxmlformats.org/presentationml/2006/main">
   <p:cSld>
     <p:spTree>
@@ -26252,7 +27038,7 @@
           <p:cNvPr id="5" name="Rectangle 4">
             <a:extLst>
               <a:ext uri="{FF2B5EF4-FFF2-40B4-BE49-F238E27FC236}">
-                <a16:creationId xmlns:a16="http://schemas.microsoft.com/office/drawing/2014/main" xmlns="" id="{60593F36-5B7E-0E48-8D3D-4EE9FBB109DE}"/>
+                <a16:creationId xmlns:a16="http://schemas.microsoft.com/office/drawing/2014/main" id="{60593F36-5B7E-0E48-8D3D-4EE9FBB109DE}"/>
               </a:ext>
             </a:extLst>
           </p:cNvPr>
@@ -26298,7 +27084,7 @@
           <p:cNvPr id="7" name="Picture 6">
             <a:extLst>
               <a:ext uri="{FF2B5EF4-FFF2-40B4-BE49-F238E27FC236}">
-                <a16:creationId xmlns:a16="http://schemas.microsoft.com/office/drawing/2014/main" xmlns="" id="{EB5B7646-B1C2-4FC6-96D5-F9C5274079BA}"/>
+                <a16:creationId xmlns:a16="http://schemas.microsoft.com/office/drawing/2014/main" id="{EB5B7646-B1C2-4FC6-96D5-F9C5274079BA}"/>
               </a:ext>
             </a:extLst>
           </p:cNvPr>
@@ -26328,7 +27114,7 @@
           <p:cNvPr id="6" name="Rectangle 5">
             <a:extLst>
               <a:ext uri="{FF2B5EF4-FFF2-40B4-BE49-F238E27FC236}">
-                <a16:creationId xmlns:a16="http://schemas.microsoft.com/office/drawing/2014/main" xmlns="" id="{7DFDEE41-549F-4DE5-9FCD-C789AABCBA01}"/>
+                <a16:creationId xmlns:a16="http://schemas.microsoft.com/office/drawing/2014/main" id="{7DFDEE41-549F-4DE5-9FCD-C789AABCBA01}"/>
               </a:ext>
             </a:extLst>
           </p:cNvPr>
@@ -26414,7 +27200,7 @@
 </p:sld>
 </file>
 
-<file path=ppt/slides/slide14.xml><?xml version="1.0" encoding="utf-8"?>
+<file path=ppt/slides/slide16.xml><?xml version="1.0" encoding="utf-8"?>
 <p:sld xmlns:a="http://schemas.openxmlformats.org/drawingml/2006/main" xmlns:r="http://schemas.openxmlformats.org/officeDocument/2006/relationships" xmlns:p="http://schemas.openxmlformats.org/presentationml/2006/main">
   <p:cSld>
     <p:spTree>
@@ -26491,7 +27277,7 @@
           <p:cNvPr id="5" name="Rectangle 4">
             <a:extLst>
               <a:ext uri="{FF2B5EF4-FFF2-40B4-BE49-F238E27FC236}">
-                <a16:creationId xmlns:a16="http://schemas.microsoft.com/office/drawing/2014/main" xmlns="" id="{60593F36-5B7E-0E48-8D3D-4EE9FBB109DE}"/>
+                <a16:creationId xmlns:a16="http://schemas.microsoft.com/office/drawing/2014/main" id="{60593F36-5B7E-0E48-8D3D-4EE9FBB109DE}"/>
               </a:ext>
             </a:extLst>
           </p:cNvPr>
@@ -26537,7 +27323,7 @@
           <p:cNvPr id="7" name="Content Placeholder 6" descr="A screenshot of a cell phone&#10;&#10;Description automatically generated">
             <a:extLst>
               <a:ext uri="{FF2B5EF4-FFF2-40B4-BE49-F238E27FC236}">
-                <a16:creationId xmlns:a16="http://schemas.microsoft.com/office/drawing/2014/main" xmlns="" id="{4B499511-4D75-5941-B58A-156772F4F47E}"/>
+                <a16:creationId xmlns:a16="http://schemas.microsoft.com/office/drawing/2014/main" id="{4B499511-4D75-5941-B58A-156772F4F47E}"/>
               </a:ext>
             </a:extLst>
           </p:cNvPr>
@@ -26573,7 +27359,7 @@
           <p:cNvPr id="6" name="Rectangle 5">
             <a:extLst>
               <a:ext uri="{FF2B5EF4-FFF2-40B4-BE49-F238E27FC236}">
-                <a16:creationId xmlns:a16="http://schemas.microsoft.com/office/drawing/2014/main" xmlns="" id="{0B1D510B-F8A7-48AD-8C02-D97E6907520C}"/>
+                <a16:creationId xmlns:a16="http://schemas.microsoft.com/office/drawing/2014/main" id="{0B1D510B-F8A7-48AD-8C02-D97E6907520C}"/>
               </a:ext>
             </a:extLst>
           </p:cNvPr>
@@ -26659,7 +27445,7 @@
 </p:sld>
 </file>
 
-<file path=ppt/slides/slide15.xml><?xml version="1.0" encoding="utf-8"?>
+<file path=ppt/slides/slide17.xml><?xml version="1.0" encoding="utf-8"?>
 <p:sld xmlns:a="http://schemas.openxmlformats.org/drawingml/2006/main" xmlns:r="http://schemas.openxmlformats.org/officeDocument/2006/relationships" xmlns:p="http://schemas.openxmlformats.org/presentationml/2006/main">
   <p:cSld>
     <p:spTree>
@@ -26736,7 +27522,7 @@
           <p:cNvPr id="5" name="Rectangle 4">
             <a:extLst>
               <a:ext uri="{FF2B5EF4-FFF2-40B4-BE49-F238E27FC236}">
-                <a16:creationId xmlns:a16="http://schemas.microsoft.com/office/drawing/2014/main" xmlns="" id="{60593F36-5B7E-0E48-8D3D-4EE9FBB109DE}"/>
+                <a16:creationId xmlns:a16="http://schemas.microsoft.com/office/drawing/2014/main" id="{60593F36-5B7E-0E48-8D3D-4EE9FBB109DE}"/>
               </a:ext>
             </a:extLst>
           </p:cNvPr>
@@ -26782,7 +27568,7 @@
           <p:cNvPr id="8" name="Picture 7">
             <a:extLst>
               <a:ext uri="{FF2B5EF4-FFF2-40B4-BE49-F238E27FC236}">
-                <a16:creationId xmlns:a16="http://schemas.microsoft.com/office/drawing/2014/main" xmlns="" id="{B00E6779-8F5C-47E9-904F-FF5AE226421C}"/>
+                <a16:creationId xmlns:a16="http://schemas.microsoft.com/office/drawing/2014/main" id="{B00E6779-8F5C-47E9-904F-FF5AE226421C}"/>
               </a:ext>
             </a:extLst>
           </p:cNvPr>
@@ -26812,7 +27598,7 @@
           <p:cNvPr id="6" name="Rectangle 5">
             <a:extLst>
               <a:ext uri="{FF2B5EF4-FFF2-40B4-BE49-F238E27FC236}">
-                <a16:creationId xmlns:a16="http://schemas.microsoft.com/office/drawing/2014/main" xmlns="" id="{40A287A9-AE22-41EE-BD88-3827EE49C917}"/>
+                <a16:creationId xmlns:a16="http://schemas.microsoft.com/office/drawing/2014/main" id="{40A287A9-AE22-41EE-BD88-3827EE49C917}"/>
               </a:ext>
             </a:extLst>
           </p:cNvPr>
@@ -26879,7 +27665,7 @@
 </p:sld>
 </file>
 
-<file path=ppt/slides/slide16.xml><?xml version="1.0" encoding="utf-8"?>
+<file path=ppt/slides/slide18.xml><?xml version="1.0" encoding="utf-8"?>
 <p:sld xmlns:a="http://schemas.openxmlformats.org/drawingml/2006/main" xmlns:r="http://schemas.openxmlformats.org/officeDocument/2006/relationships" xmlns:p="http://schemas.openxmlformats.org/presentationml/2006/main">
   <p:cSld>
     <p:spTree>
@@ -26956,7 +27742,7 @@
           <p:cNvPr id="5" name="Rectangle 4">
             <a:extLst>
               <a:ext uri="{FF2B5EF4-FFF2-40B4-BE49-F238E27FC236}">
-                <a16:creationId xmlns:a16="http://schemas.microsoft.com/office/drawing/2014/main" xmlns="" id="{60593F36-5B7E-0E48-8D3D-4EE9FBB109DE}"/>
+                <a16:creationId xmlns:a16="http://schemas.microsoft.com/office/drawing/2014/main" id="{60593F36-5B7E-0E48-8D3D-4EE9FBB109DE}"/>
               </a:ext>
             </a:extLst>
           </p:cNvPr>
@@ -27002,7 +27788,7 @@
           <p:cNvPr id="8" name="Picture 7">
             <a:extLst>
               <a:ext uri="{FF2B5EF4-FFF2-40B4-BE49-F238E27FC236}">
-                <a16:creationId xmlns:a16="http://schemas.microsoft.com/office/drawing/2014/main" xmlns="" id="{8040E8B3-1E47-4715-9C10-F1017D40F5C2}"/>
+                <a16:creationId xmlns:a16="http://schemas.microsoft.com/office/drawing/2014/main" id="{8040E8B3-1E47-4715-9C10-F1017D40F5C2}"/>
               </a:ext>
             </a:extLst>
           </p:cNvPr>
@@ -27032,7 +27818,7 @@
           <p:cNvPr id="6" name="Rectangle 5">
             <a:extLst>
               <a:ext uri="{FF2B5EF4-FFF2-40B4-BE49-F238E27FC236}">
-                <a16:creationId xmlns:a16="http://schemas.microsoft.com/office/drawing/2014/main" xmlns="" id="{6B7A813A-E9B9-4EAD-97F5-CAB54D44F02D}"/>
+                <a16:creationId xmlns:a16="http://schemas.microsoft.com/office/drawing/2014/main" id="{6B7A813A-E9B9-4EAD-97F5-CAB54D44F02D}"/>
               </a:ext>
             </a:extLst>
           </p:cNvPr>
@@ -27107,7 +27893,7 @@
 </p:sld>
 </file>
 
-<file path=ppt/slides/slide17.xml><?xml version="1.0" encoding="utf-8"?>
+<file path=ppt/slides/slide19.xml><?xml version="1.0" encoding="utf-8"?>
 <p:sld xmlns:a="http://schemas.openxmlformats.org/drawingml/2006/main" xmlns:r="http://schemas.openxmlformats.org/officeDocument/2006/relationships" xmlns:p="http://schemas.openxmlformats.org/presentationml/2006/main">
   <p:cSld>
     <p:spTree>
@@ -27199,479 +27985,6 @@
     <p:extLst>
       <p:ext uri="{BB962C8B-B14F-4D97-AF65-F5344CB8AC3E}">
         <p14:creationId xmlns:p14="http://schemas.microsoft.com/office/powerpoint/2010/main" val="3467397809"/>
-      </p:ext>
-    </p:extLst>
-  </p:cSld>
-  <p:clrMapOvr>
-    <a:masterClrMapping/>
-  </p:clrMapOvr>
-</p:sld>
-</file>
-
-<file path=ppt/slides/slide18.xml><?xml version="1.0" encoding="utf-8"?>
-<p:sld xmlns:a="http://schemas.openxmlformats.org/drawingml/2006/main" xmlns:r="http://schemas.openxmlformats.org/officeDocument/2006/relationships" xmlns:p="http://schemas.openxmlformats.org/presentationml/2006/main">
-  <p:cSld>
-    <p:spTree>
-      <p:nvGrpSpPr>
-        <p:cNvPr id="1" name=""/>
-        <p:cNvGrpSpPr/>
-        <p:nvPr/>
-      </p:nvGrpSpPr>
-      <p:grpSpPr>
-        <a:xfrm>
-          <a:off x="0" y="0"/>
-          <a:ext cx="0" cy="0"/>
-          <a:chOff x="0" y="0"/>
-          <a:chExt cx="0" cy="0"/>
-        </a:xfrm>
-      </p:grpSpPr>
-      <p:sp>
-        <p:nvSpPr>
-          <p:cNvPr id="2" name="Title 1"/>
-          <p:cNvSpPr>
-            <a:spLocks noGrp="1"/>
-          </p:cNvSpPr>
-          <p:nvPr>
-            <p:ph type="title"/>
-          </p:nvPr>
-        </p:nvSpPr>
-        <p:spPr/>
-        <p:txBody>
-          <a:bodyPr anchor="b" anchorCtr="0"/>
-          <a:lstStyle/>
-          <a:p>
-            <a:r>
-              <a:rPr lang="en-GB" sz="3200" dirty="0">
-                <a:latin typeface="Roboto Medium" panose="02000000000000000000" pitchFamily="2" charset="0"/>
-                <a:ea typeface="Roboto Medium" panose="02000000000000000000" pitchFamily="2" charset="0"/>
-              </a:rPr>
-              <a:t>Visualisation of Time Series Data</a:t>
-            </a:r>
-          </a:p>
-        </p:txBody>
-      </p:sp>
-      <p:sp>
-        <p:nvSpPr>
-          <p:cNvPr id="3" name="Content Placeholder 2"/>
-          <p:cNvSpPr>
-            <a:spLocks noGrp="1"/>
-          </p:cNvSpPr>
-          <p:nvPr>
-            <p:ph idx="10"/>
-          </p:nvPr>
-        </p:nvSpPr>
-        <p:spPr>
-          <a:xfrm>
-            <a:off x="260213" y="1277137"/>
-            <a:ext cx="8563648" cy="412869"/>
-          </a:xfrm>
-        </p:spPr>
-        <p:txBody>
-          <a:bodyPr/>
-          <a:lstStyle/>
-          <a:p>
-            <a:r>
-              <a:rPr lang="en-GB" sz="1800" i="1" dirty="0">
-                <a:latin typeface="Roboto Medium" panose="02000000000000000000" pitchFamily="2" charset="0"/>
-                <a:ea typeface="Roboto Medium" panose="02000000000000000000" pitchFamily="2" charset="0"/>
-              </a:rPr>
-              <a:t>Discrete (bucketed) time series data</a:t>
-            </a:r>
-          </a:p>
-        </p:txBody>
-      </p:sp>
-      <p:sp>
-        <p:nvSpPr>
-          <p:cNvPr id="4" name="Content Placeholder 3"/>
-          <p:cNvSpPr>
-            <a:spLocks noGrp="1"/>
-          </p:cNvSpPr>
-          <p:nvPr>
-            <p:ph idx="1"/>
-          </p:nvPr>
-        </p:nvSpPr>
-        <p:spPr/>
-        <p:txBody>
-          <a:bodyPr>
-            <a:noAutofit/>
-          </a:bodyPr>
-          <a:lstStyle/>
-          <a:p>
-            <a:pPr marL="177800" indent="-177800">
-              <a:spcBef>
-                <a:spcPts val="0"/>
-              </a:spcBef>
-              <a:spcAft>
-                <a:spcPts val="1200"/>
-              </a:spcAft>
-              <a:buClr>
-                <a:srgbClr val="CE0000"/>
-              </a:buClr>
-              <a:buFont typeface="System Font Regular"/>
-              <a:buChar char="‣"/>
-            </a:pPr>
-            <a:r>
-              <a:rPr lang="en-GB" sz="1800" dirty="0">
-                <a:latin typeface="Roboto Light" panose="02000000000000000000" pitchFamily="2" charset="0"/>
-                <a:ea typeface="Roboto Light" panose="02000000000000000000" pitchFamily="2" charset="0"/>
-              </a:rPr>
-              <a:t>Discrete time series data values are from specific points or blocks of time, and there is a finite number of possible values</a:t>
-            </a:r>
-          </a:p>
-          <a:p>
-            <a:pPr marL="177800" indent="-177800">
-              <a:spcBef>
-                <a:spcPts val="0"/>
-              </a:spcBef>
-              <a:spcAft>
-                <a:spcPts val="1200"/>
-              </a:spcAft>
-              <a:buClr>
-                <a:srgbClr val="CE0000"/>
-              </a:buClr>
-              <a:buFont typeface="System Font Regular"/>
-              <a:buChar char="‣"/>
-            </a:pPr>
-            <a:r>
-              <a:rPr lang="en-GB" sz="1800" dirty="0">
-                <a:latin typeface="Roboto Light" panose="02000000000000000000" pitchFamily="2" charset="0"/>
-                <a:ea typeface="Roboto Light" panose="02000000000000000000" pitchFamily="2" charset="0"/>
-              </a:rPr>
-              <a:t>A </a:t>
-            </a:r>
-            <a:r>
-              <a:rPr lang="en-GB" sz="1800" b="1" dirty="0">
-                <a:latin typeface="Roboto Light" panose="02000000000000000000" pitchFamily="2" charset="0"/>
-                <a:ea typeface="Roboto Light" panose="02000000000000000000" pitchFamily="2" charset="0"/>
-              </a:rPr>
-              <a:t>line chart</a:t>
-            </a:r>
-            <a:r>
-              <a:rPr lang="en-GB" sz="1800" dirty="0">
-                <a:latin typeface="Roboto Light" panose="02000000000000000000" pitchFamily="2" charset="0"/>
-                <a:ea typeface="Roboto Light" panose="02000000000000000000" pitchFamily="2" charset="0"/>
-              </a:rPr>
-              <a:t> is the most effective way to display time series data. A line chart for discrete time series data places breaks between time units like year, quarter, month and day</a:t>
-            </a:r>
-          </a:p>
-          <a:p>
-            <a:pPr marL="177800" indent="-177800">
-              <a:spcBef>
-                <a:spcPts val="0"/>
-              </a:spcBef>
-              <a:spcAft>
-                <a:spcPts val="1200"/>
-              </a:spcAft>
-              <a:buClr>
-                <a:srgbClr val="CE0000"/>
-              </a:buClr>
-              <a:buFont typeface="System Font Regular"/>
-              <a:buChar char="‣"/>
-            </a:pPr>
-            <a:r>
-              <a:rPr lang="en-GB" sz="1800" dirty="0">
-                <a:latin typeface="Roboto Light" panose="02000000000000000000" pitchFamily="2" charset="0"/>
-                <a:ea typeface="Roboto Light" panose="02000000000000000000" pitchFamily="2" charset="0"/>
-              </a:rPr>
-              <a:t>Bar, stacked bar charts, and scatterplots can also be used to display time series data</a:t>
-            </a:r>
-          </a:p>
-        </p:txBody>
-      </p:sp>
-      <p:sp>
-        <p:nvSpPr>
-          <p:cNvPr id="5" name="Rectangle 4">
-            <a:extLst>
-              <a:ext uri="{FF2B5EF4-FFF2-40B4-BE49-F238E27FC236}">
-                <a16:creationId xmlns:a16="http://schemas.microsoft.com/office/drawing/2014/main" xmlns="" id="{17616776-F361-43F8-AC65-BB21469EEEA5}"/>
-              </a:ext>
-            </a:extLst>
-          </p:cNvPr>
-          <p:cNvSpPr/>
-          <p:nvPr/>
-        </p:nvSpPr>
-        <p:spPr>
-          <a:xfrm>
-            <a:off x="1737375" y="4051052"/>
-            <a:ext cx="6744225" cy="957563"/>
-          </a:xfrm>
-          <a:prstGeom prst="rect">
-            <a:avLst/>
-          </a:prstGeom>
-          <a:solidFill>
-            <a:schemeClr val="bg1"/>
-          </a:solidFill>
-        </p:spPr>
-        <p:style>
-          <a:lnRef idx="1">
-            <a:schemeClr val="accent1"/>
-          </a:lnRef>
-          <a:fillRef idx="3">
-            <a:schemeClr val="accent1"/>
-          </a:fillRef>
-          <a:effectRef idx="2">
-            <a:schemeClr val="accent1"/>
-          </a:effectRef>
-          <a:fontRef idx="minor">
-            <a:schemeClr val="lt1"/>
-          </a:fontRef>
-        </p:style>
-        <p:txBody>
-          <a:bodyPr rot="0" spcFirstLastPara="0" vertOverflow="overflow" horzOverflow="overflow" vert="horz" wrap="square" lIns="91440" tIns="45720" rIns="91440" bIns="45720" numCol="1" spcCol="0" rtlCol="0" fromWordArt="0" anchor="ctr" anchorCtr="0" forceAA="0" compatLnSpc="1">
-            <a:prstTxWarp prst="textNoShape">
-              <a:avLst/>
-            </a:prstTxWarp>
-            <a:noAutofit/>
-          </a:bodyPr>
-          <a:lstStyle/>
-          <a:p>
-            <a:pPr algn="just"/>
-            <a:r>
-              <a:rPr lang="en-US" sz="1200" dirty="0">
-                <a:solidFill>
-                  <a:srgbClr val="6600FF"/>
-                </a:solidFill>
-              </a:rPr>
-              <a:t>The power of “Time Series Analysis” lies in looking for trends in temporal data and forecasting i.e., based on what I see in the past, can I predict the future? Is this pattern seasonal/cyclical? </a:t>
-            </a:r>
-          </a:p>
-          <a:p>
-            <a:pPr algn="just"/>
-            <a:endParaRPr lang="en-US" sz="1200" dirty="0">
-              <a:solidFill>
-                <a:srgbClr val="6600FF"/>
-              </a:solidFill>
-            </a:endParaRPr>
-          </a:p>
-          <a:p>
-            <a:pPr algn="just"/>
-            <a:r>
-              <a:rPr lang="en-US" sz="1200" dirty="0">
-                <a:solidFill>
-                  <a:srgbClr val="6600FF"/>
-                </a:solidFill>
-              </a:rPr>
-              <a:t>A whole picture view is more important than the individual data points</a:t>
-            </a:r>
-          </a:p>
-        </p:txBody>
-      </p:sp>
-    </p:spTree>
-    <p:extLst>
-      <p:ext uri="{BB962C8B-B14F-4D97-AF65-F5344CB8AC3E}">
-        <p14:creationId xmlns:p14="http://schemas.microsoft.com/office/powerpoint/2010/main" val="2787905611"/>
-      </p:ext>
-    </p:extLst>
-  </p:cSld>
-  <p:clrMapOvr>
-    <a:masterClrMapping/>
-  </p:clrMapOvr>
-</p:sld>
-</file>
-
-<file path=ppt/slides/slide19.xml><?xml version="1.0" encoding="utf-8"?>
-<p:sld xmlns:a="http://schemas.openxmlformats.org/drawingml/2006/main" xmlns:r="http://schemas.openxmlformats.org/officeDocument/2006/relationships" xmlns:p="http://schemas.openxmlformats.org/presentationml/2006/main">
-  <p:cSld>
-    <p:spTree>
-      <p:nvGrpSpPr>
-        <p:cNvPr id="1" name=""/>
-        <p:cNvGrpSpPr/>
-        <p:nvPr/>
-      </p:nvGrpSpPr>
-      <p:grpSpPr>
-        <a:xfrm>
-          <a:off x="0" y="0"/>
-          <a:ext cx="0" cy="0"/>
-          <a:chOff x="0" y="0"/>
-          <a:chExt cx="0" cy="0"/>
-        </a:xfrm>
-      </p:grpSpPr>
-      <p:sp>
-        <p:nvSpPr>
-          <p:cNvPr id="2" name="Title 1"/>
-          <p:cNvSpPr>
-            <a:spLocks noGrp="1"/>
-          </p:cNvSpPr>
-          <p:nvPr>
-            <p:ph type="title"/>
-          </p:nvPr>
-        </p:nvSpPr>
-        <p:spPr/>
-        <p:txBody>
-          <a:bodyPr anchor="b" anchorCtr="0"/>
-          <a:lstStyle/>
-          <a:p>
-            <a:r>
-              <a:rPr lang="en-GB" sz="3200" dirty="0">
-                <a:latin typeface="Roboto Medium" panose="02000000000000000000" pitchFamily="2" charset="0"/>
-                <a:ea typeface="Roboto Medium" panose="02000000000000000000" pitchFamily="2" charset="0"/>
-              </a:rPr>
-              <a:t>Visualisation of Time Series Data</a:t>
-            </a:r>
-          </a:p>
-        </p:txBody>
-      </p:sp>
-      <p:sp>
-        <p:nvSpPr>
-          <p:cNvPr id="3" name="Content Placeholder 2"/>
-          <p:cNvSpPr>
-            <a:spLocks noGrp="1"/>
-          </p:cNvSpPr>
-          <p:nvPr>
-            <p:ph idx="10"/>
-          </p:nvPr>
-        </p:nvSpPr>
-        <p:spPr>
-          <a:xfrm>
-            <a:off x="260213" y="1277137"/>
-            <a:ext cx="8563648" cy="412869"/>
-          </a:xfrm>
-        </p:spPr>
-        <p:txBody>
-          <a:bodyPr/>
-          <a:lstStyle/>
-          <a:p>
-            <a:r>
-              <a:rPr lang="en-GB" sz="1800" i="1" dirty="0">
-                <a:latin typeface="Roboto Medium" panose="02000000000000000000" pitchFamily="2" charset="0"/>
-                <a:ea typeface="Roboto Medium" panose="02000000000000000000" pitchFamily="2" charset="0"/>
-              </a:rPr>
-              <a:t>Continuous (unbroken) time series data</a:t>
-            </a:r>
-          </a:p>
-        </p:txBody>
-      </p:sp>
-      <p:sp>
-        <p:nvSpPr>
-          <p:cNvPr id="4" name="Content Placeholder 3"/>
-          <p:cNvSpPr>
-            <a:spLocks noGrp="1"/>
-          </p:cNvSpPr>
-          <p:nvPr>
-            <p:ph idx="1"/>
-          </p:nvPr>
-        </p:nvSpPr>
-        <p:spPr/>
-        <p:txBody>
-          <a:bodyPr>
-            <a:noAutofit/>
-          </a:bodyPr>
-          <a:lstStyle/>
-          <a:p>
-            <a:pPr marL="177800" indent="-177800">
-              <a:spcBef>
-                <a:spcPts val="0"/>
-              </a:spcBef>
-              <a:spcAft>
-                <a:spcPts val="1200"/>
-              </a:spcAft>
-              <a:buClr>
-                <a:srgbClr val="CE0000"/>
-              </a:buClr>
-              <a:buFont typeface="System Font Regular"/>
-              <a:buChar char="‣"/>
-            </a:pPr>
-            <a:r>
-              <a:rPr lang="en-GB" sz="1800" dirty="0">
-                <a:latin typeface="Roboto Light" panose="02000000000000000000" pitchFamily="2" charset="0"/>
-                <a:ea typeface="Roboto Light" panose="02000000000000000000" pitchFamily="2" charset="0"/>
-              </a:rPr>
-              <a:t>Visualising continuous time series data is similar to visualising discrete time series data. We still have a discrete number of data points, even if the dataset is continuous</a:t>
-            </a:r>
-          </a:p>
-          <a:p>
-            <a:pPr marL="177800" indent="-177800">
-              <a:spcBef>
-                <a:spcPts val="0"/>
-              </a:spcBef>
-              <a:spcAft>
-                <a:spcPts val="1200"/>
-              </a:spcAft>
-              <a:buClr>
-                <a:srgbClr val="CE0000"/>
-              </a:buClr>
-              <a:buFont typeface="System Font Regular"/>
-              <a:buChar char="‣"/>
-            </a:pPr>
-            <a:r>
-              <a:rPr lang="en-GB" sz="1800" b="1" dirty="0">
-                <a:latin typeface="Roboto Light" panose="02000000000000000000" pitchFamily="2" charset="0"/>
-                <a:ea typeface="Roboto Light" panose="02000000000000000000" pitchFamily="2" charset="0"/>
-              </a:rPr>
-              <a:t>Line chart </a:t>
-            </a:r>
-            <a:r>
-              <a:rPr lang="en-GB" sz="1800" dirty="0">
-                <a:latin typeface="Roboto Light" panose="02000000000000000000" pitchFamily="2" charset="0"/>
-                <a:ea typeface="Roboto Light" panose="02000000000000000000" pitchFamily="2" charset="0"/>
-              </a:rPr>
-              <a:t>for continuous time series data is presented as unbroken lines</a:t>
-            </a:r>
-          </a:p>
-          <a:p>
-            <a:pPr marL="177800" indent="-177800">
-              <a:spcBef>
-                <a:spcPts val="0"/>
-              </a:spcBef>
-              <a:spcAft>
-                <a:spcPts val="1200"/>
-              </a:spcAft>
-              <a:buClr>
-                <a:srgbClr val="CE0000"/>
-              </a:buClr>
-              <a:buFont typeface="System Font Regular"/>
-              <a:buChar char="‣"/>
-            </a:pPr>
-            <a:r>
-              <a:rPr lang="en-GB" sz="1800" b="1" dirty="0">
-                <a:latin typeface="Roboto Light" panose="02000000000000000000" pitchFamily="2" charset="0"/>
-                <a:ea typeface="Roboto Light" panose="02000000000000000000" pitchFamily="2" charset="0"/>
-              </a:rPr>
-              <a:t>Step charts</a:t>
-            </a:r>
-            <a:r>
-              <a:rPr lang="en-GB" sz="1800" dirty="0">
-                <a:latin typeface="Roboto Light" panose="02000000000000000000" pitchFamily="2" charset="0"/>
-                <a:ea typeface="Roboto Light" panose="02000000000000000000" pitchFamily="2" charset="0"/>
-              </a:rPr>
-              <a:t> are appropriate if the measure stays at a value for a long time and all of a sudden declines or inclines</a:t>
-            </a:r>
-          </a:p>
-          <a:p>
-            <a:pPr marL="177800" indent="-177800">
-              <a:spcBef>
-                <a:spcPts val="0"/>
-              </a:spcBef>
-              <a:spcAft>
-                <a:spcPts val="1200"/>
-              </a:spcAft>
-              <a:buClr>
-                <a:srgbClr val="CE0000"/>
-              </a:buClr>
-              <a:buFont typeface="System Font Regular"/>
-              <a:buChar char="‣"/>
-            </a:pPr>
-            <a:r>
-              <a:rPr lang="en-GB" sz="1800" b="1" dirty="0">
-                <a:latin typeface="Roboto Light" panose="02000000000000000000" pitchFamily="2" charset="0"/>
-                <a:ea typeface="Roboto Light" panose="02000000000000000000" pitchFamily="2" charset="0"/>
-              </a:rPr>
-              <a:t>Trendlines </a:t>
-            </a:r>
-            <a:r>
-              <a:rPr lang="en-GB" sz="1800" dirty="0">
-                <a:latin typeface="Roboto Light" panose="02000000000000000000" pitchFamily="2" charset="0"/>
-                <a:ea typeface="Roboto Light" panose="02000000000000000000" pitchFamily="2" charset="0"/>
-              </a:rPr>
-              <a:t>are useful in the presence of noisy data or large amounts of data</a:t>
-            </a:r>
-          </a:p>
-        </p:txBody>
-      </p:sp>
-    </p:spTree>
-    <p:extLst>
-      <p:ext uri="{BB962C8B-B14F-4D97-AF65-F5344CB8AC3E}">
-        <p14:creationId xmlns:p14="http://schemas.microsoft.com/office/powerpoint/2010/main" val="1438888619"/>
       </p:ext>
     </p:extLst>
   </p:cSld>
@@ -28149,6 +28462,479 @@
                 <a:latin typeface="Roboto Medium" panose="02000000000000000000" pitchFamily="2" charset="0"/>
                 <a:ea typeface="Roboto Medium" panose="02000000000000000000" pitchFamily="2" charset="0"/>
               </a:rPr>
+              <a:t>Discrete (bucketed) time series data</a:t>
+            </a:r>
+          </a:p>
+        </p:txBody>
+      </p:sp>
+      <p:sp>
+        <p:nvSpPr>
+          <p:cNvPr id="4" name="Content Placeholder 3"/>
+          <p:cNvSpPr>
+            <a:spLocks noGrp="1"/>
+          </p:cNvSpPr>
+          <p:nvPr>
+            <p:ph idx="1"/>
+          </p:nvPr>
+        </p:nvSpPr>
+        <p:spPr/>
+        <p:txBody>
+          <a:bodyPr>
+            <a:noAutofit/>
+          </a:bodyPr>
+          <a:lstStyle/>
+          <a:p>
+            <a:pPr marL="177800" indent="-177800">
+              <a:spcBef>
+                <a:spcPts val="0"/>
+              </a:spcBef>
+              <a:spcAft>
+                <a:spcPts val="1200"/>
+              </a:spcAft>
+              <a:buClr>
+                <a:srgbClr val="CE0000"/>
+              </a:buClr>
+              <a:buFont typeface="System Font Regular"/>
+              <a:buChar char="‣"/>
+            </a:pPr>
+            <a:r>
+              <a:rPr lang="en-GB" sz="1800" dirty="0">
+                <a:latin typeface="Roboto Light" panose="02000000000000000000" pitchFamily="2" charset="0"/>
+                <a:ea typeface="Roboto Light" panose="02000000000000000000" pitchFamily="2" charset="0"/>
+              </a:rPr>
+              <a:t>Discrete time series data values are from specific points or blocks of time, and there is a finite number of possible values</a:t>
+            </a:r>
+          </a:p>
+          <a:p>
+            <a:pPr marL="177800" indent="-177800">
+              <a:spcBef>
+                <a:spcPts val="0"/>
+              </a:spcBef>
+              <a:spcAft>
+                <a:spcPts val="1200"/>
+              </a:spcAft>
+              <a:buClr>
+                <a:srgbClr val="CE0000"/>
+              </a:buClr>
+              <a:buFont typeface="System Font Regular"/>
+              <a:buChar char="‣"/>
+            </a:pPr>
+            <a:r>
+              <a:rPr lang="en-GB" sz="1800" dirty="0">
+                <a:latin typeface="Roboto Light" panose="02000000000000000000" pitchFamily="2" charset="0"/>
+                <a:ea typeface="Roboto Light" panose="02000000000000000000" pitchFamily="2" charset="0"/>
+              </a:rPr>
+              <a:t>A </a:t>
+            </a:r>
+            <a:r>
+              <a:rPr lang="en-GB" sz="1800" b="1" dirty="0">
+                <a:latin typeface="Roboto Light" panose="02000000000000000000" pitchFamily="2" charset="0"/>
+                <a:ea typeface="Roboto Light" panose="02000000000000000000" pitchFamily="2" charset="0"/>
+              </a:rPr>
+              <a:t>line chart</a:t>
+            </a:r>
+            <a:r>
+              <a:rPr lang="en-GB" sz="1800" dirty="0">
+                <a:latin typeface="Roboto Light" panose="02000000000000000000" pitchFamily="2" charset="0"/>
+                <a:ea typeface="Roboto Light" panose="02000000000000000000" pitchFamily="2" charset="0"/>
+              </a:rPr>
+              <a:t> is the most effective way to display time series data. A line chart for discrete time series data places breaks between time units like year, quarter, month and day</a:t>
+            </a:r>
+          </a:p>
+          <a:p>
+            <a:pPr marL="177800" indent="-177800">
+              <a:spcBef>
+                <a:spcPts val="0"/>
+              </a:spcBef>
+              <a:spcAft>
+                <a:spcPts val="1200"/>
+              </a:spcAft>
+              <a:buClr>
+                <a:srgbClr val="CE0000"/>
+              </a:buClr>
+              <a:buFont typeface="System Font Regular"/>
+              <a:buChar char="‣"/>
+            </a:pPr>
+            <a:r>
+              <a:rPr lang="en-GB" sz="1800" dirty="0">
+                <a:latin typeface="Roboto Light" panose="02000000000000000000" pitchFamily="2" charset="0"/>
+                <a:ea typeface="Roboto Light" panose="02000000000000000000" pitchFamily="2" charset="0"/>
+              </a:rPr>
+              <a:t>Bar, stacked bar charts, and scatterplots can also be used to display time series data</a:t>
+            </a:r>
+          </a:p>
+        </p:txBody>
+      </p:sp>
+      <p:sp>
+        <p:nvSpPr>
+          <p:cNvPr id="5" name="Rectangle 4">
+            <a:extLst>
+              <a:ext uri="{FF2B5EF4-FFF2-40B4-BE49-F238E27FC236}">
+                <a16:creationId xmlns:a16="http://schemas.microsoft.com/office/drawing/2014/main" id="{17616776-F361-43F8-AC65-BB21469EEEA5}"/>
+              </a:ext>
+            </a:extLst>
+          </p:cNvPr>
+          <p:cNvSpPr/>
+          <p:nvPr/>
+        </p:nvSpPr>
+        <p:spPr>
+          <a:xfrm>
+            <a:off x="1737375" y="4051052"/>
+            <a:ext cx="6744225" cy="957563"/>
+          </a:xfrm>
+          <a:prstGeom prst="rect">
+            <a:avLst/>
+          </a:prstGeom>
+          <a:solidFill>
+            <a:schemeClr val="bg1"/>
+          </a:solidFill>
+        </p:spPr>
+        <p:style>
+          <a:lnRef idx="1">
+            <a:schemeClr val="accent1"/>
+          </a:lnRef>
+          <a:fillRef idx="3">
+            <a:schemeClr val="accent1"/>
+          </a:fillRef>
+          <a:effectRef idx="2">
+            <a:schemeClr val="accent1"/>
+          </a:effectRef>
+          <a:fontRef idx="minor">
+            <a:schemeClr val="lt1"/>
+          </a:fontRef>
+        </p:style>
+        <p:txBody>
+          <a:bodyPr rot="0" spcFirstLastPara="0" vertOverflow="overflow" horzOverflow="overflow" vert="horz" wrap="square" lIns="91440" tIns="45720" rIns="91440" bIns="45720" numCol="1" spcCol="0" rtlCol="0" fromWordArt="0" anchor="ctr" anchorCtr="0" forceAA="0" compatLnSpc="1">
+            <a:prstTxWarp prst="textNoShape">
+              <a:avLst/>
+            </a:prstTxWarp>
+            <a:noAutofit/>
+          </a:bodyPr>
+          <a:lstStyle/>
+          <a:p>
+            <a:pPr algn="just"/>
+            <a:r>
+              <a:rPr lang="en-US" sz="1200" dirty="0">
+                <a:solidFill>
+                  <a:srgbClr val="6600FF"/>
+                </a:solidFill>
+              </a:rPr>
+              <a:t>The power of “Time Series Analysis” lies in looking for trends in temporal data and forecasting i.e., based on what I see in the past, can I predict the future? Is this pattern seasonal/cyclical? </a:t>
+            </a:r>
+          </a:p>
+          <a:p>
+            <a:pPr algn="just"/>
+            <a:endParaRPr lang="en-US" sz="1200" dirty="0">
+              <a:solidFill>
+                <a:srgbClr val="6600FF"/>
+              </a:solidFill>
+            </a:endParaRPr>
+          </a:p>
+          <a:p>
+            <a:pPr algn="just"/>
+            <a:r>
+              <a:rPr lang="en-US" sz="1200" dirty="0">
+                <a:solidFill>
+                  <a:srgbClr val="6600FF"/>
+                </a:solidFill>
+              </a:rPr>
+              <a:t>A whole picture view is more important than the individual data points</a:t>
+            </a:r>
+          </a:p>
+        </p:txBody>
+      </p:sp>
+    </p:spTree>
+    <p:extLst>
+      <p:ext uri="{BB962C8B-B14F-4D97-AF65-F5344CB8AC3E}">
+        <p14:creationId xmlns:p14="http://schemas.microsoft.com/office/powerpoint/2010/main" val="2787905611"/>
+      </p:ext>
+    </p:extLst>
+  </p:cSld>
+  <p:clrMapOvr>
+    <a:masterClrMapping/>
+  </p:clrMapOvr>
+</p:sld>
+</file>
+
+<file path=ppt/slides/slide21.xml><?xml version="1.0" encoding="utf-8"?>
+<p:sld xmlns:a="http://schemas.openxmlformats.org/drawingml/2006/main" xmlns:r="http://schemas.openxmlformats.org/officeDocument/2006/relationships" xmlns:p="http://schemas.openxmlformats.org/presentationml/2006/main">
+  <p:cSld>
+    <p:spTree>
+      <p:nvGrpSpPr>
+        <p:cNvPr id="1" name=""/>
+        <p:cNvGrpSpPr/>
+        <p:nvPr/>
+      </p:nvGrpSpPr>
+      <p:grpSpPr>
+        <a:xfrm>
+          <a:off x="0" y="0"/>
+          <a:ext cx="0" cy="0"/>
+          <a:chOff x="0" y="0"/>
+          <a:chExt cx="0" cy="0"/>
+        </a:xfrm>
+      </p:grpSpPr>
+      <p:sp>
+        <p:nvSpPr>
+          <p:cNvPr id="2" name="Title 1"/>
+          <p:cNvSpPr>
+            <a:spLocks noGrp="1"/>
+          </p:cNvSpPr>
+          <p:nvPr>
+            <p:ph type="title"/>
+          </p:nvPr>
+        </p:nvSpPr>
+        <p:spPr/>
+        <p:txBody>
+          <a:bodyPr anchor="b" anchorCtr="0"/>
+          <a:lstStyle/>
+          <a:p>
+            <a:r>
+              <a:rPr lang="en-GB" sz="3200" dirty="0">
+                <a:latin typeface="Roboto Medium" panose="02000000000000000000" pitchFamily="2" charset="0"/>
+                <a:ea typeface="Roboto Medium" panose="02000000000000000000" pitchFamily="2" charset="0"/>
+              </a:rPr>
+              <a:t>Visualisation of Time Series Data</a:t>
+            </a:r>
+          </a:p>
+        </p:txBody>
+      </p:sp>
+      <p:sp>
+        <p:nvSpPr>
+          <p:cNvPr id="3" name="Content Placeholder 2"/>
+          <p:cNvSpPr>
+            <a:spLocks noGrp="1"/>
+          </p:cNvSpPr>
+          <p:nvPr>
+            <p:ph idx="10"/>
+          </p:nvPr>
+        </p:nvSpPr>
+        <p:spPr>
+          <a:xfrm>
+            <a:off x="260213" y="1277137"/>
+            <a:ext cx="8563648" cy="412869"/>
+          </a:xfrm>
+        </p:spPr>
+        <p:txBody>
+          <a:bodyPr/>
+          <a:lstStyle/>
+          <a:p>
+            <a:r>
+              <a:rPr lang="en-GB" sz="1800" i="1" dirty="0">
+                <a:latin typeface="Roboto Medium" panose="02000000000000000000" pitchFamily="2" charset="0"/>
+                <a:ea typeface="Roboto Medium" panose="02000000000000000000" pitchFamily="2" charset="0"/>
+              </a:rPr>
+              <a:t>Continuous (unbroken) time series data</a:t>
+            </a:r>
+          </a:p>
+        </p:txBody>
+      </p:sp>
+      <p:sp>
+        <p:nvSpPr>
+          <p:cNvPr id="4" name="Content Placeholder 3"/>
+          <p:cNvSpPr>
+            <a:spLocks noGrp="1"/>
+          </p:cNvSpPr>
+          <p:nvPr>
+            <p:ph idx="1"/>
+          </p:nvPr>
+        </p:nvSpPr>
+        <p:spPr/>
+        <p:txBody>
+          <a:bodyPr>
+            <a:noAutofit/>
+          </a:bodyPr>
+          <a:lstStyle/>
+          <a:p>
+            <a:pPr marL="177800" indent="-177800">
+              <a:spcBef>
+                <a:spcPts val="0"/>
+              </a:spcBef>
+              <a:spcAft>
+                <a:spcPts val="1200"/>
+              </a:spcAft>
+              <a:buClr>
+                <a:srgbClr val="CE0000"/>
+              </a:buClr>
+              <a:buFont typeface="System Font Regular"/>
+              <a:buChar char="‣"/>
+            </a:pPr>
+            <a:r>
+              <a:rPr lang="en-GB" sz="1800" dirty="0">
+                <a:latin typeface="Roboto Light" panose="02000000000000000000" pitchFamily="2" charset="0"/>
+                <a:ea typeface="Roboto Light" panose="02000000000000000000" pitchFamily="2" charset="0"/>
+              </a:rPr>
+              <a:t>Visualising continuous time series data is similar to visualising discrete time series data. We still have a discrete number of data points, even if the dataset is continuous</a:t>
+            </a:r>
+          </a:p>
+          <a:p>
+            <a:pPr marL="177800" indent="-177800">
+              <a:spcBef>
+                <a:spcPts val="0"/>
+              </a:spcBef>
+              <a:spcAft>
+                <a:spcPts val="1200"/>
+              </a:spcAft>
+              <a:buClr>
+                <a:srgbClr val="CE0000"/>
+              </a:buClr>
+              <a:buFont typeface="System Font Regular"/>
+              <a:buChar char="‣"/>
+            </a:pPr>
+            <a:r>
+              <a:rPr lang="en-GB" sz="1800" b="1" dirty="0">
+                <a:latin typeface="Roboto Light" panose="02000000000000000000" pitchFamily="2" charset="0"/>
+                <a:ea typeface="Roboto Light" panose="02000000000000000000" pitchFamily="2" charset="0"/>
+              </a:rPr>
+              <a:t>Line chart </a:t>
+            </a:r>
+            <a:r>
+              <a:rPr lang="en-GB" sz="1800" dirty="0">
+                <a:latin typeface="Roboto Light" panose="02000000000000000000" pitchFamily="2" charset="0"/>
+                <a:ea typeface="Roboto Light" panose="02000000000000000000" pitchFamily="2" charset="0"/>
+              </a:rPr>
+              <a:t>for continuous time series data is presented as unbroken lines</a:t>
+            </a:r>
+          </a:p>
+          <a:p>
+            <a:pPr marL="177800" indent="-177800">
+              <a:spcBef>
+                <a:spcPts val="0"/>
+              </a:spcBef>
+              <a:spcAft>
+                <a:spcPts val="1200"/>
+              </a:spcAft>
+              <a:buClr>
+                <a:srgbClr val="CE0000"/>
+              </a:buClr>
+              <a:buFont typeface="System Font Regular"/>
+              <a:buChar char="‣"/>
+            </a:pPr>
+            <a:r>
+              <a:rPr lang="en-GB" sz="1800" b="1" dirty="0">
+                <a:latin typeface="Roboto Light" panose="02000000000000000000" pitchFamily="2" charset="0"/>
+                <a:ea typeface="Roboto Light" panose="02000000000000000000" pitchFamily="2" charset="0"/>
+              </a:rPr>
+              <a:t>Step charts</a:t>
+            </a:r>
+            <a:r>
+              <a:rPr lang="en-GB" sz="1800" dirty="0">
+                <a:latin typeface="Roboto Light" panose="02000000000000000000" pitchFamily="2" charset="0"/>
+                <a:ea typeface="Roboto Light" panose="02000000000000000000" pitchFamily="2" charset="0"/>
+              </a:rPr>
+              <a:t> are appropriate if the measure stays at a value for a long time and all of a sudden declines or inclines</a:t>
+            </a:r>
+          </a:p>
+          <a:p>
+            <a:pPr marL="177800" indent="-177800">
+              <a:spcBef>
+                <a:spcPts val="0"/>
+              </a:spcBef>
+              <a:spcAft>
+                <a:spcPts val="1200"/>
+              </a:spcAft>
+              <a:buClr>
+                <a:srgbClr val="CE0000"/>
+              </a:buClr>
+              <a:buFont typeface="System Font Regular"/>
+              <a:buChar char="‣"/>
+            </a:pPr>
+            <a:r>
+              <a:rPr lang="en-GB" sz="1800" b="1" dirty="0">
+                <a:latin typeface="Roboto Light" panose="02000000000000000000" pitchFamily="2" charset="0"/>
+                <a:ea typeface="Roboto Light" panose="02000000000000000000" pitchFamily="2" charset="0"/>
+              </a:rPr>
+              <a:t>Trendlines </a:t>
+            </a:r>
+            <a:r>
+              <a:rPr lang="en-GB" sz="1800" dirty="0">
+                <a:latin typeface="Roboto Light" panose="02000000000000000000" pitchFamily="2" charset="0"/>
+                <a:ea typeface="Roboto Light" panose="02000000000000000000" pitchFamily="2" charset="0"/>
+              </a:rPr>
+              <a:t>are useful in the presence of noisy data or large amounts of data</a:t>
+            </a:r>
+          </a:p>
+        </p:txBody>
+      </p:sp>
+    </p:spTree>
+    <p:extLst>
+      <p:ext uri="{BB962C8B-B14F-4D97-AF65-F5344CB8AC3E}">
+        <p14:creationId xmlns:p14="http://schemas.microsoft.com/office/powerpoint/2010/main" val="1438888619"/>
+      </p:ext>
+    </p:extLst>
+  </p:cSld>
+  <p:clrMapOvr>
+    <a:masterClrMapping/>
+  </p:clrMapOvr>
+</p:sld>
+</file>
+
+<file path=ppt/slides/slide22.xml><?xml version="1.0" encoding="utf-8"?>
+<p:sld xmlns:a="http://schemas.openxmlformats.org/drawingml/2006/main" xmlns:r="http://schemas.openxmlformats.org/officeDocument/2006/relationships" xmlns:p="http://schemas.openxmlformats.org/presentationml/2006/main">
+  <p:cSld>
+    <p:spTree>
+      <p:nvGrpSpPr>
+        <p:cNvPr id="1" name=""/>
+        <p:cNvGrpSpPr/>
+        <p:nvPr/>
+      </p:nvGrpSpPr>
+      <p:grpSpPr>
+        <a:xfrm>
+          <a:off x="0" y="0"/>
+          <a:ext cx="0" cy="0"/>
+          <a:chOff x="0" y="0"/>
+          <a:chExt cx="0" cy="0"/>
+        </a:xfrm>
+      </p:grpSpPr>
+      <p:sp>
+        <p:nvSpPr>
+          <p:cNvPr id="2" name="Title 1"/>
+          <p:cNvSpPr>
+            <a:spLocks noGrp="1"/>
+          </p:cNvSpPr>
+          <p:nvPr>
+            <p:ph type="title"/>
+          </p:nvPr>
+        </p:nvSpPr>
+        <p:spPr/>
+        <p:txBody>
+          <a:bodyPr anchor="b" anchorCtr="0"/>
+          <a:lstStyle/>
+          <a:p>
+            <a:r>
+              <a:rPr lang="en-GB" sz="3200" dirty="0">
+                <a:latin typeface="Roboto Medium" panose="02000000000000000000" pitchFamily="2" charset="0"/>
+                <a:ea typeface="Roboto Medium" panose="02000000000000000000" pitchFamily="2" charset="0"/>
+              </a:rPr>
+              <a:t>Visualisation of Time Series Data</a:t>
+            </a:r>
+          </a:p>
+        </p:txBody>
+      </p:sp>
+      <p:sp>
+        <p:nvSpPr>
+          <p:cNvPr id="3" name="Content Placeholder 2"/>
+          <p:cNvSpPr>
+            <a:spLocks noGrp="1"/>
+          </p:cNvSpPr>
+          <p:nvPr>
+            <p:ph idx="10"/>
+          </p:nvPr>
+        </p:nvSpPr>
+        <p:spPr>
+          <a:xfrm>
+            <a:off x="260213" y="1277137"/>
+            <a:ext cx="8563648" cy="412869"/>
+          </a:xfrm>
+        </p:spPr>
+        <p:txBody>
+          <a:bodyPr/>
+          <a:lstStyle/>
+          <a:p>
+            <a:r>
+              <a:rPr lang="en-GB" sz="1800" i="1" dirty="0">
+                <a:latin typeface="Roboto Medium" panose="02000000000000000000" pitchFamily="2" charset="0"/>
+                <a:ea typeface="Roboto Medium" panose="02000000000000000000" pitchFamily="2" charset="0"/>
+              </a:rPr>
               <a:t>Visualising time series data</a:t>
             </a:r>
           </a:p>
@@ -28287,7 +29073,7 @@
           <p:cNvPr id="6" name="Rectangle 5">
             <a:extLst>
               <a:ext uri="{FF2B5EF4-FFF2-40B4-BE49-F238E27FC236}">
-                <a16:creationId xmlns:a16="http://schemas.microsoft.com/office/drawing/2014/main" xmlns="" id="{A7A086FC-B2EA-4496-BBA1-09B63B6CB7EE}"/>
+                <a16:creationId xmlns:a16="http://schemas.microsoft.com/office/drawing/2014/main" id="{A7A086FC-B2EA-4496-BBA1-09B63B6CB7EE}"/>
               </a:ext>
             </a:extLst>
           </p:cNvPr>
@@ -28354,7 +29140,7 @@
 </p:sld>
 </file>
 
-<file path=ppt/slides/slide21.xml><?xml version="1.0" encoding="utf-8"?>
+<file path=ppt/slides/slide23.xml><?xml version="1.0" encoding="utf-8"?>
 <p:sld xmlns:a="http://schemas.openxmlformats.org/drawingml/2006/main" xmlns:r="http://schemas.openxmlformats.org/officeDocument/2006/relationships" xmlns:p="http://schemas.openxmlformats.org/presentationml/2006/main">
   <p:cSld>
     <p:spTree>
@@ -28431,7 +29217,7 @@
           <p:cNvPr id="7" name="Rectangle 6">
             <a:extLst>
               <a:ext uri="{FF2B5EF4-FFF2-40B4-BE49-F238E27FC236}">
-                <a16:creationId xmlns:a16="http://schemas.microsoft.com/office/drawing/2014/main" xmlns="" id="{2D5072DE-4A25-7A4D-A5BC-7CC96A59307E}"/>
+                <a16:creationId xmlns:a16="http://schemas.microsoft.com/office/drawing/2014/main" id="{2D5072DE-4A25-7A4D-A5BC-7CC96A59307E}"/>
               </a:ext>
             </a:extLst>
           </p:cNvPr>
@@ -28477,7 +29263,7 @@
           <p:cNvPr id="8" name="Picture 7">
             <a:extLst>
               <a:ext uri="{FF2B5EF4-FFF2-40B4-BE49-F238E27FC236}">
-                <a16:creationId xmlns:a16="http://schemas.microsoft.com/office/drawing/2014/main" xmlns="" id="{30D6D5BE-FD5F-4645-84D5-BFF40BDD9D4E}"/>
+                <a16:creationId xmlns:a16="http://schemas.microsoft.com/office/drawing/2014/main" id="{30D6D5BE-FD5F-4645-84D5-BFF40BDD9D4E}"/>
               </a:ext>
             </a:extLst>
           </p:cNvPr>
@@ -28507,7 +29293,7 @@
           <p:cNvPr id="6" name="Rectangle 5">
             <a:extLst>
               <a:ext uri="{FF2B5EF4-FFF2-40B4-BE49-F238E27FC236}">
-                <a16:creationId xmlns:a16="http://schemas.microsoft.com/office/drawing/2014/main" xmlns="" id="{A19BFB5A-358A-4E89-9351-3936522F59D8}"/>
+                <a16:creationId xmlns:a16="http://schemas.microsoft.com/office/drawing/2014/main" id="{A19BFB5A-358A-4E89-9351-3936522F59D8}"/>
               </a:ext>
             </a:extLst>
           </p:cNvPr>
@@ -28628,7 +29414,7 @@
 </p:sld>
 </file>
 
-<file path=ppt/slides/slide22.xml><?xml version="1.0" encoding="utf-8"?>
+<file path=ppt/slides/slide24.xml><?xml version="1.0" encoding="utf-8"?>
 <p:sld xmlns:a="http://schemas.openxmlformats.org/drawingml/2006/main" xmlns:r="http://schemas.openxmlformats.org/officeDocument/2006/relationships" xmlns:p="http://schemas.openxmlformats.org/presentationml/2006/main">
   <p:cSld>
     <p:spTree>
@@ -28705,7 +29491,7 @@
           <p:cNvPr id="7" name="Rectangle 6">
             <a:extLst>
               <a:ext uri="{FF2B5EF4-FFF2-40B4-BE49-F238E27FC236}">
-                <a16:creationId xmlns:a16="http://schemas.microsoft.com/office/drawing/2014/main" xmlns="" id="{2D5072DE-4A25-7A4D-A5BC-7CC96A59307E}"/>
+                <a16:creationId xmlns:a16="http://schemas.microsoft.com/office/drawing/2014/main" id="{2D5072DE-4A25-7A4D-A5BC-7CC96A59307E}"/>
               </a:ext>
             </a:extLst>
           </p:cNvPr>
@@ -28751,7 +29537,7 @@
           <p:cNvPr id="8" name="Picture 7">
             <a:extLst>
               <a:ext uri="{FF2B5EF4-FFF2-40B4-BE49-F238E27FC236}">
-                <a16:creationId xmlns:a16="http://schemas.microsoft.com/office/drawing/2014/main" xmlns="" id="{5C0DE6AB-0F9F-4F48-83E5-B22957A570CB}"/>
+                <a16:creationId xmlns:a16="http://schemas.microsoft.com/office/drawing/2014/main" id="{5C0DE6AB-0F9F-4F48-83E5-B22957A570CB}"/>
               </a:ext>
             </a:extLst>
           </p:cNvPr>
@@ -28781,7 +29567,7 @@
           <p:cNvPr id="6" name="Rectangle 5">
             <a:extLst>
               <a:ext uri="{FF2B5EF4-FFF2-40B4-BE49-F238E27FC236}">
-                <a16:creationId xmlns:a16="http://schemas.microsoft.com/office/drawing/2014/main" xmlns="" id="{0E5AB7C4-0689-4605-9CC2-DAFF207D3D05}"/>
+                <a16:creationId xmlns:a16="http://schemas.microsoft.com/office/drawing/2014/main" id="{0E5AB7C4-0689-4605-9CC2-DAFF207D3D05}"/>
               </a:ext>
             </a:extLst>
           </p:cNvPr>
@@ -28848,7 +29634,7 @@
 </p:sld>
 </file>
 
-<file path=ppt/slides/slide23.xml><?xml version="1.0" encoding="utf-8"?>
+<file path=ppt/slides/slide25.xml><?xml version="1.0" encoding="utf-8"?>
 <p:sld xmlns:a="http://schemas.openxmlformats.org/drawingml/2006/main" xmlns:r="http://schemas.openxmlformats.org/officeDocument/2006/relationships" xmlns:p="http://schemas.openxmlformats.org/presentationml/2006/main">
   <p:cSld>
     <p:spTree>
@@ -28939,7 +29725,7 @@
           <p:cNvPr id="5" name="Rectangle 4">
             <a:extLst>
               <a:ext uri="{FF2B5EF4-FFF2-40B4-BE49-F238E27FC236}">
-                <a16:creationId xmlns:a16="http://schemas.microsoft.com/office/drawing/2014/main" xmlns="" id="{A09F53B0-F293-1944-A028-317F7269FF06}"/>
+                <a16:creationId xmlns:a16="http://schemas.microsoft.com/office/drawing/2014/main" id="{A09F53B0-F293-1944-A028-317F7269FF06}"/>
               </a:ext>
             </a:extLst>
           </p:cNvPr>
@@ -28985,7 +29771,7 @@
           <p:cNvPr id="8" name="Picture 7">
             <a:extLst>
               <a:ext uri="{FF2B5EF4-FFF2-40B4-BE49-F238E27FC236}">
-                <a16:creationId xmlns:a16="http://schemas.microsoft.com/office/drawing/2014/main" xmlns="" id="{4E226237-BDDA-4A96-A7B1-AAC82DD0048F}"/>
+                <a16:creationId xmlns:a16="http://schemas.microsoft.com/office/drawing/2014/main" id="{4E226237-BDDA-4A96-A7B1-AAC82DD0048F}"/>
               </a:ext>
             </a:extLst>
           </p:cNvPr>
@@ -29015,7 +29801,7 @@
           <p:cNvPr id="6" name="Rectangle 5">
             <a:extLst>
               <a:ext uri="{FF2B5EF4-FFF2-40B4-BE49-F238E27FC236}">
-                <a16:creationId xmlns:a16="http://schemas.microsoft.com/office/drawing/2014/main" xmlns="" id="{958EF0D9-6929-467D-A442-3D96F8514B45}"/>
+                <a16:creationId xmlns:a16="http://schemas.microsoft.com/office/drawing/2014/main" id="{958EF0D9-6929-467D-A442-3D96F8514B45}"/>
               </a:ext>
             </a:extLst>
           </p:cNvPr>
@@ -29093,7 +29879,7 @@
           <p:cNvPr id="4" name="Picture 3">
             <a:extLst>
               <a:ext uri="{FF2B5EF4-FFF2-40B4-BE49-F238E27FC236}">
-                <a16:creationId xmlns:a16="http://schemas.microsoft.com/office/drawing/2014/main" xmlns="" id="{3B1CD7BC-EBEF-43F4-B07A-9858CA648C95}"/>
+                <a16:creationId xmlns:a16="http://schemas.microsoft.com/office/drawing/2014/main" id="{3B1CD7BC-EBEF-43F4-B07A-9858CA648C95}"/>
               </a:ext>
             </a:extLst>
           </p:cNvPr>
@@ -29131,7 +29917,7 @@
 </p:sld>
 </file>
 
-<file path=ppt/slides/slide24.xml><?xml version="1.0" encoding="utf-8"?>
+<file path=ppt/slides/slide26.xml><?xml version="1.0" encoding="utf-8"?>
 <p:sld xmlns:a="http://schemas.openxmlformats.org/drawingml/2006/main" xmlns:r="http://schemas.openxmlformats.org/officeDocument/2006/relationships" xmlns:p="http://schemas.openxmlformats.org/presentationml/2006/main">
   <p:cSld>
     <p:spTree>
@@ -29208,7 +29994,7 @@
           <p:cNvPr id="5" name="Rectangle 4">
             <a:extLst>
               <a:ext uri="{FF2B5EF4-FFF2-40B4-BE49-F238E27FC236}">
-                <a16:creationId xmlns:a16="http://schemas.microsoft.com/office/drawing/2014/main" xmlns="" id="{A09F53B0-F293-1944-A028-317F7269FF06}"/>
+                <a16:creationId xmlns:a16="http://schemas.microsoft.com/office/drawing/2014/main" id="{A09F53B0-F293-1944-A028-317F7269FF06}"/>
               </a:ext>
             </a:extLst>
           </p:cNvPr>
@@ -29254,7 +30040,7 @@
           <p:cNvPr id="9" name="Picture 8">
             <a:extLst>
               <a:ext uri="{FF2B5EF4-FFF2-40B4-BE49-F238E27FC236}">
-                <a16:creationId xmlns:a16="http://schemas.microsoft.com/office/drawing/2014/main" xmlns="" id="{EC876897-2AFD-4BA4-BB32-12DABBA1F9F9}"/>
+                <a16:creationId xmlns:a16="http://schemas.microsoft.com/office/drawing/2014/main" id="{EC876897-2AFD-4BA4-BB32-12DABBA1F9F9}"/>
               </a:ext>
             </a:extLst>
           </p:cNvPr>
@@ -29297,7 +30083,7 @@
 </p:sld>
 </file>
 
-<file path=ppt/slides/slide25.xml><?xml version="1.0" encoding="utf-8"?>
+<file path=ppt/slides/slide27.xml><?xml version="1.0" encoding="utf-8"?>
 <p:sld xmlns:a="http://schemas.openxmlformats.org/drawingml/2006/main" xmlns:r="http://schemas.openxmlformats.org/officeDocument/2006/relationships" xmlns:p="http://schemas.openxmlformats.org/presentationml/2006/main">
   <p:cSld>
     <p:spTree>
@@ -29374,7 +30160,7 @@
           <p:cNvPr id="5" name="Rectangle 4">
             <a:extLst>
               <a:ext uri="{FF2B5EF4-FFF2-40B4-BE49-F238E27FC236}">
-                <a16:creationId xmlns:a16="http://schemas.microsoft.com/office/drawing/2014/main" xmlns="" id="{A09F53B0-F293-1944-A028-317F7269FF06}"/>
+                <a16:creationId xmlns:a16="http://schemas.microsoft.com/office/drawing/2014/main" id="{A09F53B0-F293-1944-A028-317F7269FF06}"/>
               </a:ext>
             </a:extLst>
           </p:cNvPr>
@@ -29420,7 +30206,7 @@
           <p:cNvPr id="8" name="Picture 7">
             <a:extLst>
               <a:ext uri="{FF2B5EF4-FFF2-40B4-BE49-F238E27FC236}">
-                <a16:creationId xmlns:a16="http://schemas.microsoft.com/office/drawing/2014/main" xmlns="" id="{181B60D6-65B0-4B6F-9970-50EAA727BE16}"/>
+                <a16:creationId xmlns:a16="http://schemas.microsoft.com/office/drawing/2014/main" id="{181B60D6-65B0-4B6F-9970-50EAA727BE16}"/>
               </a:ext>
             </a:extLst>
           </p:cNvPr>
@@ -29463,7 +30249,7 @@
 </p:sld>
 </file>
 
-<file path=ppt/slides/slide26.xml><?xml version="1.0" encoding="utf-8"?>
+<file path=ppt/slides/slide28.xml><?xml version="1.0" encoding="utf-8"?>
 <p:sld xmlns:a="http://schemas.openxmlformats.org/drawingml/2006/main" xmlns:r="http://schemas.openxmlformats.org/officeDocument/2006/relationships" xmlns:p="http://schemas.openxmlformats.org/presentationml/2006/main">
   <p:cSld>
     <p:spTree>
@@ -29485,7 +30271,7 @@
           <p:cNvPr id="2" name="Title 1">
             <a:extLst>
               <a:ext uri="{FF2B5EF4-FFF2-40B4-BE49-F238E27FC236}">
-                <a16:creationId xmlns:a16="http://schemas.microsoft.com/office/drawing/2014/main" xmlns="" id="{FB87B9A1-2712-4290-8335-A61F254BB99E}"/>
+                <a16:creationId xmlns:a16="http://schemas.microsoft.com/office/drawing/2014/main" id="{FB87B9A1-2712-4290-8335-A61F254BB99E}"/>
               </a:ext>
             </a:extLst>
           </p:cNvPr>
@@ -29515,7 +30301,7 @@
           <p:cNvPr id="4" name="Content Placeholder 3">
             <a:extLst>
               <a:ext uri="{FF2B5EF4-FFF2-40B4-BE49-F238E27FC236}">
-                <a16:creationId xmlns:a16="http://schemas.microsoft.com/office/drawing/2014/main" xmlns="" id="{E2B28B8A-8ECD-49F6-9F3E-D3076F3F4284}"/>
+                <a16:creationId xmlns:a16="http://schemas.microsoft.com/office/drawing/2014/main" id="{E2B28B8A-8ECD-49F6-9F3E-D3076F3F4284}"/>
               </a:ext>
             </a:extLst>
           </p:cNvPr>
@@ -29536,12 +30322,12 @@
               <a:t>Can you name some of the time series data that an </a:t>
             </a:r>
             <a:r>
-              <a:rPr lang="en-US" dirty="0" err="1"/>
-              <a:t>organisation</a:t>
+              <a:rPr lang="en-US" dirty="0" smtClean="0"/>
+              <a:t>organization (lets assume it’s Amazon Prime) </a:t>
             </a:r>
             <a:r>
               <a:rPr lang="en-US" dirty="0"/>
-              <a:t> will normally want to </a:t>
+              <a:t>will normally want to </a:t>
             </a:r>
             <a:r>
               <a:rPr lang="en-US" dirty="0" err="1"/>
@@ -29567,7 +30353,7 @@
 </p:sld>
 </file>
 
-<file path=ppt/slides/slide27.xml><?xml version="1.0" encoding="utf-8"?>
+<file path=ppt/slides/slide29.xml><?xml version="1.0" encoding="utf-8"?>
 <p:sld xmlns:a="http://schemas.openxmlformats.org/drawingml/2006/main" xmlns:r="http://schemas.openxmlformats.org/officeDocument/2006/relationships" xmlns:p="http://schemas.openxmlformats.org/presentationml/2006/main">
   <p:cSld>
     <p:spTree>
@@ -29589,7 +30375,7 @@
           <p:cNvPr id="2" name="Title 1">
             <a:extLst>
               <a:ext uri="{FF2B5EF4-FFF2-40B4-BE49-F238E27FC236}">
-                <a16:creationId xmlns:a16="http://schemas.microsoft.com/office/drawing/2014/main" xmlns="" id="{FB87B9A1-2712-4290-8335-A61F254BB99E}"/>
+                <a16:creationId xmlns:a16="http://schemas.microsoft.com/office/drawing/2014/main" id="{FB87B9A1-2712-4290-8335-A61F254BB99E}"/>
               </a:ext>
             </a:extLst>
           </p:cNvPr>
@@ -29624,7 +30410,7 @@
           <p:cNvPr id="4" name="Content Placeholder 3">
             <a:extLst>
               <a:ext uri="{FF2B5EF4-FFF2-40B4-BE49-F238E27FC236}">
-                <a16:creationId xmlns:a16="http://schemas.microsoft.com/office/drawing/2014/main" xmlns="" id="{E2B28B8A-8ECD-49F6-9F3E-D3076F3F4284}"/>
+                <a16:creationId xmlns:a16="http://schemas.microsoft.com/office/drawing/2014/main" id="{E2B28B8A-8ECD-49F6-9F3E-D3076F3F4284}"/>
               </a:ext>
             </a:extLst>
           </p:cNvPr>
@@ -29743,7 +30529,144 @@
 </p:sld>
 </file>
 
-<file path=ppt/slides/slide28.xml><?xml version="1.0" encoding="utf-8"?>
+<file path=ppt/slides/slide3.xml><?xml version="1.0" encoding="utf-8"?>
+<p:sld xmlns:a="http://schemas.openxmlformats.org/drawingml/2006/main" xmlns:r="http://schemas.openxmlformats.org/officeDocument/2006/relationships" xmlns:p="http://schemas.openxmlformats.org/presentationml/2006/main">
+  <p:cSld>
+    <p:spTree>
+      <p:nvGrpSpPr>
+        <p:cNvPr id="1" name=""/>
+        <p:cNvGrpSpPr/>
+        <p:nvPr/>
+      </p:nvGrpSpPr>
+      <p:grpSpPr>
+        <a:xfrm>
+          <a:off x="0" y="0"/>
+          <a:ext cx="0" cy="0"/>
+          <a:chOff x="0" y="0"/>
+          <a:chExt cx="0" cy="0"/>
+        </a:xfrm>
+      </p:grpSpPr>
+      <p:sp>
+        <p:nvSpPr>
+          <p:cNvPr id="2" name="Title 1"/>
+          <p:cNvSpPr>
+            <a:spLocks noGrp="1"/>
+          </p:cNvSpPr>
+          <p:nvPr>
+            <p:ph type="title"/>
+          </p:nvPr>
+        </p:nvSpPr>
+        <p:spPr/>
+        <p:txBody>
+          <a:bodyPr/>
+          <a:lstStyle/>
+          <a:p>
+            <a:r>
+              <a:rPr lang="en-US" sz="3200" dirty="0" smtClean="0">
+                <a:solidFill>
+                  <a:srgbClr val="003B5C"/>
+                </a:solidFill>
+                <a:latin typeface="Roboto Medium" panose="02000000000000000000" pitchFamily="2" charset="0"/>
+                <a:ea typeface="Roboto Medium" panose="02000000000000000000" pitchFamily="2" charset="0"/>
+                <a:cs typeface="Montserrat Medium"/>
+              </a:rPr>
+              <a:t>TMA </a:t>
+            </a:r>
+            <a:r>
+              <a:rPr lang="en-US" sz="3200" u="sng" dirty="0" smtClean="0">
+                <a:solidFill>
+                  <a:srgbClr val="003B5C"/>
+                </a:solidFill>
+                <a:latin typeface="Roboto Medium" panose="02000000000000000000" pitchFamily="2" charset="0"/>
+                <a:ea typeface="Roboto Medium" panose="02000000000000000000" pitchFamily="2" charset="0"/>
+                <a:cs typeface="Montserrat Medium"/>
+              </a:rPr>
+              <a:t>IDEAL</a:t>
+            </a:r>
+            <a:r>
+              <a:rPr lang="en-US" sz="3200" dirty="0" smtClean="0">
+                <a:solidFill>
+                  <a:srgbClr val="003B5C"/>
+                </a:solidFill>
+                <a:latin typeface="Roboto Medium" panose="02000000000000000000" pitchFamily="2" charset="0"/>
+                <a:ea typeface="Roboto Medium" panose="02000000000000000000" pitchFamily="2" charset="0"/>
+                <a:cs typeface="Montserrat Medium"/>
+              </a:rPr>
+              <a:t> Solutions</a:t>
+            </a:r>
+            <a:endParaRPr lang="en-US" sz="3200" dirty="0">
+              <a:solidFill>
+                <a:srgbClr val="003B5C"/>
+              </a:solidFill>
+              <a:latin typeface="Roboto Medium" panose="02000000000000000000" pitchFamily="2" charset="0"/>
+              <a:ea typeface="Roboto Medium" panose="02000000000000000000" pitchFamily="2" charset="0"/>
+              <a:cs typeface="Montserrat Medium"/>
+            </a:endParaRPr>
+          </a:p>
+        </p:txBody>
+      </p:sp>
+      <p:pic>
+        <p:nvPicPr>
+          <p:cNvPr id="6" name="Picture 5"/>
+          <p:cNvPicPr>
+            <a:picLocks noChangeAspect="1"/>
+          </p:cNvPicPr>
+          <p:nvPr/>
+        </p:nvPicPr>
+        <p:blipFill>
+          <a:blip r:embed="rId2"/>
+          <a:stretch>
+            <a:fillRect/>
+          </a:stretch>
+        </p:blipFill>
+        <p:spPr>
+          <a:xfrm>
+            <a:off x="685800" y="946696"/>
+            <a:ext cx="7567972" cy="1712400"/>
+          </a:xfrm>
+          <a:prstGeom prst="rect">
+            <a:avLst/>
+          </a:prstGeom>
+        </p:spPr>
+      </p:pic>
+      <p:pic>
+        <p:nvPicPr>
+          <p:cNvPr id="7" name="Picture 6"/>
+          <p:cNvPicPr>
+            <a:picLocks noChangeAspect="1"/>
+          </p:cNvPicPr>
+          <p:nvPr/>
+        </p:nvPicPr>
+        <p:blipFill>
+          <a:blip r:embed="rId3"/>
+          <a:stretch>
+            <a:fillRect/>
+          </a:stretch>
+        </p:blipFill>
+        <p:spPr>
+          <a:xfrm>
+            <a:off x="539619" y="2659096"/>
+            <a:ext cx="7689981" cy="1716149"/>
+          </a:xfrm>
+          <a:prstGeom prst="rect">
+            <a:avLst/>
+          </a:prstGeom>
+        </p:spPr>
+      </p:pic>
+    </p:spTree>
+    <p:extLst>
+      <p:ext uri="{BB962C8B-B14F-4D97-AF65-F5344CB8AC3E}">
+        <p14:creationId xmlns:p14="http://schemas.microsoft.com/office/powerpoint/2010/main" val="3165447357"/>
+      </p:ext>
+    </p:extLst>
+  </p:cSld>
+  <p:clrMapOvr>
+    <a:masterClrMapping/>
+  </p:clrMapOvr>
+</p:sld>
+</file>
+
+<file path=ppt/slides/slide30.xml><?xml version="1.0" encoding="utf-8"?>
 <p:sld xmlns:a="http://schemas.openxmlformats.org/drawingml/2006/main" xmlns:r="http://schemas.openxmlformats.org/officeDocument/2006/relationships" xmlns:p="http://schemas.openxmlformats.org/presentationml/2006/main">
   <p:cSld>
     <p:spTree>
@@ -29828,7 +30751,7 @@
 </p:sld>
 </file>
 
-<file path=ppt/slides/slide29.xml><?xml version="1.0" encoding="utf-8"?>
+<file path=ppt/slides/slide31.xml><?xml version="1.0" encoding="utf-8"?>
 <p:sld xmlns:a="http://schemas.openxmlformats.org/drawingml/2006/main" xmlns:r="http://schemas.openxmlformats.org/officeDocument/2006/relationships" xmlns:p="http://schemas.openxmlformats.org/presentationml/2006/main">
   <p:cSld>
     <p:spTree>
@@ -29850,7 +30773,7 @@
           <p:cNvPr id="2" name="Picture 1">
             <a:extLst>
               <a:ext uri="{FF2B5EF4-FFF2-40B4-BE49-F238E27FC236}">
-                <a16:creationId xmlns:a16="http://schemas.microsoft.com/office/drawing/2014/main" xmlns="" id="{6C6E46C5-427C-4285-BE4D-D5B08E1B5E90}"/>
+                <a16:creationId xmlns:a16="http://schemas.microsoft.com/office/drawing/2014/main" id="{6C6E46C5-427C-4285-BE4D-D5B08E1B5E90}"/>
               </a:ext>
             </a:extLst>
           </p:cNvPr>
@@ -29891,181 +30814,7 @@
 </p:sld>
 </file>
 
-<file path=ppt/slides/slide3.xml><?xml version="1.0" encoding="utf-8"?>
-<p:sld xmlns:a="http://schemas.openxmlformats.org/drawingml/2006/main" xmlns:r="http://schemas.openxmlformats.org/officeDocument/2006/relationships" xmlns:p="http://schemas.openxmlformats.org/presentationml/2006/main">
-  <p:cSld>
-    <p:spTree>
-      <p:nvGrpSpPr>
-        <p:cNvPr id="1" name=""/>
-        <p:cNvGrpSpPr/>
-        <p:nvPr/>
-      </p:nvGrpSpPr>
-      <p:grpSpPr>
-        <a:xfrm>
-          <a:off x="0" y="0"/>
-          <a:ext cx="0" cy="0"/>
-          <a:chOff x="0" y="0"/>
-          <a:chExt cx="0" cy="0"/>
-        </a:xfrm>
-      </p:grpSpPr>
-      <p:sp>
-        <p:nvSpPr>
-          <p:cNvPr id="4" name="Title 1"/>
-          <p:cNvSpPr>
-            <a:spLocks noGrp="1"/>
-          </p:cNvSpPr>
-          <p:nvPr>
-            <p:ph type="ctrTitle"/>
-          </p:nvPr>
-        </p:nvSpPr>
-        <p:spPr>
-          <a:xfrm>
-            <a:off x="257174" y="1246732"/>
-            <a:ext cx="8658225" cy="1618932"/>
-          </a:xfrm>
-        </p:spPr>
-        <p:txBody>
-          <a:bodyPr/>
-          <a:lstStyle>
-            <a:lvl1pPr>
-              <a:defRPr sz="4500" baseline="0">
-                <a:solidFill>
-                  <a:srgbClr val="003B5C"/>
-                </a:solidFill>
-              </a:defRPr>
-            </a:lvl1pPr>
-          </a:lstStyle>
-          <a:p>
-            <a:r>
-              <a:rPr lang="en-GB" sz="4300" dirty="0">
-                <a:solidFill>
-                  <a:schemeClr val="bg1"/>
-                </a:solidFill>
-                <a:latin typeface="Roboto Medium" panose="02000000000000000000" pitchFamily="2" charset="0"/>
-                <a:ea typeface="Roboto Medium" panose="02000000000000000000" pitchFamily="2" charset="0"/>
-              </a:rPr>
-              <a:t>Visualisation for Business</a:t>
-            </a:r>
-            <a:br>
-              <a:rPr lang="en-GB" sz="4300" dirty="0">
-                <a:solidFill>
-                  <a:schemeClr val="bg1"/>
-                </a:solidFill>
-                <a:latin typeface="Roboto Medium" panose="02000000000000000000" pitchFamily="2" charset="0"/>
-                <a:ea typeface="Roboto Medium" panose="02000000000000000000" pitchFamily="2" charset="0"/>
-              </a:rPr>
-            </a:br>
-            <a:r>
-              <a:rPr lang="en-GB" sz="4300" dirty="0">
-                <a:solidFill>
-                  <a:srgbClr val="DA291C"/>
-                </a:solidFill>
-                <a:latin typeface="Roboto Medium" panose="02000000000000000000" pitchFamily="2" charset="0"/>
-                <a:ea typeface="Roboto Medium" panose="02000000000000000000" pitchFamily="2" charset="0"/>
-              </a:rPr>
-              <a:t>ANL 201</a:t>
-            </a:r>
-          </a:p>
-        </p:txBody>
-      </p:sp>
-      <p:sp>
-        <p:nvSpPr>
-          <p:cNvPr id="3" name="Subtitle 2"/>
-          <p:cNvSpPr>
-            <a:spLocks noGrp="1"/>
-          </p:cNvSpPr>
-          <p:nvPr>
-            <p:ph type="subTitle" idx="1"/>
-          </p:nvPr>
-        </p:nvSpPr>
-        <p:spPr>
-          <a:xfrm>
-            <a:off x="253128" y="2865663"/>
-            <a:ext cx="6400800" cy="904985"/>
-          </a:xfrm>
-        </p:spPr>
-        <p:txBody>
-          <a:bodyPr anchor="b"/>
-          <a:lstStyle/>
-          <a:p>
-            <a:r>
-              <a:rPr lang="en-GB" i="1" dirty="0">
-                <a:latin typeface="Roboto Medium" panose="02000000000000000000" pitchFamily="2" charset="0"/>
-                <a:ea typeface="Roboto Medium" panose="02000000000000000000" pitchFamily="2" charset="0"/>
-              </a:rPr>
-              <a:t>Basic Data Visualisation Techniques</a:t>
-            </a:r>
-            <a:br>
-              <a:rPr lang="en-GB" i="1" dirty="0">
-                <a:latin typeface="Roboto Medium" panose="02000000000000000000" pitchFamily="2" charset="0"/>
-                <a:ea typeface="Roboto Medium" panose="02000000000000000000" pitchFamily="2" charset="0"/>
-              </a:rPr>
-            </a:br>
-            <a:r>
-              <a:rPr lang="en-GB" i="1" dirty="0">
-                <a:latin typeface="Roboto Medium" panose="02000000000000000000" pitchFamily="2" charset="0"/>
-                <a:ea typeface="Roboto Medium" panose="02000000000000000000" pitchFamily="2" charset="0"/>
-              </a:rPr>
-              <a:t>Study Unit 4</a:t>
-            </a:r>
-          </a:p>
-        </p:txBody>
-      </p:sp>
-      <p:sp>
-        <p:nvSpPr>
-          <p:cNvPr id="5" name="TextBox 4">
-            <a:extLst>
-              <a:ext uri="{FF2B5EF4-FFF2-40B4-BE49-F238E27FC236}">
-                <a16:creationId xmlns:a16="http://schemas.microsoft.com/office/drawing/2014/main" xmlns="" id="{C68BFD21-8063-2C4D-8B57-5040F83B346B}"/>
-              </a:ext>
-            </a:extLst>
-          </p:cNvPr>
-          <p:cNvSpPr txBox="1"/>
-          <p:nvPr/>
-        </p:nvSpPr>
-        <p:spPr>
-          <a:xfrm>
-            <a:off x="253128" y="3896768"/>
-            <a:ext cx="1127232" cy="276999"/>
-          </a:xfrm>
-          <a:prstGeom prst="rect">
-            <a:avLst/>
-          </a:prstGeom>
-          <a:noFill/>
-        </p:spPr>
-        <p:txBody>
-          <a:bodyPr wrap="none" rtlCol="0">
-            <a:spAutoFit/>
-          </a:bodyPr>
-          <a:lstStyle/>
-          <a:p>
-            <a:r>
-              <a:rPr lang="en-US" sz="1200" dirty="0">
-                <a:solidFill>
-                  <a:srgbClr val="99D6EA"/>
-                </a:solidFill>
-                <a:latin typeface="Roboto Medium" panose="02000000000000000000" pitchFamily="2" charset="0"/>
-                <a:ea typeface="Roboto Medium" panose="02000000000000000000" pitchFamily="2" charset="0"/>
-              </a:rPr>
-              <a:t>January 2021</a:t>
-            </a:r>
-          </a:p>
-        </p:txBody>
-      </p:sp>
-    </p:spTree>
-    <p:extLst>
-      <p:ext uri="{BB962C8B-B14F-4D97-AF65-F5344CB8AC3E}">
-        <p14:creationId xmlns:p14="http://schemas.microsoft.com/office/powerpoint/2010/main" val="18409553"/>
-      </p:ext>
-    </p:extLst>
-  </p:cSld>
-  <p:clrMapOvr>
-    <a:masterClrMapping/>
-  </p:clrMapOvr>
-</p:sld>
-</file>
-
-<file path=ppt/slides/slide30.xml><?xml version="1.0" encoding="utf-8"?>
+<file path=ppt/slides/slide32.xml><?xml version="1.0" encoding="utf-8"?>
 <p:sld xmlns:a="http://schemas.openxmlformats.org/drawingml/2006/main" xmlns:r="http://schemas.openxmlformats.org/officeDocument/2006/relationships" xmlns:p="http://schemas.openxmlformats.org/presentationml/2006/main">
   <p:cSld>
     <p:spTree>
@@ -30351,7 +31100,7 @@
 </p:sld>
 </file>
 
-<file path=ppt/slides/slide31.xml><?xml version="1.0" encoding="utf-8"?>
+<file path=ppt/slides/slide33.xml><?xml version="1.0" encoding="utf-8"?>
 <p:sld xmlns:a="http://schemas.openxmlformats.org/drawingml/2006/main" xmlns:r="http://schemas.openxmlformats.org/officeDocument/2006/relationships" xmlns:p="http://schemas.openxmlformats.org/presentationml/2006/main">
   <p:cSld>
     <p:spTree>
@@ -30532,7 +31281,7 @@
           <p:cNvPr id="14" name="Title 1">
             <a:extLst>
               <a:ext uri="{FF2B5EF4-FFF2-40B4-BE49-F238E27FC236}">
-                <a16:creationId xmlns:a16="http://schemas.microsoft.com/office/drawing/2014/main" xmlns="" id="{2D1A4B79-C466-4349-B4E0-6A7FAD82307E}"/>
+                <a16:creationId xmlns:a16="http://schemas.microsoft.com/office/drawing/2014/main" id="{2D1A4B79-C466-4349-B4E0-6A7FAD82307E}"/>
               </a:ext>
             </a:extLst>
           </p:cNvPr>
@@ -30624,7 +31373,7 @@
 </p:sld>
 </file>
 
-<file path=ppt/slides/slide32.xml><?xml version="1.0" encoding="utf-8"?>
+<file path=ppt/slides/slide34.xml><?xml version="1.0" encoding="utf-8"?>
 <p:sld xmlns:a="http://schemas.openxmlformats.org/drawingml/2006/main" xmlns:r="http://schemas.openxmlformats.org/officeDocument/2006/relationships" xmlns:p="http://schemas.openxmlformats.org/presentationml/2006/main">
   <p:cSld>
     <p:spTree>
@@ -30752,7 +31501,7 @@
           <p:cNvPr id="10" name="Title 1">
             <a:extLst>
               <a:ext uri="{FF2B5EF4-FFF2-40B4-BE49-F238E27FC236}">
-                <a16:creationId xmlns:a16="http://schemas.microsoft.com/office/drawing/2014/main" xmlns="" id="{27E2A3A5-A6D1-4BC2-A5D4-A2A0AE0A477A}"/>
+                <a16:creationId xmlns:a16="http://schemas.microsoft.com/office/drawing/2014/main" id="{27E2A3A5-A6D1-4BC2-A5D4-A2A0AE0A477A}"/>
               </a:ext>
             </a:extLst>
           </p:cNvPr>
@@ -30848,7 +31597,7 @@
 </p:sld>
 </file>
 
-<file path=ppt/slides/slide33.xml><?xml version="1.0" encoding="utf-8"?>
+<file path=ppt/slides/slide35.xml><?xml version="1.0" encoding="utf-8"?>
 <p:sld xmlns:a="http://schemas.openxmlformats.org/drawingml/2006/main" xmlns:r="http://schemas.openxmlformats.org/officeDocument/2006/relationships" xmlns:p="http://schemas.openxmlformats.org/presentationml/2006/main">
   <p:cSld>
     <p:spTree>
@@ -30870,7 +31619,7 @@
           <p:cNvPr id="3" name="Title 2">
             <a:extLst>
               <a:ext uri="{FF2B5EF4-FFF2-40B4-BE49-F238E27FC236}">
-                <a16:creationId xmlns:a16="http://schemas.microsoft.com/office/drawing/2014/main" xmlns="" id="{45084632-9195-4FC7-A398-B756F963E80A}"/>
+                <a16:creationId xmlns:a16="http://schemas.microsoft.com/office/drawing/2014/main" id="{45084632-9195-4FC7-A398-B756F963E80A}"/>
               </a:ext>
             </a:extLst>
           </p:cNvPr>
@@ -31006,7 +31755,7 @@
           <p:cNvPr id="11" name="Title 1">
             <a:extLst>
               <a:ext uri="{FF2B5EF4-FFF2-40B4-BE49-F238E27FC236}">
-                <a16:creationId xmlns:a16="http://schemas.microsoft.com/office/drawing/2014/main" xmlns="" id="{D2A2DB27-616D-4B41-9CA6-CFA5ED851F60}"/>
+                <a16:creationId xmlns:a16="http://schemas.microsoft.com/office/drawing/2014/main" id="{D2A2DB27-616D-4B41-9CA6-CFA5ED851F60}"/>
               </a:ext>
             </a:extLst>
           </p:cNvPr>
@@ -31105,7 +31854,7 @@
 </p:sld>
 </file>
 
-<file path=ppt/slides/slide34.xml><?xml version="1.0" encoding="utf-8"?>
+<file path=ppt/slides/slide36.xml><?xml version="1.0" encoding="utf-8"?>
 <p:sld xmlns:a="http://schemas.openxmlformats.org/drawingml/2006/main" xmlns:r="http://schemas.openxmlformats.org/officeDocument/2006/relationships" xmlns:p="http://schemas.openxmlformats.org/presentationml/2006/main">
   <p:cSld>
     <p:spTree>
@@ -31275,7 +32024,7 @@
           <p:cNvPr id="11" name="Title 1">
             <a:extLst>
               <a:ext uri="{FF2B5EF4-FFF2-40B4-BE49-F238E27FC236}">
-                <a16:creationId xmlns:a16="http://schemas.microsoft.com/office/drawing/2014/main" xmlns="" id="{7548B1A4-97EF-4355-A061-2EF9DE1BC244}"/>
+                <a16:creationId xmlns:a16="http://schemas.microsoft.com/office/drawing/2014/main" id="{7548B1A4-97EF-4355-A061-2EF9DE1BC244}"/>
               </a:ext>
             </a:extLst>
           </p:cNvPr>
@@ -31358,7 +32107,7 @@
 </p:sld>
 </file>
 
-<file path=ppt/slides/slide35.xml><?xml version="1.0" encoding="utf-8"?>
+<file path=ppt/slides/slide37.xml><?xml version="1.0" encoding="utf-8"?>
 <p:sld xmlns:a="http://schemas.openxmlformats.org/drawingml/2006/main" xmlns:r="http://schemas.openxmlformats.org/officeDocument/2006/relationships" xmlns:p="http://schemas.openxmlformats.org/presentationml/2006/main">
   <p:cSld>
     <p:spTree>
@@ -31486,7 +32235,7 @@
           <p:cNvPr id="9" name="Title 1">
             <a:extLst>
               <a:ext uri="{FF2B5EF4-FFF2-40B4-BE49-F238E27FC236}">
-                <a16:creationId xmlns:a16="http://schemas.microsoft.com/office/drawing/2014/main" xmlns="" id="{79DCA720-DDE6-4EF5-BDA8-EFE67524E9BE}"/>
+                <a16:creationId xmlns:a16="http://schemas.microsoft.com/office/drawing/2014/main" id="{79DCA720-DDE6-4EF5-BDA8-EFE67524E9BE}"/>
               </a:ext>
             </a:extLst>
           </p:cNvPr>
@@ -31578,7 +32327,7 @@
 </p:sld>
 </file>
 
-<file path=ppt/slides/slide36.xml><?xml version="1.0" encoding="utf-8"?>
+<file path=ppt/slides/slide38.xml><?xml version="1.0" encoding="utf-8"?>
 <p:sld xmlns:a="http://schemas.openxmlformats.org/drawingml/2006/main" xmlns:r="http://schemas.openxmlformats.org/officeDocument/2006/relationships" xmlns:p="http://schemas.openxmlformats.org/presentationml/2006/main">
   <p:cSld>
     <p:spTree>
@@ -31631,7 +32380,7 @@
           <p:cNvPr id="5" name="Table 4">
             <a:extLst>
               <a:ext uri="{FF2B5EF4-FFF2-40B4-BE49-F238E27FC236}">
-                <a16:creationId xmlns:a16="http://schemas.microsoft.com/office/drawing/2014/main" xmlns="" id="{4D765161-3549-314B-8558-70A4E2EC5008}"/>
+                <a16:creationId xmlns:a16="http://schemas.microsoft.com/office/drawing/2014/main" id="{4D765161-3549-314B-8558-70A4E2EC5008}"/>
               </a:ext>
             </a:extLst>
           </p:cNvPr>
@@ -31654,14 +32403,14 @@
                 <a:gridCol w="2188056">
                   <a:extLst>
                     <a:ext uri="{9D8B030D-6E8A-4147-A177-3AD203B41FA5}">
-                      <a16:colId xmlns:a16="http://schemas.microsoft.com/office/drawing/2014/main" xmlns="" val="1014771066"/>
+                      <a16:colId xmlns:a16="http://schemas.microsoft.com/office/drawing/2014/main" val="1014771066"/>
                     </a:ext>
                   </a:extLst>
                 </a:gridCol>
                 <a:gridCol w="5677112">
                   <a:extLst>
                     <a:ext uri="{9D8B030D-6E8A-4147-A177-3AD203B41FA5}">
-                      <a16:colId xmlns:a16="http://schemas.microsoft.com/office/drawing/2014/main" xmlns="" val="762084542"/>
+                      <a16:colId xmlns:a16="http://schemas.microsoft.com/office/drawing/2014/main" val="762084542"/>
                     </a:ext>
                   </a:extLst>
                 </a:gridCol>
@@ -31763,7 +32512,7 @@
                 </a:tc>
                 <a:extLst>
                   <a:ext uri="{0D108BD9-81ED-4DB2-BD59-A6C34878D82A}">
-                    <a16:rowId xmlns:a16="http://schemas.microsoft.com/office/drawing/2014/main" xmlns="" val="2368527007"/>
+                    <a16:rowId xmlns:a16="http://schemas.microsoft.com/office/drawing/2014/main" val="2368527007"/>
                   </a:ext>
                 </a:extLst>
               </a:tr>
@@ -31825,7 +32574,7 @@
                           <a:hlinkClick r:id="rId3">
                             <a:extLst>
                               <a:ext uri="{A12FA001-AC4F-418D-AE19-62706E023703}">
-                                <ahyp:hlinkClr xmlns:ahyp="http://schemas.microsoft.com/office/drawing/2018/hyperlinkcolor" xmlns="" val="tx"/>
+                                <ahyp:hlinkClr xmlns="" xmlns:ahyp="http://schemas.microsoft.com/office/drawing/2018/hyperlinkcolor" val="tx"/>
                               </a:ext>
                             </a:extLst>
                           </a:hlinkClick>
@@ -31867,7 +32616,7 @@
                 </a:tc>
                 <a:extLst>
                   <a:ext uri="{0D108BD9-81ED-4DB2-BD59-A6C34878D82A}">
-                    <a16:rowId xmlns:a16="http://schemas.microsoft.com/office/drawing/2014/main" xmlns="" val="299591282"/>
+                    <a16:rowId xmlns:a16="http://schemas.microsoft.com/office/drawing/2014/main" val="299591282"/>
                   </a:ext>
                 </a:extLst>
               </a:tr>
@@ -31929,7 +32678,7 @@
                           <a:hlinkClick r:id="rId4">
                             <a:extLst>
                               <a:ext uri="{A12FA001-AC4F-418D-AE19-62706E023703}">
-                                <ahyp:hlinkClr xmlns:ahyp="http://schemas.microsoft.com/office/drawing/2018/hyperlinkcolor" xmlns="" val="tx"/>
+                                <ahyp:hlinkClr xmlns="" xmlns:ahyp="http://schemas.microsoft.com/office/drawing/2018/hyperlinkcolor" val="tx"/>
                               </a:ext>
                             </a:extLst>
                           </a:hlinkClick>
@@ -31974,7 +32723,7 @@
                 </a:tc>
                 <a:extLst>
                   <a:ext uri="{0D108BD9-81ED-4DB2-BD59-A6C34878D82A}">
-                    <a16:rowId xmlns:a16="http://schemas.microsoft.com/office/drawing/2014/main" xmlns="" val="3573142734"/>
+                    <a16:rowId xmlns:a16="http://schemas.microsoft.com/office/drawing/2014/main" val="3573142734"/>
                   </a:ext>
                 </a:extLst>
               </a:tr>
@@ -32036,7 +32785,7 @@
                           <a:hlinkClick r:id="rId5">
                             <a:extLst>
                               <a:ext uri="{A12FA001-AC4F-418D-AE19-62706E023703}">
-                                <ahyp:hlinkClr xmlns:ahyp="http://schemas.microsoft.com/office/drawing/2018/hyperlinkcolor" xmlns="" val="tx"/>
+                                <ahyp:hlinkClr xmlns="" xmlns:ahyp="http://schemas.microsoft.com/office/drawing/2018/hyperlinkcolor" val="tx"/>
                               </a:ext>
                             </a:extLst>
                           </a:hlinkClick>
@@ -32081,7 +32830,7 @@
                 </a:tc>
                 <a:extLst>
                   <a:ext uri="{0D108BD9-81ED-4DB2-BD59-A6C34878D82A}">
-                    <a16:rowId xmlns:a16="http://schemas.microsoft.com/office/drawing/2014/main" xmlns="" val="1759848074"/>
+                    <a16:rowId xmlns:a16="http://schemas.microsoft.com/office/drawing/2014/main" val="1759848074"/>
                   </a:ext>
                 </a:extLst>
               </a:tr>
@@ -32182,7 +32931,7 @@
                 </a:tc>
                 <a:extLst>
                   <a:ext uri="{0D108BD9-81ED-4DB2-BD59-A6C34878D82A}">
-                    <a16:rowId xmlns:a16="http://schemas.microsoft.com/office/drawing/2014/main" xmlns="" val="2033694224"/>
+                    <a16:rowId xmlns:a16="http://schemas.microsoft.com/office/drawing/2014/main" val="2033694224"/>
                   </a:ext>
                 </a:extLst>
               </a:tr>
@@ -32203,7 +32952,7 @@
 </p:sld>
 </file>
 
-<file path=ppt/slides/slide37.xml><?xml version="1.0" encoding="utf-8"?>
+<file path=ppt/slides/slide39.xml><?xml version="1.0" encoding="utf-8"?>
 <p:sld xmlns:a="http://schemas.openxmlformats.org/drawingml/2006/main" xmlns:r="http://schemas.openxmlformats.org/officeDocument/2006/relationships" xmlns:p="http://schemas.openxmlformats.org/presentationml/2006/main" show="0">
   <p:cSld>
     <p:spTree>
@@ -32225,7 +32974,7 @@
           <p:cNvPr id="4" name="TextBox 3">
             <a:extLst>
               <a:ext uri="{FF2B5EF4-FFF2-40B4-BE49-F238E27FC236}">
-                <a16:creationId xmlns:a16="http://schemas.microsoft.com/office/drawing/2014/main" xmlns="" id="{D16A7090-381B-E841-BB74-41DBCEA7FF0F}"/>
+                <a16:creationId xmlns:a16="http://schemas.microsoft.com/office/drawing/2014/main" id="{D16A7090-381B-E841-BB74-41DBCEA7FF0F}"/>
               </a:ext>
             </a:extLst>
           </p:cNvPr>
@@ -32347,7 +33096,7 @@
           <p:cNvPr id="5" name="Rectangle 4">
             <a:extLst>
               <a:ext uri="{FF2B5EF4-FFF2-40B4-BE49-F238E27FC236}">
-                <a16:creationId xmlns:a16="http://schemas.microsoft.com/office/drawing/2014/main" xmlns="" id="{43782CCC-6DE8-014D-86E0-2D4D61E0D19C}"/>
+                <a16:creationId xmlns:a16="http://schemas.microsoft.com/office/drawing/2014/main" id="{43782CCC-6DE8-014D-86E0-2D4D61E0D19C}"/>
               </a:ext>
             </a:extLst>
           </p:cNvPr>
@@ -32392,18 +33141,179 @@
   <p:clrMapOvr>
     <a:masterClrMapping/>
   </p:clrMapOvr>
-  <mc:AlternateContent xmlns:mc="http://schemas.openxmlformats.org/markup-compatibility/2006">
-    <mc:Choice xmlns:p14="http://schemas.microsoft.com/office/powerpoint/2010/main" Requires="p14">
+  <mc:AlternateContent xmlns:mc="http://schemas.openxmlformats.org/markup-compatibility/2006" xmlns:p14="http://schemas.microsoft.com/office/powerpoint/2010/main">
+    <mc:Choice Requires="p14">
       <p:transition spd="slow" p14:dur="2000"/>
     </mc:Choice>
-    <mc:Fallback>
+    <mc:Fallback xmlns="">
       <p:transition spd="slow"/>
     </mc:Fallback>
   </mc:AlternateContent>
 </p:sld>
 </file>
 
-<file path=ppt/slides/slide38.xml><?xml version="1.0" encoding="utf-8"?>
+<file path=ppt/slides/slide4.xml><?xml version="1.0" encoding="utf-8"?>
+<p:sld xmlns:a="http://schemas.openxmlformats.org/drawingml/2006/main" xmlns:r="http://schemas.openxmlformats.org/officeDocument/2006/relationships" xmlns:p="http://schemas.openxmlformats.org/presentationml/2006/main">
+  <p:cSld>
+    <p:spTree>
+      <p:nvGrpSpPr>
+        <p:cNvPr id="1" name=""/>
+        <p:cNvGrpSpPr/>
+        <p:nvPr/>
+      </p:nvGrpSpPr>
+      <p:grpSpPr>
+        <a:xfrm>
+          <a:off x="0" y="0"/>
+          <a:ext cx="0" cy="0"/>
+          <a:chOff x="0" y="0"/>
+          <a:chExt cx="0" cy="0"/>
+        </a:xfrm>
+      </p:grpSpPr>
+      <p:sp>
+        <p:nvSpPr>
+          <p:cNvPr id="2" name="Title 1"/>
+          <p:cNvSpPr>
+            <a:spLocks noGrp="1"/>
+          </p:cNvSpPr>
+          <p:nvPr>
+            <p:ph type="title"/>
+          </p:nvPr>
+        </p:nvSpPr>
+        <p:spPr/>
+        <p:txBody>
+          <a:bodyPr/>
+          <a:lstStyle/>
+          <a:p>
+            <a:r>
+              <a:rPr lang="en-US" sz="3200" dirty="0" smtClean="0">
+                <a:solidFill>
+                  <a:srgbClr val="003B5C"/>
+                </a:solidFill>
+                <a:latin typeface="Roboto Medium" panose="02000000000000000000" pitchFamily="2" charset="0"/>
+                <a:ea typeface="Roboto Medium" panose="02000000000000000000" pitchFamily="2" charset="0"/>
+                <a:cs typeface="Montserrat Medium"/>
+              </a:rPr>
+              <a:t>TMA </a:t>
+            </a:r>
+            <a:r>
+              <a:rPr lang="en-US" sz="3200" u="sng" dirty="0" smtClean="0">
+                <a:solidFill>
+                  <a:srgbClr val="003B5C"/>
+                </a:solidFill>
+                <a:latin typeface="Roboto Medium" panose="02000000000000000000" pitchFamily="2" charset="0"/>
+                <a:ea typeface="Roboto Medium" panose="02000000000000000000" pitchFamily="2" charset="0"/>
+                <a:cs typeface="Montserrat Medium"/>
+              </a:rPr>
+              <a:t>IDEAL</a:t>
+            </a:r>
+            <a:r>
+              <a:rPr lang="en-US" sz="3200" dirty="0" smtClean="0">
+                <a:solidFill>
+                  <a:srgbClr val="003B5C"/>
+                </a:solidFill>
+                <a:latin typeface="Roboto Medium" panose="02000000000000000000" pitchFamily="2" charset="0"/>
+                <a:ea typeface="Roboto Medium" panose="02000000000000000000" pitchFamily="2" charset="0"/>
+                <a:cs typeface="Montserrat Medium"/>
+              </a:rPr>
+              <a:t> Solutions</a:t>
+            </a:r>
+            <a:endParaRPr lang="en-US" sz="3200" dirty="0">
+              <a:solidFill>
+                <a:srgbClr val="003B5C"/>
+              </a:solidFill>
+              <a:latin typeface="Roboto Medium" panose="02000000000000000000" pitchFamily="2" charset="0"/>
+              <a:ea typeface="Roboto Medium" panose="02000000000000000000" pitchFamily="2" charset="0"/>
+              <a:cs typeface="Montserrat Medium"/>
+            </a:endParaRPr>
+          </a:p>
+        </p:txBody>
+      </p:sp>
+      <p:pic>
+        <p:nvPicPr>
+          <p:cNvPr id="3" name="Picture 2"/>
+          <p:cNvPicPr>
+            <a:picLocks noChangeAspect="1"/>
+          </p:cNvPicPr>
+          <p:nvPr/>
+        </p:nvPicPr>
+        <p:blipFill>
+          <a:blip r:embed="rId2"/>
+          <a:stretch>
+            <a:fillRect/>
+          </a:stretch>
+        </p:blipFill>
+        <p:spPr>
+          <a:xfrm>
+            <a:off x="539619" y="855044"/>
+            <a:ext cx="4690303" cy="1774498"/>
+          </a:xfrm>
+          <a:prstGeom prst="rect">
+            <a:avLst/>
+          </a:prstGeom>
+        </p:spPr>
+      </p:pic>
+      <p:pic>
+        <p:nvPicPr>
+          <p:cNvPr id="4" name="Picture 3"/>
+          <p:cNvPicPr>
+            <a:picLocks noChangeAspect="1"/>
+          </p:cNvPicPr>
+          <p:nvPr/>
+        </p:nvPicPr>
+        <p:blipFill>
+          <a:blip r:embed="rId3"/>
+          <a:stretch>
+            <a:fillRect/>
+          </a:stretch>
+        </p:blipFill>
+        <p:spPr>
+          <a:xfrm>
+            <a:off x="539619" y="2871787"/>
+            <a:ext cx="7779191" cy="524720"/>
+          </a:xfrm>
+          <a:prstGeom prst="rect">
+            <a:avLst/>
+          </a:prstGeom>
+        </p:spPr>
+      </p:pic>
+      <p:pic>
+        <p:nvPicPr>
+          <p:cNvPr id="5" name="Picture 4"/>
+          <p:cNvPicPr>
+            <a:picLocks noChangeAspect="1"/>
+          </p:cNvPicPr>
+          <p:nvPr/>
+        </p:nvPicPr>
+        <p:blipFill>
+          <a:blip r:embed="rId4"/>
+          <a:stretch>
+            <a:fillRect/>
+          </a:stretch>
+        </p:blipFill>
+        <p:spPr>
+          <a:xfrm>
+            <a:off x="539619" y="3632735"/>
+            <a:ext cx="7779191" cy="758742"/>
+          </a:xfrm>
+          <a:prstGeom prst="rect">
+            <a:avLst/>
+          </a:prstGeom>
+        </p:spPr>
+      </p:pic>
+    </p:spTree>
+    <p:extLst>
+      <p:ext uri="{BB962C8B-B14F-4D97-AF65-F5344CB8AC3E}">
+        <p14:creationId xmlns:p14="http://schemas.microsoft.com/office/powerpoint/2010/main" val="83624460"/>
+      </p:ext>
+    </p:extLst>
+  </p:cSld>
+  <p:clrMapOvr>
+    <a:masterClrMapping/>
+  </p:clrMapOvr>
+</p:sld>
+</file>
+
+<file path=ppt/slides/slide40.xml><?xml version="1.0" encoding="utf-8"?>
 <p:sld xmlns:a="http://schemas.openxmlformats.org/drawingml/2006/main" xmlns:r="http://schemas.openxmlformats.org/officeDocument/2006/relationships" xmlns:p="http://schemas.openxmlformats.org/presentationml/2006/main" show="0">
   <p:cSld>
     <p:spTree>
@@ -32425,7 +33335,7 @@
           <p:cNvPr id="4" name="TextBox 3">
             <a:extLst>
               <a:ext uri="{FF2B5EF4-FFF2-40B4-BE49-F238E27FC236}">
-                <a16:creationId xmlns:a16="http://schemas.microsoft.com/office/drawing/2014/main" xmlns="" id="{D16A7090-381B-E841-BB74-41DBCEA7FF0F}"/>
+                <a16:creationId xmlns:a16="http://schemas.microsoft.com/office/drawing/2014/main" id="{D16A7090-381B-E841-BB74-41DBCEA7FF0F}"/>
               </a:ext>
             </a:extLst>
           </p:cNvPr>
@@ -32556,7 +33466,7 @@
           <p:cNvPr id="2" name="Rectangle 1">
             <a:extLst>
               <a:ext uri="{FF2B5EF4-FFF2-40B4-BE49-F238E27FC236}">
-                <a16:creationId xmlns:a16="http://schemas.microsoft.com/office/drawing/2014/main" xmlns="" id="{3227C611-DB7D-2442-A05A-9E3EC18E1DC0}"/>
+                <a16:creationId xmlns:a16="http://schemas.microsoft.com/office/drawing/2014/main" id="{3227C611-DB7D-2442-A05A-9E3EC18E1DC0}"/>
               </a:ext>
             </a:extLst>
           </p:cNvPr>
@@ -32601,18 +33511,192 @@
   <p:clrMapOvr>
     <a:masterClrMapping/>
   </p:clrMapOvr>
-  <mc:AlternateContent xmlns:mc="http://schemas.openxmlformats.org/markup-compatibility/2006">
-    <mc:Choice xmlns:p14="http://schemas.microsoft.com/office/powerpoint/2010/main" Requires="p14">
+  <mc:AlternateContent xmlns:mc="http://schemas.openxmlformats.org/markup-compatibility/2006" xmlns:p14="http://schemas.microsoft.com/office/powerpoint/2010/main">
+    <mc:Choice Requires="p14">
       <p:transition spd="slow" p14:dur="2000"/>
     </mc:Choice>
-    <mc:Fallback>
+    <mc:Fallback xmlns="">
       <p:transition spd="slow"/>
     </mc:Fallback>
   </mc:AlternateContent>
 </p:sld>
 </file>
 
-<file path=ppt/slides/slide4.xml><?xml version="1.0" encoding="utf-8"?>
+<file path=ppt/slides/slide5.xml><?xml version="1.0" encoding="utf-8"?>
+<p:sld xmlns:a="http://schemas.openxmlformats.org/drawingml/2006/main" xmlns:r="http://schemas.openxmlformats.org/officeDocument/2006/relationships" xmlns:p="http://schemas.openxmlformats.org/presentationml/2006/main">
+  <p:cSld>
+    <p:spTree>
+      <p:nvGrpSpPr>
+        <p:cNvPr id="1" name=""/>
+        <p:cNvGrpSpPr/>
+        <p:nvPr/>
+      </p:nvGrpSpPr>
+      <p:grpSpPr>
+        <a:xfrm>
+          <a:off x="0" y="0"/>
+          <a:ext cx="0" cy="0"/>
+          <a:chOff x="0" y="0"/>
+          <a:chExt cx="0" cy="0"/>
+        </a:xfrm>
+      </p:grpSpPr>
+      <p:sp>
+        <p:nvSpPr>
+          <p:cNvPr id="4" name="Title 1"/>
+          <p:cNvSpPr>
+            <a:spLocks noGrp="1"/>
+          </p:cNvSpPr>
+          <p:nvPr>
+            <p:ph type="ctrTitle"/>
+          </p:nvPr>
+        </p:nvSpPr>
+        <p:spPr>
+          <a:xfrm>
+            <a:off x="257174" y="1246732"/>
+            <a:ext cx="8658225" cy="1618932"/>
+          </a:xfrm>
+        </p:spPr>
+        <p:txBody>
+          <a:bodyPr/>
+          <a:lstStyle>
+            <a:lvl1pPr>
+              <a:defRPr sz="4500" baseline="0">
+                <a:solidFill>
+                  <a:srgbClr val="003B5C"/>
+                </a:solidFill>
+              </a:defRPr>
+            </a:lvl1pPr>
+          </a:lstStyle>
+          <a:p>
+            <a:r>
+              <a:rPr lang="en-GB" sz="4300" dirty="0">
+                <a:solidFill>
+                  <a:schemeClr val="bg1"/>
+                </a:solidFill>
+                <a:latin typeface="Roboto Medium" panose="02000000000000000000" pitchFamily="2" charset="0"/>
+                <a:ea typeface="Roboto Medium" panose="02000000000000000000" pitchFamily="2" charset="0"/>
+              </a:rPr>
+              <a:t>Visualisation for Business</a:t>
+            </a:r>
+            <a:br>
+              <a:rPr lang="en-GB" sz="4300" dirty="0">
+                <a:solidFill>
+                  <a:schemeClr val="bg1"/>
+                </a:solidFill>
+                <a:latin typeface="Roboto Medium" panose="02000000000000000000" pitchFamily="2" charset="0"/>
+                <a:ea typeface="Roboto Medium" panose="02000000000000000000" pitchFamily="2" charset="0"/>
+              </a:rPr>
+            </a:br>
+            <a:r>
+              <a:rPr lang="en-GB" sz="4300" dirty="0">
+                <a:solidFill>
+                  <a:srgbClr val="DA291C"/>
+                </a:solidFill>
+                <a:latin typeface="Roboto Medium" panose="02000000000000000000" pitchFamily="2" charset="0"/>
+                <a:ea typeface="Roboto Medium" panose="02000000000000000000" pitchFamily="2" charset="0"/>
+              </a:rPr>
+              <a:t>ANL 201</a:t>
+            </a:r>
+          </a:p>
+        </p:txBody>
+      </p:sp>
+      <p:sp>
+        <p:nvSpPr>
+          <p:cNvPr id="3" name="Subtitle 2"/>
+          <p:cNvSpPr>
+            <a:spLocks noGrp="1"/>
+          </p:cNvSpPr>
+          <p:nvPr>
+            <p:ph type="subTitle" idx="1"/>
+          </p:nvPr>
+        </p:nvSpPr>
+        <p:spPr>
+          <a:xfrm>
+            <a:off x="253128" y="2865663"/>
+            <a:ext cx="6400800" cy="904985"/>
+          </a:xfrm>
+        </p:spPr>
+        <p:txBody>
+          <a:bodyPr anchor="b"/>
+          <a:lstStyle/>
+          <a:p>
+            <a:r>
+              <a:rPr lang="en-GB" i="1" dirty="0">
+                <a:latin typeface="Roboto Medium" panose="02000000000000000000" pitchFamily="2" charset="0"/>
+                <a:ea typeface="Roboto Medium" panose="02000000000000000000" pitchFamily="2" charset="0"/>
+              </a:rPr>
+              <a:t>Basic Data Visualisation Techniques</a:t>
+            </a:r>
+            <a:br>
+              <a:rPr lang="en-GB" i="1" dirty="0">
+                <a:latin typeface="Roboto Medium" panose="02000000000000000000" pitchFamily="2" charset="0"/>
+                <a:ea typeface="Roboto Medium" panose="02000000000000000000" pitchFamily="2" charset="0"/>
+              </a:rPr>
+            </a:br>
+            <a:r>
+              <a:rPr lang="en-GB" i="1" dirty="0">
+                <a:latin typeface="Roboto Medium" panose="02000000000000000000" pitchFamily="2" charset="0"/>
+                <a:ea typeface="Roboto Medium" panose="02000000000000000000" pitchFamily="2" charset="0"/>
+              </a:rPr>
+              <a:t>Study Unit 4</a:t>
+            </a:r>
+          </a:p>
+        </p:txBody>
+      </p:sp>
+      <p:sp>
+        <p:nvSpPr>
+          <p:cNvPr id="5" name="TextBox 4">
+            <a:extLst>
+              <a:ext uri="{FF2B5EF4-FFF2-40B4-BE49-F238E27FC236}">
+                <a16:creationId xmlns:a16="http://schemas.microsoft.com/office/drawing/2014/main" id="{C68BFD21-8063-2C4D-8B57-5040F83B346B}"/>
+              </a:ext>
+            </a:extLst>
+          </p:cNvPr>
+          <p:cNvSpPr txBox="1"/>
+          <p:nvPr/>
+        </p:nvSpPr>
+        <p:spPr>
+          <a:xfrm>
+            <a:off x="253128" y="3896768"/>
+            <a:ext cx="1127232" cy="276999"/>
+          </a:xfrm>
+          <a:prstGeom prst="rect">
+            <a:avLst/>
+          </a:prstGeom>
+          <a:noFill/>
+        </p:spPr>
+        <p:txBody>
+          <a:bodyPr wrap="none" rtlCol="0">
+            <a:spAutoFit/>
+          </a:bodyPr>
+          <a:lstStyle/>
+          <a:p>
+            <a:r>
+              <a:rPr lang="en-US" sz="1200" dirty="0">
+                <a:solidFill>
+                  <a:srgbClr val="99D6EA"/>
+                </a:solidFill>
+                <a:latin typeface="Roboto Medium" panose="02000000000000000000" pitchFamily="2" charset="0"/>
+                <a:ea typeface="Roboto Medium" panose="02000000000000000000" pitchFamily="2" charset="0"/>
+              </a:rPr>
+              <a:t>January 2021</a:t>
+            </a:r>
+          </a:p>
+        </p:txBody>
+      </p:sp>
+    </p:spTree>
+    <p:extLst>
+      <p:ext uri="{BB962C8B-B14F-4D97-AF65-F5344CB8AC3E}">
+        <p14:creationId xmlns:p14="http://schemas.microsoft.com/office/powerpoint/2010/main" val="18409553"/>
+      </p:ext>
+    </p:extLst>
+  </p:cSld>
+  <p:clrMapOvr>
+    <a:masterClrMapping/>
+  </p:clrMapOvr>
+</p:sld>
+</file>
+
+<file path=ppt/slides/slide6.xml><?xml version="1.0" encoding="utf-8"?>
 <p:sld xmlns:a="http://schemas.openxmlformats.org/drawingml/2006/main" xmlns:r="http://schemas.openxmlformats.org/officeDocument/2006/relationships" xmlns:p="http://schemas.openxmlformats.org/presentationml/2006/main">
   <p:cSld>
     <p:spTree>
@@ -32713,7 +33797,7 @@
 </p:sld>
 </file>
 
-<file path=ppt/slides/slide5.xml><?xml version="1.0" encoding="utf-8"?>
+<file path=ppt/slides/slide7.xml><?xml version="1.0" encoding="utf-8"?>
 <p:sld xmlns:a="http://schemas.openxmlformats.org/drawingml/2006/main" xmlns:r="http://schemas.openxmlformats.org/officeDocument/2006/relationships" xmlns:p="http://schemas.openxmlformats.org/presentationml/2006/main">
   <p:cSld>
     <p:spTree>
@@ -32967,7 +34051,7 @@
 </p:sld>
 </file>
 
-<file path=ppt/slides/slide6.xml><?xml version="1.0" encoding="utf-8"?>
+<file path=ppt/slides/slide8.xml><?xml version="1.0" encoding="utf-8"?>
 <p:sld xmlns:a="http://schemas.openxmlformats.org/drawingml/2006/main" xmlns:r="http://schemas.openxmlformats.org/officeDocument/2006/relationships" xmlns:p="http://schemas.openxmlformats.org/presentationml/2006/main">
   <p:cSld>
     <p:spTree>
@@ -33207,7 +34291,7 @@
 </p:sld>
 </file>
 
-<file path=ppt/slides/slide7.xml><?xml version="1.0" encoding="utf-8"?>
+<file path=ppt/slides/slide9.xml><?xml version="1.0" encoding="utf-8"?>
 <p:sld xmlns:a="http://schemas.openxmlformats.org/drawingml/2006/main" xmlns:r="http://schemas.openxmlformats.org/officeDocument/2006/relationships" xmlns:p="http://schemas.openxmlformats.org/presentationml/2006/main">
   <p:cSld>
     <p:spTree>
@@ -33229,7 +34313,7 @@
           <p:cNvPr id="2" name="Title 1">
             <a:extLst>
               <a:ext uri="{FF2B5EF4-FFF2-40B4-BE49-F238E27FC236}">
-                <a16:creationId xmlns:a16="http://schemas.microsoft.com/office/drawing/2014/main" xmlns="" id="{4FAC9F39-EB81-4370-B2A8-CF1588F60BDC}"/>
+                <a16:creationId xmlns:a16="http://schemas.microsoft.com/office/drawing/2014/main" id="{4FAC9F39-EB81-4370-B2A8-CF1588F60BDC}"/>
               </a:ext>
             </a:extLst>
           </p:cNvPr>
@@ -33261,7 +34345,7 @@
           <p:cNvPr id="3" name="Content Placeholder 2">
             <a:extLst>
               <a:ext uri="{FF2B5EF4-FFF2-40B4-BE49-F238E27FC236}">
-                <a16:creationId xmlns:a16="http://schemas.microsoft.com/office/drawing/2014/main" xmlns="" id="{13F3CC7C-7EEC-4BE3-9E02-3F8A4C17C086}"/>
+                <a16:creationId xmlns:a16="http://schemas.microsoft.com/office/drawing/2014/main" id="{13F3CC7C-7EEC-4BE3-9E02-3F8A4C17C086}"/>
               </a:ext>
             </a:extLst>
           </p:cNvPr>
@@ -33278,8 +34362,16 @@
           <a:lstStyle/>
           <a:p>
             <a:r>
+              <a:rPr lang="en-US" dirty="0" err="1" smtClean="0"/>
+              <a:t>Qn</a:t>
+            </a:r>
+            <a:r>
+              <a:rPr lang="en-US" dirty="0" smtClean="0"/>
+              <a:t>: What </a:t>
+            </a:r>
+            <a:r>
               <a:rPr lang="en-US" dirty="0"/>
-              <a:t>What does the data trend look like?</a:t>
+              <a:t>does the data trend look like?</a:t>
             </a:r>
             <a:endParaRPr lang="en-SG" dirty="0"/>
           </a:p>
@@ -33290,7 +34382,7 @@
           <p:cNvPr id="5" name="TextBox 4">
             <a:extLst>
               <a:ext uri="{FF2B5EF4-FFF2-40B4-BE49-F238E27FC236}">
-                <a16:creationId xmlns:a16="http://schemas.microsoft.com/office/drawing/2014/main" xmlns="" id="{D9BCA21E-7E57-4955-9B4E-C6A7AD4C7A7F}"/>
+                <a16:creationId xmlns:a16="http://schemas.microsoft.com/office/drawing/2014/main" id="{D9BCA21E-7E57-4955-9B4E-C6A7AD4C7A7F}"/>
               </a:ext>
             </a:extLst>
           </p:cNvPr>
@@ -33432,7 +34524,7 @@
           <p:cNvPr id="7" name="Table 6">
             <a:extLst>
               <a:ext uri="{FF2B5EF4-FFF2-40B4-BE49-F238E27FC236}">
-                <a16:creationId xmlns:a16="http://schemas.microsoft.com/office/drawing/2014/main" xmlns="" id="{FF8774E9-3D9C-4ECC-BE11-575CDEABBD82}"/>
+                <a16:creationId xmlns:a16="http://schemas.microsoft.com/office/drawing/2014/main" id="{FF8774E9-3D9C-4ECC-BE11-575CDEABBD82}"/>
               </a:ext>
             </a:extLst>
           </p:cNvPr>
@@ -33459,28 +34551,28 @@
                 <a:gridCol w="596900">
                   <a:extLst>
                     <a:ext uri="{9D8B030D-6E8A-4147-A177-3AD203B41FA5}">
-                      <a16:colId xmlns:a16="http://schemas.microsoft.com/office/drawing/2014/main" xmlns="" val="1081783649"/>
+                      <a16:colId xmlns:a16="http://schemas.microsoft.com/office/drawing/2014/main" val="1081783649"/>
                     </a:ext>
                   </a:extLst>
                 </a:gridCol>
                 <a:gridCol w="596900">
                   <a:extLst>
                     <a:ext uri="{9D8B030D-6E8A-4147-A177-3AD203B41FA5}">
-                      <a16:colId xmlns:a16="http://schemas.microsoft.com/office/drawing/2014/main" xmlns="" val="2263282413"/>
+                      <a16:colId xmlns:a16="http://schemas.microsoft.com/office/drawing/2014/main" val="2263282413"/>
                     </a:ext>
                   </a:extLst>
                 </a:gridCol>
                 <a:gridCol w="596900">
                   <a:extLst>
                     <a:ext uri="{9D8B030D-6E8A-4147-A177-3AD203B41FA5}">
-                      <a16:colId xmlns:a16="http://schemas.microsoft.com/office/drawing/2014/main" xmlns="" val="2506003480"/>
+                      <a16:colId xmlns:a16="http://schemas.microsoft.com/office/drawing/2014/main" val="2506003480"/>
                     </a:ext>
                   </a:extLst>
                 </a:gridCol>
                 <a:gridCol w="596900">
                   <a:extLst>
                     <a:ext uri="{9D8B030D-6E8A-4147-A177-3AD203B41FA5}">
-                      <a16:colId xmlns:a16="http://schemas.microsoft.com/office/drawing/2014/main" xmlns="" val="3398642583"/>
+                      <a16:colId xmlns:a16="http://schemas.microsoft.com/office/drawing/2014/main" val="3398642583"/>
                     </a:ext>
                   </a:extLst>
                 </a:gridCol>
@@ -33580,7 +34672,7 @@
                 </a:tc>
                 <a:extLst>
                   <a:ext uri="{0D108BD9-81ED-4DB2-BD59-A6C34878D82A}">
-                    <a16:rowId xmlns:a16="http://schemas.microsoft.com/office/drawing/2014/main" xmlns="" val="684340358"/>
+                    <a16:rowId xmlns:a16="http://schemas.microsoft.com/office/drawing/2014/main" val="684340358"/>
                   </a:ext>
                 </a:extLst>
               </a:tr>
@@ -33833,7 +34925,7 @@
                 </a:tc>
                 <a:extLst>
                   <a:ext uri="{0D108BD9-81ED-4DB2-BD59-A6C34878D82A}">
-                    <a16:rowId xmlns:a16="http://schemas.microsoft.com/office/drawing/2014/main" xmlns="" val="2341932649"/>
+                    <a16:rowId xmlns:a16="http://schemas.microsoft.com/office/drawing/2014/main" val="2341932649"/>
                   </a:ext>
                 </a:extLst>
               </a:tr>
@@ -34086,7 +35178,7 @@
                 </a:tc>
                 <a:extLst>
                   <a:ext uri="{0D108BD9-81ED-4DB2-BD59-A6C34878D82A}">
-                    <a16:rowId xmlns:a16="http://schemas.microsoft.com/office/drawing/2014/main" xmlns="" val="2746641454"/>
+                    <a16:rowId xmlns:a16="http://schemas.microsoft.com/office/drawing/2014/main" val="2746641454"/>
                   </a:ext>
                 </a:extLst>
               </a:tr>
@@ -34339,7 +35431,7 @@
                 </a:tc>
                 <a:extLst>
                   <a:ext uri="{0D108BD9-81ED-4DB2-BD59-A6C34878D82A}">
-                    <a16:rowId xmlns:a16="http://schemas.microsoft.com/office/drawing/2014/main" xmlns="" val="541525964"/>
+                    <a16:rowId xmlns:a16="http://schemas.microsoft.com/office/drawing/2014/main" val="541525964"/>
                   </a:ext>
                 </a:extLst>
               </a:tr>
@@ -34592,7 +35684,7 @@
                 </a:tc>
                 <a:extLst>
                   <a:ext uri="{0D108BD9-81ED-4DB2-BD59-A6C34878D82A}">
-                    <a16:rowId xmlns:a16="http://schemas.microsoft.com/office/drawing/2014/main" xmlns="" val="1759464475"/>
+                    <a16:rowId xmlns:a16="http://schemas.microsoft.com/office/drawing/2014/main" val="1759464475"/>
                   </a:ext>
                 </a:extLst>
               </a:tr>
@@ -34845,7 +35937,7 @@
                 </a:tc>
                 <a:extLst>
                   <a:ext uri="{0D108BD9-81ED-4DB2-BD59-A6C34878D82A}">
-                    <a16:rowId xmlns:a16="http://schemas.microsoft.com/office/drawing/2014/main" xmlns="" val="3038138512"/>
+                    <a16:rowId xmlns:a16="http://schemas.microsoft.com/office/drawing/2014/main" val="3038138512"/>
                   </a:ext>
                 </a:extLst>
               </a:tr>
@@ -34858,7 +35950,7 @@
           <p:cNvPr id="8" name="Arrow: Right 7">
             <a:extLst>
               <a:ext uri="{FF2B5EF4-FFF2-40B4-BE49-F238E27FC236}">
-                <a16:creationId xmlns:a16="http://schemas.microsoft.com/office/drawing/2014/main" xmlns="" id="{944DFE5C-B71D-4334-93AE-997998B9AE91}"/>
+                <a16:creationId xmlns:a16="http://schemas.microsoft.com/office/drawing/2014/main" id="{944DFE5C-B71D-4334-93AE-997998B9AE91}"/>
               </a:ext>
             </a:extLst>
           </p:cNvPr>
@@ -34907,7 +35999,7 @@
           <p:cNvPr id="9" name="Table 8">
             <a:extLst>
               <a:ext uri="{FF2B5EF4-FFF2-40B4-BE49-F238E27FC236}">
-                <a16:creationId xmlns:a16="http://schemas.microsoft.com/office/drawing/2014/main" xmlns="" id="{F592FBE0-5D89-4982-8707-B1C9DF5B40BD}"/>
+                <a16:creationId xmlns:a16="http://schemas.microsoft.com/office/drawing/2014/main" id="{F592FBE0-5D89-4982-8707-B1C9DF5B40BD}"/>
               </a:ext>
             </a:extLst>
           </p:cNvPr>
@@ -34936,28 +36028,28 @@
                 <a:gridCol w="596900">
                   <a:extLst>
                     <a:ext uri="{9D8B030D-6E8A-4147-A177-3AD203B41FA5}">
-                      <a16:colId xmlns:a16="http://schemas.microsoft.com/office/drawing/2014/main" xmlns="" val="353780931"/>
+                      <a16:colId xmlns:a16="http://schemas.microsoft.com/office/drawing/2014/main" val="353780931"/>
                     </a:ext>
                   </a:extLst>
                 </a:gridCol>
                 <a:gridCol w="596900">
                   <a:extLst>
                     <a:ext uri="{9D8B030D-6E8A-4147-A177-3AD203B41FA5}">
-                      <a16:colId xmlns:a16="http://schemas.microsoft.com/office/drawing/2014/main" xmlns="" val="2951159584"/>
+                      <a16:colId xmlns:a16="http://schemas.microsoft.com/office/drawing/2014/main" val="2951159584"/>
                     </a:ext>
                   </a:extLst>
                 </a:gridCol>
                 <a:gridCol w="596900">
                   <a:extLst>
                     <a:ext uri="{9D8B030D-6E8A-4147-A177-3AD203B41FA5}">
-                      <a16:colId xmlns:a16="http://schemas.microsoft.com/office/drawing/2014/main" xmlns="" val="1949492650"/>
+                      <a16:colId xmlns:a16="http://schemas.microsoft.com/office/drawing/2014/main" val="1949492650"/>
                     </a:ext>
                   </a:extLst>
                 </a:gridCol>
                 <a:gridCol w="596900">
                   <a:extLst>
                     <a:ext uri="{9D8B030D-6E8A-4147-A177-3AD203B41FA5}">
-                      <a16:colId xmlns:a16="http://schemas.microsoft.com/office/drawing/2014/main" xmlns="" val="4294266051"/>
+                      <a16:colId xmlns:a16="http://schemas.microsoft.com/office/drawing/2014/main" val="4294266051"/>
                     </a:ext>
                   </a:extLst>
                 </a:gridCol>
@@ -35057,7 +36149,7 @@
                 </a:tc>
                 <a:extLst>
                   <a:ext uri="{0D108BD9-81ED-4DB2-BD59-A6C34878D82A}">
-                    <a16:rowId xmlns:a16="http://schemas.microsoft.com/office/drawing/2014/main" xmlns="" val="1493971602"/>
+                    <a16:rowId xmlns:a16="http://schemas.microsoft.com/office/drawing/2014/main" val="1493971602"/>
                   </a:ext>
                 </a:extLst>
               </a:tr>
@@ -35312,7 +36404,7 @@
                 </a:tc>
                 <a:extLst>
                   <a:ext uri="{0D108BD9-81ED-4DB2-BD59-A6C34878D82A}">
-                    <a16:rowId xmlns:a16="http://schemas.microsoft.com/office/drawing/2014/main" xmlns="" val="1729116898"/>
+                    <a16:rowId xmlns:a16="http://schemas.microsoft.com/office/drawing/2014/main" val="1729116898"/>
                   </a:ext>
                 </a:extLst>
               </a:tr>
@@ -35567,7 +36659,7 @@
                 </a:tc>
                 <a:extLst>
                   <a:ext uri="{0D108BD9-81ED-4DB2-BD59-A6C34878D82A}">
-                    <a16:rowId xmlns:a16="http://schemas.microsoft.com/office/drawing/2014/main" xmlns="" val="1479149249"/>
+                    <a16:rowId xmlns:a16="http://schemas.microsoft.com/office/drawing/2014/main" val="1479149249"/>
                   </a:ext>
                 </a:extLst>
               </a:tr>
@@ -35822,7 +36914,7 @@
                 </a:tc>
                 <a:extLst>
                   <a:ext uri="{0D108BD9-81ED-4DB2-BD59-A6C34878D82A}">
-                    <a16:rowId xmlns:a16="http://schemas.microsoft.com/office/drawing/2014/main" xmlns="" val="3591797577"/>
+                    <a16:rowId xmlns:a16="http://schemas.microsoft.com/office/drawing/2014/main" val="3591797577"/>
                   </a:ext>
                 </a:extLst>
               </a:tr>
@@ -36077,7 +37169,7 @@
                 </a:tc>
                 <a:extLst>
                   <a:ext uri="{0D108BD9-81ED-4DB2-BD59-A6C34878D82A}">
-                    <a16:rowId xmlns:a16="http://schemas.microsoft.com/office/drawing/2014/main" xmlns="" val="3184431809"/>
+                    <a16:rowId xmlns:a16="http://schemas.microsoft.com/office/drawing/2014/main" val="3184431809"/>
                   </a:ext>
                 </a:extLst>
               </a:tr>
@@ -36332,7 +37424,7 @@
                 </a:tc>
                 <a:extLst>
                   <a:ext uri="{0D108BD9-81ED-4DB2-BD59-A6C34878D82A}">
-                    <a16:rowId xmlns:a16="http://schemas.microsoft.com/office/drawing/2014/main" xmlns="" val="2486596383"/>
+                    <a16:rowId xmlns:a16="http://schemas.microsoft.com/office/drawing/2014/main" val="2486596383"/>
                   </a:ext>
                 </a:extLst>
               </a:tr>
@@ -36345,7 +37437,7 @@
           <p:cNvPr id="10" name="Arrow: Right 9">
             <a:extLst>
               <a:ext uri="{FF2B5EF4-FFF2-40B4-BE49-F238E27FC236}">
-                <a16:creationId xmlns:a16="http://schemas.microsoft.com/office/drawing/2014/main" xmlns="" id="{84859C90-B343-4A9B-84C9-7EB35400D13F}"/>
+                <a16:creationId xmlns:a16="http://schemas.microsoft.com/office/drawing/2014/main" id="{84859C90-B343-4A9B-84C9-7EB35400D13F}"/>
               </a:ext>
             </a:extLst>
           </p:cNvPr>
@@ -36394,7 +37486,7 @@
           <p:cNvPr id="11" name="Arrow: Right 10">
             <a:extLst>
               <a:ext uri="{FF2B5EF4-FFF2-40B4-BE49-F238E27FC236}">
-                <a16:creationId xmlns:a16="http://schemas.microsoft.com/office/drawing/2014/main" xmlns="" id="{DADFCAA7-930D-4A85-98C1-A87F5FFFDF1A}"/>
+                <a16:creationId xmlns:a16="http://schemas.microsoft.com/office/drawing/2014/main" id="{DADFCAA7-930D-4A85-98C1-A87F5FFFDF1A}"/>
               </a:ext>
             </a:extLst>
           </p:cNvPr>
@@ -36443,7 +37535,7 @@
           <p:cNvPr id="14" name="TextBox 13">
             <a:extLst>
               <a:ext uri="{FF2B5EF4-FFF2-40B4-BE49-F238E27FC236}">
-                <a16:creationId xmlns:a16="http://schemas.microsoft.com/office/drawing/2014/main" xmlns="" id="{46C0E035-6C7F-4A31-8187-6040397CA9F3}"/>
+                <a16:creationId xmlns:a16="http://schemas.microsoft.com/office/drawing/2014/main" id="{46C0E035-6C7F-4A31-8187-6040397CA9F3}"/>
               </a:ext>
             </a:extLst>
           </p:cNvPr>
@@ -36606,7 +37698,7 @@
           <p:cNvPr id="15" name="TextBox 14">
             <a:extLst>
               <a:ext uri="{FF2B5EF4-FFF2-40B4-BE49-F238E27FC236}">
-                <a16:creationId xmlns:a16="http://schemas.microsoft.com/office/drawing/2014/main" xmlns="" id="{C72D244B-2488-4FB1-A4C4-FD5F9650FECF}"/>
+                <a16:creationId xmlns:a16="http://schemas.microsoft.com/office/drawing/2014/main" id="{C72D244B-2488-4FB1-A4C4-FD5F9650FECF}"/>
               </a:ext>
             </a:extLst>
           </p:cNvPr>
@@ -36648,7 +37740,7 @@
           <p:cNvPr id="16" name="Table 15">
             <a:extLst>
               <a:ext uri="{FF2B5EF4-FFF2-40B4-BE49-F238E27FC236}">
-                <a16:creationId xmlns:a16="http://schemas.microsoft.com/office/drawing/2014/main" xmlns="" id="{DAF7537B-6FDF-44BA-B1CD-0620F72FC97C}"/>
+                <a16:creationId xmlns:a16="http://schemas.microsoft.com/office/drawing/2014/main" id="{DAF7537B-6FDF-44BA-B1CD-0620F72FC97C}"/>
               </a:ext>
             </a:extLst>
           </p:cNvPr>
@@ -36677,14 +37769,14 @@
                 <a:gridCol w="756000">
                   <a:extLst>
                     <a:ext uri="{9D8B030D-6E8A-4147-A177-3AD203B41FA5}">
-                      <a16:colId xmlns:a16="http://schemas.microsoft.com/office/drawing/2014/main" xmlns="" val="3649957175"/>
+                      <a16:colId xmlns:a16="http://schemas.microsoft.com/office/drawing/2014/main" val="3649957175"/>
                     </a:ext>
                   </a:extLst>
                 </a:gridCol>
                 <a:gridCol w="756000">
                   <a:extLst>
                     <a:ext uri="{9D8B030D-6E8A-4147-A177-3AD203B41FA5}">
-                      <a16:colId xmlns:a16="http://schemas.microsoft.com/office/drawing/2014/main" xmlns="" val="779016287"/>
+                      <a16:colId xmlns:a16="http://schemas.microsoft.com/office/drawing/2014/main" val="779016287"/>
                     </a:ext>
                   </a:extLst>
                 </a:gridCol>
@@ -36810,7 +37902,7 @@
                 </a:tc>
                 <a:extLst>
                   <a:ext uri="{0D108BD9-81ED-4DB2-BD59-A6C34878D82A}">
-                    <a16:rowId xmlns:a16="http://schemas.microsoft.com/office/drawing/2014/main" xmlns="" val="3611561241"/>
+                    <a16:rowId xmlns:a16="http://schemas.microsoft.com/office/drawing/2014/main" val="3611561241"/>
                   </a:ext>
                 </a:extLst>
               </a:tr>
@@ -36935,7 +38027,7 @@
                 </a:tc>
                 <a:extLst>
                   <a:ext uri="{0D108BD9-81ED-4DB2-BD59-A6C34878D82A}">
-                    <a16:rowId xmlns:a16="http://schemas.microsoft.com/office/drawing/2014/main" xmlns="" val="3690944604"/>
+                    <a16:rowId xmlns:a16="http://schemas.microsoft.com/office/drawing/2014/main" val="3690944604"/>
                   </a:ext>
                 </a:extLst>
               </a:tr>
@@ -37060,7 +38152,7 @@
                 </a:tc>
                 <a:extLst>
                   <a:ext uri="{0D108BD9-81ED-4DB2-BD59-A6C34878D82A}">
-                    <a16:rowId xmlns:a16="http://schemas.microsoft.com/office/drawing/2014/main" xmlns="" val="230628081"/>
+                    <a16:rowId xmlns:a16="http://schemas.microsoft.com/office/drawing/2014/main" val="230628081"/>
                   </a:ext>
                 </a:extLst>
               </a:tr>
@@ -37185,7 +38277,7 @@
                 </a:tc>
                 <a:extLst>
                   <a:ext uri="{0D108BD9-81ED-4DB2-BD59-A6C34878D82A}">
-                    <a16:rowId xmlns:a16="http://schemas.microsoft.com/office/drawing/2014/main" xmlns="" val="3204434266"/>
+                    <a16:rowId xmlns:a16="http://schemas.microsoft.com/office/drawing/2014/main" val="3204434266"/>
                   </a:ext>
                 </a:extLst>
               </a:tr>
@@ -37310,7 +38402,7 @@
                 </a:tc>
                 <a:extLst>
                   <a:ext uri="{0D108BD9-81ED-4DB2-BD59-A6C34878D82A}">
-                    <a16:rowId xmlns:a16="http://schemas.microsoft.com/office/drawing/2014/main" xmlns="" val="4131873036"/>
+                    <a16:rowId xmlns:a16="http://schemas.microsoft.com/office/drawing/2014/main" val="4131873036"/>
                   </a:ext>
                 </a:extLst>
               </a:tr>
@@ -37435,7 +38527,7 @@
                 </a:tc>
                 <a:extLst>
                   <a:ext uri="{0D108BD9-81ED-4DB2-BD59-A6C34878D82A}">
-                    <a16:rowId xmlns:a16="http://schemas.microsoft.com/office/drawing/2014/main" xmlns="" val="4177705667"/>
+                    <a16:rowId xmlns:a16="http://schemas.microsoft.com/office/drawing/2014/main" val="4177705667"/>
                   </a:ext>
                 </a:extLst>
               </a:tr>
@@ -37560,7 +38652,7 @@
                 </a:tc>
                 <a:extLst>
                   <a:ext uri="{0D108BD9-81ED-4DB2-BD59-A6C34878D82A}">
-                    <a16:rowId xmlns:a16="http://schemas.microsoft.com/office/drawing/2014/main" xmlns="" val="1397652420"/>
+                    <a16:rowId xmlns:a16="http://schemas.microsoft.com/office/drawing/2014/main" val="1397652420"/>
                   </a:ext>
                 </a:extLst>
               </a:tr>
@@ -37685,7 +38777,7 @@
                 </a:tc>
                 <a:extLst>
                   <a:ext uri="{0D108BD9-81ED-4DB2-BD59-A6C34878D82A}">
-                    <a16:rowId xmlns:a16="http://schemas.microsoft.com/office/drawing/2014/main" xmlns="" val="890069654"/>
+                    <a16:rowId xmlns:a16="http://schemas.microsoft.com/office/drawing/2014/main" val="890069654"/>
                   </a:ext>
                 </a:extLst>
               </a:tr>
@@ -37698,7 +38790,7 @@
           <p:cNvPr id="17" name="TextBox 16">
             <a:extLst>
               <a:ext uri="{FF2B5EF4-FFF2-40B4-BE49-F238E27FC236}">
-                <a16:creationId xmlns:a16="http://schemas.microsoft.com/office/drawing/2014/main" xmlns="" id="{40EBEA4C-B981-45A7-B1F7-AD923027DE70}"/>
+                <a16:creationId xmlns:a16="http://schemas.microsoft.com/office/drawing/2014/main" id="{40EBEA4C-B981-45A7-B1F7-AD923027DE70}"/>
               </a:ext>
             </a:extLst>
           </p:cNvPr>
@@ -37936,482 +39028,6 @@
       <p:bldP spid="14" grpId="0" animBg="1"/>
     </p:bldLst>
   </p:timing>
-</p:sld>
-</file>
-
-<file path=ppt/slides/slide8.xml><?xml version="1.0" encoding="utf-8"?>
-<p:sld xmlns:a="http://schemas.openxmlformats.org/drawingml/2006/main" xmlns:r="http://schemas.openxmlformats.org/officeDocument/2006/relationships" xmlns:p="http://schemas.openxmlformats.org/presentationml/2006/main">
-  <p:cSld>
-    <p:spTree>
-      <p:nvGrpSpPr>
-        <p:cNvPr id="1" name=""/>
-        <p:cNvGrpSpPr/>
-        <p:nvPr/>
-      </p:nvGrpSpPr>
-      <p:grpSpPr>
-        <a:xfrm>
-          <a:off x="0" y="0"/>
-          <a:ext cx="0" cy="0"/>
-          <a:chOff x="0" y="0"/>
-          <a:chExt cx="0" cy="0"/>
-        </a:xfrm>
-      </p:grpSpPr>
-      <p:sp>
-        <p:nvSpPr>
-          <p:cNvPr id="2" name="Title 1">
-            <a:extLst>
-              <a:ext uri="{FF2B5EF4-FFF2-40B4-BE49-F238E27FC236}">
-                <a16:creationId xmlns:a16="http://schemas.microsoft.com/office/drawing/2014/main" xmlns="" id="{04DAFDD8-CF79-4C3F-8ED3-119BFF541681}"/>
-              </a:ext>
-            </a:extLst>
-          </p:cNvPr>
-          <p:cNvSpPr>
-            <a:spLocks noGrp="1"/>
-          </p:cNvSpPr>
-          <p:nvPr>
-            <p:ph type="title"/>
-          </p:nvPr>
-        </p:nvSpPr>
-        <p:spPr/>
-        <p:txBody>
-          <a:bodyPr/>
-          <a:lstStyle/>
-          <a:p>
-            <a:r>
-              <a:rPr lang="en-GB" sz="2000" dirty="0">
-                <a:latin typeface="Roboto Medium" panose="02000000000000000000" pitchFamily="2" charset="0"/>
-                <a:ea typeface="Roboto Medium" panose="02000000000000000000" pitchFamily="2" charset="0"/>
-              </a:rPr>
-              <a:t>Visualisation of Categorical Data</a:t>
-            </a:r>
-            <a:endParaRPr lang="en-SG" dirty="0"/>
-          </a:p>
-        </p:txBody>
-      </p:sp>
-      <p:sp>
-        <p:nvSpPr>
-          <p:cNvPr id="3" name="Content Placeholder 2">
-            <a:extLst>
-              <a:ext uri="{FF2B5EF4-FFF2-40B4-BE49-F238E27FC236}">
-                <a16:creationId xmlns:a16="http://schemas.microsoft.com/office/drawing/2014/main" xmlns="" id="{E91C1445-B257-4CAB-8952-51D2BCD62707}"/>
-              </a:ext>
-            </a:extLst>
-          </p:cNvPr>
-          <p:cNvSpPr>
-            <a:spLocks noGrp="1"/>
-          </p:cNvSpPr>
-          <p:nvPr>
-            <p:ph idx="10"/>
-          </p:nvPr>
-        </p:nvSpPr>
-        <p:spPr/>
-        <p:txBody>
-          <a:bodyPr/>
-          <a:lstStyle/>
-          <a:p>
-            <a:r>
-              <a:rPr lang="en-US" dirty="0"/>
-              <a:t>After you Explore your data</a:t>
-            </a:r>
-            <a:endParaRPr lang="en-SG" dirty="0"/>
-          </a:p>
-        </p:txBody>
-      </p:sp>
-      <p:graphicFrame>
-        <p:nvGraphicFramePr>
-          <p:cNvPr id="5" name="Content Placeholder 4">
-            <a:extLst>
-              <a:ext uri="{FF2B5EF4-FFF2-40B4-BE49-F238E27FC236}">
-                <a16:creationId xmlns:a16="http://schemas.microsoft.com/office/drawing/2014/main" xmlns="" id="{0500F1B0-BB9A-441F-AC4E-214D858638CB}"/>
-              </a:ext>
-            </a:extLst>
-          </p:cNvPr>
-          <p:cNvGraphicFramePr>
-            <a:graphicFrameLocks noGrp="1"/>
-          </p:cNvGraphicFramePr>
-          <p:nvPr>
-            <p:ph idx="1"/>
-            <p:extLst>
-              <p:ext uri="{D42A27DB-BD31-4B8C-83A1-F6EECF244321}">
-                <p14:modId xmlns:p14="http://schemas.microsoft.com/office/powerpoint/2010/main" val="1152838948"/>
-              </p:ext>
-            </p:extLst>
-          </p:nvPr>
-        </p:nvGraphicFramePr>
-        <p:xfrm>
-          <a:off x="290512" y="1583387"/>
-          <a:ext cx="8562975" cy="1259131"/>
-        </p:xfrm>
-        <a:graphic>
-          <a:graphicData uri="http://schemas.openxmlformats.org/drawingml/2006/diagram">
-            <dgm:relIds xmlns:dgm="http://schemas.openxmlformats.org/drawingml/2006/diagram" xmlns:r="http://schemas.openxmlformats.org/officeDocument/2006/relationships" r:dm="rId2" r:lo="rId3" r:qs="rId4" r:cs="rId5"/>
-          </a:graphicData>
-        </a:graphic>
-      </p:graphicFrame>
-      <p:sp>
-        <p:nvSpPr>
-          <p:cNvPr id="11" name="Rectangle 10">
-            <a:extLst>
-              <a:ext uri="{FF2B5EF4-FFF2-40B4-BE49-F238E27FC236}">
-                <a16:creationId xmlns:a16="http://schemas.microsoft.com/office/drawing/2014/main" xmlns="" id="{B33D4164-84F2-4179-B982-8EA85AFB7E63}"/>
-              </a:ext>
-            </a:extLst>
-          </p:cNvPr>
-          <p:cNvSpPr/>
-          <p:nvPr/>
-        </p:nvSpPr>
-        <p:spPr>
-          <a:xfrm>
-            <a:off x="4480658" y="2793918"/>
-            <a:ext cx="1770185" cy="1477328"/>
-          </a:xfrm>
-          <a:prstGeom prst="rect">
-            <a:avLst/>
-          </a:prstGeom>
-          <a:solidFill>
-            <a:schemeClr val="bg1"/>
-          </a:solidFill>
-        </p:spPr>
-        <p:style>
-          <a:lnRef idx="1">
-            <a:schemeClr val="accent1"/>
-          </a:lnRef>
-          <a:fillRef idx="3">
-            <a:schemeClr val="accent1"/>
-          </a:fillRef>
-          <a:effectRef idx="2">
-            <a:schemeClr val="accent1"/>
-          </a:effectRef>
-          <a:fontRef idx="minor">
-            <a:schemeClr val="lt1"/>
-          </a:fontRef>
-        </p:style>
-        <p:txBody>
-          <a:bodyPr rot="0" spcFirstLastPara="0" vertOverflow="overflow" horzOverflow="overflow" vert="horz" wrap="square" lIns="91440" tIns="45720" rIns="91440" bIns="45720" numCol="1" spcCol="0" rtlCol="0" fromWordArt="0" anchor="ctr" anchorCtr="0" forceAA="0" compatLnSpc="1">
-            <a:prstTxWarp prst="textNoShape">
-              <a:avLst/>
-            </a:prstTxWarp>
-            <a:noAutofit/>
-          </a:bodyPr>
-          <a:lstStyle/>
-          <a:p>
-            <a:pPr algn="ctr"/>
-            <a:r>
-              <a:rPr lang="en-SG" sz="1400" dirty="0">
-                <a:solidFill>
-                  <a:srgbClr val="6600FF"/>
-                </a:solidFill>
-              </a:rPr>
-              <a:t>Used when we want to see share of an item as part of total</a:t>
-            </a:r>
-          </a:p>
-        </p:txBody>
-      </p:sp>
-      <p:sp>
-        <p:nvSpPr>
-          <p:cNvPr id="12" name="Rectangle 11">
-            <a:extLst>
-              <a:ext uri="{FF2B5EF4-FFF2-40B4-BE49-F238E27FC236}">
-                <a16:creationId xmlns:a16="http://schemas.microsoft.com/office/drawing/2014/main" xmlns="" id="{36270319-65C7-4FF0-A2A7-77938B71ECC4}"/>
-              </a:ext>
-            </a:extLst>
-          </p:cNvPr>
-          <p:cNvSpPr/>
-          <p:nvPr/>
-        </p:nvSpPr>
-        <p:spPr>
-          <a:xfrm>
-            <a:off x="2489200" y="2793917"/>
-            <a:ext cx="1770185" cy="954107"/>
-          </a:xfrm>
-          <a:prstGeom prst="rect">
-            <a:avLst/>
-          </a:prstGeom>
-          <a:solidFill>
-            <a:schemeClr val="bg1"/>
-          </a:solidFill>
-        </p:spPr>
-        <p:style>
-          <a:lnRef idx="1">
-            <a:schemeClr val="accent1"/>
-          </a:lnRef>
-          <a:fillRef idx="3">
-            <a:schemeClr val="accent1"/>
-          </a:fillRef>
-          <a:effectRef idx="2">
-            <a:schemeClr val="accent1"/>
-          </a:effectRef>
-          <a:fontRef idx="minor">
-            <a:schemeClr val="lt1"/>
-          </a:fontRef>
-        </p:style>
-        <p:txBody>
-          <a:bodyPr rot="0" spcFirstLastPara="0" vertOverflow="overflow" horzOverflow="overflow" vert="horz" wrap="square" lIns="91440" tIns="45720" rIns="91440" bIns="45720" numCol="1" spcCol="0" rtlCol="0" fromWordArt="0" anchor="ctr" anchorCtr="0" forceAA="0" compatLnSpc="1">
-            <a:prstTxWarp prst="textNoShape">
-              <a:avLst/>
-            </a:prstTxWarp>
-            <a:noAutofit/>
-          </a:bodyPr>
-          <a:lstStyle/>
-          <a:p>
-            <a:pPr algn="ctr"/>
-            <a:r>
-              <a:rPr lang="en-SG" sz="1400" dirty="0">
-                <a:solidFill>
-                  <a:srgbClr val="6600FF"/>
-                </a:solidFill>
-              </a:rPr>
-              <a:t>Each bar is category; y-axis is frequency (relative or absolute)</a:t>
-            </a:r>
-          </a:p>
-        </p:txBody>
-      </p:sp>
-      <p:sp>
-        <p:nvSpPr>
-          <p:cNvPr id="13" name="Rectangle 12">
-            <a:extLst>
-              <a:ext uri="{FF2B5EF4-FFF2-40B4-BE49-F238E27FC236}">
-                <a16:creationId xmlns:a16="http://schemas.microsoft.com/office/drawing/2014/main" xmlns="" id="{B561E94A-8462-4406-8871-34C58451F916}"/>
-              </a:ext>
-            </a:extLst>
-          </p:cNvPr>
-          <p:cNvSpPr/>
-          <p:nvPr/>
-        </p:nvSpPr>
-        <p:spPr>
-          <a:xfrm>
-            <a:off x="6535494" y="2852777"/>
-            <a:ext cx="2033342" cy="1078361"/>
-          </a:xfrm>
-          <a:prstGeom prst="rect">
-            <a:avLst/>
-          </a:prstGeom>
-          <a:solidFill>
-            <a:schemeClr val="bg1"/>
-          </a:solidFill>
-        </p:spPr>
-        <p:style>
-          <a:lnRef idx="1">
-            <a:schemeClr val="accent1"/>
-          </a:lnRef>
-          <a:fillRef idx="3">
-            <a:schemeClr val="accent1"/>
-          </a:fillRef>
-          <a:effectRef idx="2">
-            <a:schemeClr val="accent1"/>
-          </a:effectRef>
-          <a:fontRef idx="minor">
-            <a:schemeClr val="lt1"/>
-          </a:fontRef>
-        </p:style>
-        <p:txBody>
-          <a:bodyPr rot="0" spcFirstLastPara="0" vertOverflow="overflow" horzOverflow="overflow" vert="horz" wrap="square" lIns="91440" tIns="45720" rIns="91440" bIns="45720" numCol="1" spcCol="0" rtlCol="0" fromWordArt="0" anchor="ctr" anchorCtr="0" forceAA="0" compatLnSpc="1">
-            <a:prstTxWarp prst="textNoShape">
-              <a:avLst/>
-            </a:prstTxWarp>
-            <a:noAutofit/>
-          </a:bodyPr>
-          <a:lstStyle/>
-          <a:p>
-            <a:pPr algn="ctr"/>
-            <a:r>
-              <a:rPr lang="en-SG" sz="1400" dirty="0">
-                <a:solidFill>
-                  <a:srgbClr val="6600FF"/>
-                </a:solidFill>
-              </a:rPr>
-              <a:t>Categories shown in descending order of frequency, and separate curve shows cumulative frequency.</a:t>
-            </a:r>
-          </a:p>
-        </p:txBody>
-      </p:sp>
-    </p:spTree>
-    <p:extLst>
-      <p:ext uri="{BB962C8B-B14F-4D97-AF65-F5344CB8AC3E}">
-        <p14:creationId xmlns:p14="http://schemas.microsoft.com/office/powerpoint/2010/main" val="4116253114"/>
-      </p:ext>
-    </p:extLst>
-  </p:cSld>
-  <p:clrMapOvr>
-    <a:masterClrMapping/>
-  </p:clrMapOvr>
-</p:sld>
-</file>
-
-<file path=ppt/slides/slide9.xml><?xml version="1.0" encoding="utf-8"?>
-<p:sld xmlns:a="http://schemas.openxmlformats.org/drawingml/2006/main" xmlns:r="http://schemas.openxmlformats.org/officeDocument/2006/relationships" xmlns:p="http://schemas.openxmlformats.org/presentationml/2006/main">
-  <p:cSld>
-    <p:spTree>
-      <p:nvGrpSpPr>
-        <p:cNvPr id="1" name=""/>
-        <p:cNvGrpSpPr/>
-        <p:nvPr/>
-      </p:nvGrpSpPr>
-      <p:grpSpPr>
-        <a:xfrm>
-          <a:off x="0" y="0"/>
-          <a:ext cx="0" cy="0"/>
-          <a:chOff x="0" y="0"/>
-          <a:chExt cx="0" cy="0"/>
-        </a:xfrm>
-      </p:grpSpPr>
-      <p:sp>
-        <p:nvSpPr>
-          <p:cNvPr id="2" name="Title 1">
-            <a:extLst>
-              <a:ext uri="{FF2B5EF4-FFF2-40B4-BE49-F238E27FC236}">
-                <a16:creationId xmlns:a16="http://schemas.microsoft.com/office/drawing/2014/main" xmlns="" id="{04DAFDD8-CF79-4C3F-8ED3-119BFF541681}"/>
-              </a:ext>
-            </a:extLst>
-          </p:cNvPr>
-          <p:cNvSpPr>
-            <a:spLocks noGrp="1"/>
-          </p:cNvSpPr>
-          <p:nvPr>
-            <p:ph type="title"/>
-          </p:nvPr>
-        </p:nvSpPr>
-        <p:spPr/>
-        <p:txBody>
-          <a:bodyPr/>
-          <a:lstStyle/>
-          <a:p>
-            <a:r>
-              <a:rPr lang="en-GB" sz="2000" dirty="0">
-                <a:latin typeface="Roboto Medium" panose="02000000000000000000" pitchFamily="2" charset="0"/>
-                <a:ea typeface="Roboto Medium" panose="02000000000000000000" pitchFamily="2" charset="0"/>
-              </a:rPr>
-              <a:t>Visualisation of Categorical Data</a:t>
-            </a:r>
-            <a:endParaRPr lang="en-SG" dirty="0"/>
-          </a:p>
-        </p:txBody>
-      </p:sp>
-      <p:sp>
-        <p:nvSpPr>
-          <p:cNvPr id="3" name="Content Placeholder 2">
-            <a:extLst>
-              <a:ext uri="{FF2B5EF4-FFF2-40B4-BE49-F238E27FC236}">
-                <a16:creationId xmlns:a16="http://schemas.microsoft.com/office/drawing/2014/main" xmlns="" id="{E91C1445-B257-4CAB-8952-51D2BCD62707}"/>
-              </a:ext>
-            </a:extLst>
-          </p:cNvPr>
-          <p:cNvSpPr>
-            <a:spLocks noGrp="1"/>
-          </p:cNvSpPr>
-          <p:nvPr>
-            <p:ph idx="10"/>
-          </p:nvPr>
-        </p:nvSpPr>
-        <p:spPr/>
-        <p:txBody>
-          <a:bodyPr/>
-          <a:lstStyle/>
-          <a:p>
-            <a:r>
-              <a:rPr lang="en-US" dirty="0"/>
-              <a:t>What is skewness?</a:t>
-            </a:r>
-            <a:endParaRPr lang="en-SG" dirty="0"/>
-          </a:p>
-        </p:txBody>
-      </p:sp>
-      <p:sp>
-        <p:nvSpPr>
-          <p:cNvPr id="6" name="Rectangle 5">
-            <a:extLst>
-              <a:ext uri="{FF2B5EF4-FFF2-40B4-BE49-F238E27FC236}">
-                <a16:creationId xmlns:a16="http://schemas.microsoft.com/office/drawing/2014/main" xmlns="" id="{15ED185C-1335-41A5-A68D-F9BA65F97718}"/>
-              </a:ext>
-            </a:extLst>
-          </p:cNvPr>
-          <p:cNvSpPr/>
-          <p:nvPr/>
-        </p:nvSpPr>
-        <p:spPr>
-          <a:xfrm>
-            <a:off x="5074782" y="1447007"/>
-            <a:ext cx="3749079" cy="2585323"/>
-          </a:xfrm>
-          <a:prstGeom prst="rect">
-            <a:avLst/>
-          </a:prstGeom>
-        </p:spPr>
-        <p:txBody>
-          <a:bodyPr wrap="square">
-            <a:spAutoFit/>
-          </a:bodyPr>
-          <a:lstStyle/>
-          <a:p>
-            <a:pPr algn="just"/>
-            <a:r>
-              <a:rPr lang="en-US" dirty="0"/>
-              <a:t>Measure of asymmetry that indicates whether the observations in a dataset are concentrated on one side </a:t>
-            </a:r>
-          </a:p>
-          <a:p>
-            <a:pPr marL="285750" indent="-285750" algn="just">
-              <a:buFont typeface="Arial" panose="020B0604020202020204" pitchFamily="34" charset="0"/>
-              <a:buChar char="•"/>
-            </a:pPr>
-            <a:r>
-              <a:rPr lang="en-US" dirty="0"/>
-              <a:t>Right (positive) skewness - outliers are to the right (long tail to the right)</a:t>
-            </a:r>
-          </a:p>
-          <a:p>
-            <a:pPr marL="285750" indent="-285750" algn="just">
-              <a:buFont typeface="Arial" panose="020B0604020202020204" pitchFamily="34" charset="0"/>
-              <a:buChar char="•"/>
-            </a:pPr>
-            <a:r>
-              <a:rPr lang="en-US" dirty="0"/>
-              <a:t>Left (negative) skewness - outliers are to the left</a:t>
-            </a:r>
-            <a:endParaRPr lang="en-SG" dirty="0"/>
-          </a:p>
-        </p:txBody>
-      </p:sp>
-      <p:pic>
-        <p:nvPicPr>
-          <p:cNvPr id="7" name="Picture 6">
-            <a:extLst>
-              <a:ext uri="{FF2B5EF4-FFF2-40B4-BE49-F238E27FC236}">
-                <a16:creationId xmlns:a16="http://schemas.microsoft.com/office/drawing/2014/main" xmlns="" id="{EB441FF7-D97F-4CF5-9A78-FE0C4B47EAE4}"/>
-              </a:ext>
-            </a:extLst>
-          </p:cNvPr>
-          <p:cNvPicPr>
-            <a:picLocks noChangeAspect="1"/>
-          </p:cNvPicPr>
-          <p:nvPr/>
-        </p:nvPicPr>
-        <p:blipFill>
-          <a:blip r:embed="rId2"/>
-          <a:stretch>
-            <a:fillRect/>
-          </a:stretch>
-        </p:blipFill>
-        <p:spPr>
-          <a:xfrm>
-            <a:off x="609037" y="1745474"/>
-            <a:ext cx="3968111" cy="2120887"/>
-          </a:xfrm>
-          <a:prstGeom prst="rect">
-            <a:avLst/>
-          </a:prstGeom>
-        </p:spPr>
-      </p:pic>
-    </p:spTree>
-    <p:extLst>
-      <p:ext uri="{BB962C8B-B14F-4D97-AF65-F5344CB8AC3E}">
-        <p14:creationId xmlns:p14="http://schemas.microsoft.com/office/powerpoint/2010/main" val="1845641290"/>
-      </p:ext>
-    </p:extLst>
-  </p:cSld>
-  <p:clrMapOvr>
-    <a:masterClrMapping/>
-  </p:clrMapOvr>
 </p:sld>
 </file>
 
@@ -40401,6 +41017,24 @@
 </file>
 
 <file path=customXml/item1.xml><?xml version="1.0" encoding="utf-8"?>
+<?mso-contentType ?>
+<FormTemplates xmlns="http://schemas.microsoft.com/sharepoint/v3/contenttype/forms">
+  <Display>DocumentLibraryForm</Display>
+  <Edit>DocumentLibraryForm</Edit>
+  <New>DocumentLibraryForm</New>
+</FormTemplates>
+</file>
+
+<file path=customXml/item2.xml><?xml version="1.0" encoding="utf-8"?>
+<p:properties xmlns:p="http://schemas.microsoft.com/office/2006/metadata/properties" xmlns:xsi="http://www.w3.org/2001/XMLSchema-instance" xmlns:pc="http://schemas.microsoft.com/office/infopath/2007/PartnerControls">
+  <documentManagement>
+    <_Version xmlns="http://schemas.microsoft.com/sharepoint/v3/fields" xsi:nil="true"/>
+    <_Status xmlns="http://schemas.microsoft.com/sharepoint/v3/fields">Not Started</_Status>
+  </documentManagement>
+</p:properties>
+</file>
+
+<file path=customXml/item3.xml><?xml version="1.0" encoding="utf-8"?>
 <ct:contentTypeSchema xmlns:ct="http://schemas.microsoft.com/office/2006/metadata/contentType" xmlns:ma="http://schemas.microsoft.com/office/2006/metadata/properties/metaAttributes" ct:_="" ma:_="" ma:contentTypeName="Document" ma:contentTypeID="0x0101000DE64AEEDD9B7A4D93545ACBE97D4615" ma:contentTypeVersion="2" ma:contentTypeDescription="Create a new document." ma:contentTypeScope="" ma:versionID="f49002b78e3a4a71b814eef46a983816">
   <xsd:schema xmlns:xsd="http://www.w3.org/2001/XMLSchema" xmlns:xs="http://www.w3.org/2001/XMLSchema" xmlns:p="http://schemas.microsoft.com/office/2006/metadata/properties" xmlns:ns2="http://schemas.microsoft.com/sharepoint/v3/fields" targetNamespace="http://schemas.microsoft.com/office/2006/metadata/properties" ma:root="true" ma:fieldsID="38f6db2dd0d9a0cf6a8dc37be32b365b" ns2:_="">
     <xsd:import namespace="http://schemas.microsoft.com/sharepoint/v3/fields"/>
@@ -40544,25 +41178,25 @@
 </ct:contentTypeSchema>
 </file>
 
-<file path=customXml/item2.xml><?xml version="1.0" encoding="utf-8"?>
-<?mso-contentType ?>
-<FormTemplates xmlns="http://schemas.microsoft.com/sharepoint/v3/contenttype/forms">
-  <Display>DocumentLibraryForm</Display>
-  <Edit>DocumentLibraryForm</Edit>
-  <New>DocumentLibraryForm</New>
-</FormTemplates>
+<file path=customXml/itemProps1.xml><?xml version="1.0" encoding="utf-8"?>
+<ds:datastoreItem xmlns:ds="http://schemas.openxmlformats.org/officeDocument/2006/customXml" ds:itemID="{87D2A1B0-FF3E-4009-940D-AED0EB70AA20}">
+  <ds:schemaRefs>
+    <ds:schemaRef ds:uri="http://schemas.microsoft.com/sharepoint/v3/contenttype/forms"/>
+  </ds:schemaRefs>
+</ds:datastoreItem>
 </file>
 
-<file path=customXml/item3.xml><?xml version="1.0" encoding="utf-8"?>
-<p:properties xmlns:p="http://schemas.microsoft.com/office/2006/metadata/properties" xmlns:xsi="http://www.w3.org/2001/XMLSchema-instance" xmlns:pc="http://schemas.microsoft.com/office/infopath/2007/PartnerControls">
-  <documentManagement>
-    <_Version xmlns="http://schemas.microsoft.com/sharepoint/v3/fields" xsi:nil="true"/>
-    <_Status xmlns="http://schemas.microsoft.com/sharepoint/v3/fields">Not Started</_Status>
-  </documentManagement>
-</p:properties>
+<file path=customXml/itemProps2.xml><?xml version="1.0" encoding="utf-8"?>
+<ds:datastoreItem xmlns:ds="http://schemas.openxmlformats.org/officeDocument/2006/customXml" ds:itemID="{7B6F2769-7194-4217-93D3-3AF3A4742282}">
+  <ds:schemaRefs>
+    <ds:schemaRef ds:uri="http://schemas.microsoft.com/office/2006/metadata/properties"/>
+    <ds:schemaRef ds:uri="http://schemas.microsoft.com/office/infopath/2007/PartnerControls"/>
+    <ds:schemaRef ds:uri="http://schemas.microsoft.com/sharepoint/v3/fields"/>
+  </ds:schemaRefs>
+</ds:datastoreItem>
 </file>
 
-<file path=customXml/itemProps1.xml><?xml version="1.0" encoding="utf-8"?>
+<file path=customXml/itemProps3.xml><?xml version="1.0" encoding="utf-8"?>
 <ds:datastoreItem xmlns:ds="http://schemas.openxmlformats.org/officeDocument/2006/customXml" ds:itemID="{E4214858-785C-42F7-BE66-6D0E79395FC8}">
   <ds:schemaRefs>
     <ds:schemaRef ds:uri="http://schemas.microsoft.com/office/2006/metadata/contentType"/>
@@ -40578,22 +41212,4 @@
     <ds:schemaRef ds:uri="http://schemas.microsoft.com/internal/obd"/>
   </ds:schemaRefs>
 </ds:datastoreItem>
-</file>
-
-<file path=customXml/itemProps2.xml><?xml version="1.0" encoding="utf-8"?>
-<ds:datastoreItem xmlns:ds="http://schemas.openxmlformats.org/officeDocument/2006/customXml" ds:itemID="{87D2A1B0-FF3E-4009-940D-AED0EB70AA20}">
-  <ds:schemaRefs>
-    <ds:schemaRef ds:uri="http://schemas.microsoft.com/sharepoint/v3/contenttype/forms"/>
-  </ds:schemaRefs>
-</ds:datastoreItem>
-</file>
-
-<file path=customXml/itemProps3.xml><?xml version="1.0" encoding="utf-8"?>
-<ds:datastoreItem xmlns:ds="http://schemas.openxmlformats.org/officeDocument/2006/customXml" ds:itemID="{7B6F2769-7194-4217-93D3-3AF3A4742282}">
-  <ds:schemaRefs>
-    <ds:schemaRef ds:uri="http://schemas.microsoft.com/office/2006/metadata/properties"/>
-    <ds:schemaRef ds:uri="http://schemas.microsoft.com/office/infopath/2007/PartnerControls"/>
-    <ds:schemaRef ds:uri="http://schemas.microsoft.com/sharepoint/v3/fields"/>
-  </ds:schemaRefs>
-</ds:datastoreItem>
 </file>